--- a/analysis/figures/2023_07_31_plots_for_paper.pptx
+++ b/analysis/figures/2023_07_31_plots_for_paper.pptx
@@ -2,18 +2,20 @@
 <file path=ppt/presentation.xml><?xml version="1.0" encoding="utf-8"?>
 <p:presentation xmlns:a="http://schemas.openxmlformats.org/drawingml/2006/main" xmlns:r="http://schemas.openxmlformats.org/officeDocument/2006/relationships" xmlns:p="http://schemas.openxmlformats.org/presentationml/2006/main" saveSubsetFonts="1">
   <p:sldMasterIdLst>
-    <p:sldMasterId id="2147483648" r:id="rId1"/>
+    <p:sldMasterId id="2147483672" r:id="rId1"/>
   </p:sldMasterIdLst>
   <p:sldIdLst>
     <p:sldId id="256" r:id="rId2"/>
+    <p:sldId id="258" r:id="rId3"/>
+    <p:sldId id="259" r:id="rId4"/>
   </p:sldIdLst>
-  <p:sldSz cx="12192000" cy="6858000"/>
+  <p:sldSz cx="6858000" cy="9906000" type="A4"/>
   <p:notesSz cx="6858000" cy="9144000"/>
   <p:defaultTextStyle>
     <a:defPPr>
-      <a:defRPr lang="he-IL"/>
+      <a:defRPr lang="en-US"/>
     </a:defPPr>
-    <a:lvl1pPr marL="0" algn="l" defTabSz="914400" rtl="0" eaLnBrk="1" latinLnBrk="0" hangingPunct="1">
+    <a:lvl1pPr marL="0" algn="l" defTabSz="457200" rtl="0" eaLnBrk="1" latinLnBrk="0" hangingPunct="1">
       <a:defRPr sz="1800" kern="1200">
         <a:solidFill>
           <a:schemeClr val="tx1"/>
@@ -23,7 +25,7 @@
         <a:cs typeface="+mn-cs"/>
       </a:defRPr>
     </a:lvl1pPr>
-    <a:lvl2pPr marL="457200" algn="l" defTabSz="914400" rtl="0" eaLnBrk="1" latinLnBrk="0" hangingPunct="1">
+    <a:lvl2pPr marL="457200" algn="l" defTabSz="457200" rtl="0" eaLnBrk="1" latinLnBrk="0" hangingPunct="1">
       <a:defRPr sz="1800" kern="1200">
         <a:solidFill>
           <a:schemeClr val="tx1"/>
@@ -33,7 +35,7 @@
         <a:cs typeface="+mn-cs"/>
       </a:defRPr>
     </a:lvl2pPr>
-    <a:lvl3pPr marL="914400" algn="l" defTabSz="914400" rtl="0" eaLnBrk="1" latinLnBrk="0" hangingPunct="1">
+    <a:lvl3pPr marL="914400" algn="l" defTabSz="457200" rtl="0" eaLnBrk="1" latinLnBrk="0" hangingPunct="1">
       <a:defRPr sz="1800" kern="1200">
         <a:solidFill>
           <a:schemeClr val="tx1"/>
@@ -43,7 +45,7 @@
         <a:cs typeface="+mn-cs"/>
       </a:defRPr>
     </a:lvl3pPr>
-    <a:lvl4pPr marL="1371600" algn="l" defTabSz="914400" rtl="0" eaLnBrk="1" latinLnBrk="0" hangingPunct="1">
+    <a:lvl4pPr marL="1371600" algn="l" defTabSz="457200" rtl="0" eaLnBrk="1" latinLnBrk="0" hangingPunct="1">
       <a:defRPr sz="1800" kern="1200">
         <a:solidFill>
           <a:schemeClr val="tx1"/>
@@ -53,7 +55,7 @@
         <a:cs typeface="+mn-cs"/>
       </a:defRPr>
     </a:lvl4pPr>
-    <a:lvl5pPr marL="1828800" algn="l" defTabSz="914400" rtl="0" eaLnBrk="1" latinLnBrk="0" hangingPunct="1">
+    <a:lvl5pPr marL="1828800" algn="l" defTabSz="457200" rtl="0" eaLnBrk="1" latinLnBrk="0" hangingPunct="1">
       <a:defRPr sz="1800" kern="1200">
         <a:solidFill>
           <a:schemeClr val="tx1"/>
@@ -63,7 +65,7 @@
         <a:cs typeface="+mn-cs"/>
       </a:defRPr>
     </a:lvl5pPr>
-    <a:lvl6pPr marL="2286000" algn="l" defTabSz="914400" rtl="0" eaLnBrk="1" latinLnBrk="0" hangingPunct="1">
+    <a:lvl6pPr marL="2286000" algn="l" defTabSz="457200" rtl="0" eaLnBrk="1" latinLnBrk="0" hangingPunct="1">
       <a:defRPr sz="1800" kern="1200">
         <a:solidFill>
           <a:schemeClr val="tx1"/>
@@ -73,7 +75,7 @@
         <a:cs typeface="+mn-cs"/>
       </a:defRPr>
     </a:lvl6pPr>
-    <a:lvl7pPr marL="2743200" algn="l" defTabSz="914400" rtl="0" eaLnBrk="1" latinLnBrk="0" hangingPunct="1">
+    <a:lvl7pPr marL="2743200" algn="l" defTabSz="457200" rtl="0" eaLnBrk="1" latinLnBrk="0" hangingPunct="1">
       <a:defRPr sz="1800" kern="1200">
         <a:solidFill>
           <a:schemeClr val="tx1"/>
@@ -83,7 +85,7 @@
         <a:cs typeface="+mn-cs"/>
       </a:defRPr>
     </a:lvl7pPr>
-    <a:lvl8pPr marL="3200400" algn="l" defTabSz="914400" rtl="0" eaLnBrk="1" latinLnBrk="0" hangingPunct="1">
+    <a:lvl8pPr marL="3200400" algn="l" defTabSz="457200" rtl="0" eaLnBrk="1" latinLnBrk="0" hangingPunct="1">
       <a:defRPr sz="1800" kern="1200">
         <a:solidFill>
           <a:schemeClr val="tx1"/>
@@ -93,7 +95,7 @@
         <a:cs typeface="+mn-cs"/>
       </a:defRPr>
     </a:lvl8pPr>
-    <a:lvl9pPr marL="3657600" algn="l" defTabSz="914400" rtl="0" eaLnBrk="1" latinLnBrk="0" hangingPunct="1">
+    <a:lvl9pPr marL="3657600" algn="l" defTabSz="457200" rtl="0" eaLnBrk="1" latinLnBrk="0" hangingPunct="1">
       <a:defRPr sz="1800" kern="1200">
         <a:solidFill>
           <a:schemeClr val="tx1"/>
@@ -104,6 +106,22 @@
       </a:defRPr>
     </a:lvl9pPr>
   </p:defaultTextStyle>
+  <p:extLst>
+    <p:ext uri="{EFAFB233-063F-42B5-8137-9DF3F51BA10A}">
+      <p15:sldGuideLst xmlns:p15="http://schemas.microsoft.com/office/powerpoint/2012/main">
+        <p15:guide id="1" orient="horz" pos="3732" userDrawn="1">
+          <p15:clr>
+            <a:srgbClr val="A4A3A4"/>
+          </p15:clr>
+        </p15:guide>
+        <p15:guide id="2" pos="2160" userDrawn="1">
+          <p15:clr>
+            <a:srgbClr val="A4A3A4"/>
+          </p15:clr>
+        </p15:guide>
+      </p15:sldGuideLst>
+    </p:ext>
+  </p:extLst>
 </p:presentation>
 </file>
 
@@ -126,13 +144,7 @@
       </p:grpSpPr>
       <p:sp>
         <p:nvSpPr>
-          <p:cNvPr id="2" name="Title 1">
-            <a:extLst>
-              <a:ext uri="{FF2B5EF4-FFF2-40B4-BE49-F238E27FC236}">
-                <a16:creationId xmlns:a16="http://schemas.microsoft.com/office/drawing/2014/main" id="{4FA5D78B-16AD-C001-7D4E-945E77A624E8}"/>
-              </a:ext>
-            </a:extLst>
-          </p:cNvPr>
+          <p:cNvPr id="2" name="Title 1"/>
           <p:cNvSpPr>
             <a:spLocks noGrp="1"/>
           </p:cNvSpPr>
@@ -142,15 +154,15 @@
         </p:nvSpPr>
         <p:spPr>
           <a:xfrm>
-            <a:off x="1524000" y="1122363"/>
-            <a:ext cx="9144000" cy="2387600"/>
+            <a:off x="514350" y="1621191"/>
+            <a:ext cx="5829300" cy="3448756"/>
           </a:xfrm>
         </p:spPr>
         <p:txBody>
           <a:bodyPr anchor="b"/>
           <a:lstStyle>
             <a:lvl1pPr algn="ctr">
-              <a:defRPr sz="6000"/>
+              <a:defRPr sz="4500"/>
             </a:lvl1pPr>
           </a:lstStyle>
           <a:p>
@@ -158,19 +170,13 @@
               <a:rPr lang="en-US"/>
               <a:t>Click to edit Master title style</a:t>
             </a:r>
-            <a:endParaRPr lang="he-IL"/>
-          </a:p>
-        </p:txBody>
-      </p:sp>
-      <p:sp>
-        <p:nvSpPr>
-          <p:cNvPr id="3" name="Subtitle 2">
-            <a:extLst>
-              <a:ext uri="{FF2B5EF4-FFF2-40B4-BE49-F238E27FC236}">
-                <a16:creationId xmlns:a16="http://schemas.microsoft.com/office/drawing/2014/main" id="{881CCAC1-504E-4D1C-7EA2-5E1B343203A5}"/>
-              </a:ext>
-            </a:extLst>
-          </p:cNvPr>
+            <a:endParaRPr lang="en-US" dirty="0"/>
+          </a:p>
+        </p:txBody>
+      </p:sp>
+      <p:sp>
+        <p:nvSpPr>
+          <p:cNvPr id="3" name="Subtitle 2"/>
           <p:cNvSpPr>
             <a:spLocks noGrp="1"/>
           </p:cNvSpPr>
@@ -180,8 +186,8 @@
         </p:nvSpPr>
         <p:spPr>
           <a:xfrm>
-            <a:off x="1524000" y="3602038"/>
-            <a:ext cx="9144000" cy="1655762"/>
+            <a:off x="857250" y="5202944"/>
+            <a:ext cx="5143500" cy="2391656"/>
           </a:xfrm>
         </p:spPr>
         <p:txBody>
@@ -189,39 +195,39 @@
           <a:lstStyle>
             <a:lvl1pPr marL="0" indent="0" algn="ctr">
               <a:buNone/>
-              <a:defRPr sz="2400"/>
+              <a:defRPr sz="1800"/>
             </a:lvl1pPr>
-            <a:lvl2pPr marL="457200" indent="0" algn="ctr">
-              <a:buNone/>
-              <a:defRPr sz="2000"/>
+            <a:lvl2pPr marL="342900" indent="0" algn="ctr">
+              <a:buNone/>
+              <a:defRPr sz="1500"/>
             </a:lvl2pPr>
-            <a:lvl3pPr marL="914400" indent="0" algn="ctr">
-              <a:buNone/>
-              <a:defRPr sz="1800"/>
+            <a:lvl3pPr marL="685800" indent="0" algn="ctr">
+              <a:buNone/>
+              <a:defRPr sz="1350"/>
             </a:lvl3pPr>
-            <a:lvl4pPr marL="1371600" indent="0" algn="ctr">
-              <a:buNone/>
-              <a:defRPr sz="1600"/>
+            <a:lvl4pPr marL="1028700" indent="0" algn="ctr">
+              <a:buNone/>
+              <a:defRPr sz="1200"/>
             </a:lvl4pPr>
-            <a:lvl5pPr marL="1828800" indent="0" algn="ctr">
-              <a:buNone/>
-              <a:defRPr sz="1600"/>
+            <a:lvl5pPr marL="1371600" indent="0" algn="ctr">
+              <a:buNone/>
+              <a:defRPr sz="1200"/>
             </a:lvl5pPr>
-            <a:lvl6pPr marL="2286000" indent="0" algn="ctr">
-              <a:buNone/>
-              <a:defRPr sz="1600"/>
+            <a:lvl6pPr marL="1714500" indent="0" algn="ctr">
+              <a:buNone/>
+              <a:defRPr sz="1200"/>
             </a:lvl6pPr>
-            <a:lvl7pPr marL="2743200" indent="0" algn="ctr">
-              <a:buNone/>
-              <a:defRPr sz="1600"/>
+            <a:lvl7pPr marL="2057400" indent="0" algn="ctr">
+              <a:buNone/>
+              <a:defRPr sz="1200"/>
             </a:lvl7pPr>
-            <a:lvl8pPr marL="3200400" indent="0" algn="ctr">
-              <a:buNone/>
-              <a:defRPr sz="1600"/>
+            <a:lvl8pPr marL="2400300" indent="0" algn="ctr">
+              <a:buNone/>
+              <a:defRPr sz="1200"/>
             </a:lvl8pPr>
-            <a:lvl9pPr marL="3657600" indent="0" algn="ctr">
-              <a:buNone/>
-              <a:defRPr sz="1600"/>
+            <a:lvl9pPr marL="2743200" indent="0" algn="ctr">
+              <a:buNone/>
+              <a:defRPr sz="1200"/>
             </a:lvl9pPr>
           </a:lstStyle>
           <a:p>
@@ -229,19 +235,13 @@
               <a:rPr lang="en-US"/>
               <a:t>Click to edit Master subtitle style</a:t>
             </a:r>
-            <a:endParaRPr lang="he-IL"/>
-          </a:p>
-        </p:txBody>
-      </p:sp>
-      <p:sp>
-        <p:nvSpPr>
-          <p:cNvPr id="4" name="Date Placeholder 3">
-            <a:extLst>
-              <a:ext uri="{FF2B5EF4-FFF2-40B4-BE49-F238E27FC236}">
-                <a16:creationId xmlns:a16="http://schemas.microsoft.com/office/drawing/2014/main" id="{14743B06-DFD3-E8D0-36F7-D03946D7C274}"/>
-              </a:ext>
-            </a:extLst>
-          </p:cNvPr>
+            <a:endParaRPr lang="en-US" dirty="0"/>
+          </a:p>
+        </p:txBody>
+      </p:sp>
+      <p:sp>
+        <p:nvSpPr>
+          <p:cNvPr id="4" name="Date Placeholder 3"/>
           <p:cNvSpPr>
             <a:spLocks noGrp="1"/>
           </p:cNvSpPr>
@@ -264,13 +264,7 @@
       </p:sp>
       <p:sp>
         <p:nvSpPr>
-          <p:cNvPr id="5" name="Footer Placeholder 4">
-            <a:extLst>
-              <a:ext uri="{FF2B5EF4-FFF2-40B4-BE49-F238E27FC236}">
-                <a16:creationId xmlns:a16="http://schemas.microsoft.com/office/drawing/2014/main" id="{C06A26B6-8D69-C6A6-ECD1-961D50C059C3}"/>
-              </a:ext>
-            </a:extLst>
-          </p:cNvPr>
+          <p:cNvPr id="5" name="Footer Placeholder 4"/>
           <p:cNvSpPr>
             <a:spLocks noGrp="1"/>
           </p:cNvSpPr>
@@ -289,13 +283,7 @@
       </p:sp>
       <p:sp>
         <p:nvSpPr>
-          <p:cNvPr id="6" name="Slide Number Placeholder 5">
-            <a:extLst>
-              <a:ext uri="{FF2B5EF4-FFF2-40B4-BE49-F238E27FC236}">
-                <a16:creationId xmlns:a16="http://schemas.microsoft.com/office/drawing/2014/main" id="{4DFA809A-C0A5-DFF2-B3CE-18C60F8FC89F}"/>
-              </a:ext>
-            </a:extLst>
-          </p:cNvPr>
+          <p:cNvPr id="6" name="Slide Number Placeholder 5"/>
           <p:cNvSpPr>
             <a:spLocks noGrp="1"/>
           </p:cNvSpPr>
@@ -319,7 +307,7 @@
     </p:spTree>
     <p:extLst>
       <p:ext uri="{BB962C8B-B14F-4D97-AF65-F5344CB8AC3E}">
-        <p14:creationId xmlns:p14="http://schemas.microsoft.com/office/powerpoint/2010/main" val="601537611"/>
+        <p14:creationId xmlns:p14="http://schemas.microsoft.com/office/powerpoint/2010/main" val="2101182631"/>
       </p:ext>
     </p:extLst>
   </p:cSld>
@@ -348,13 +336,7 @@
       </p:grpSpPr>
       <p:sp>
         <p:nvSpPr>
-          <p:cNvPr id="2" name="Title 1">
-            <a:extLst>
-              <a:ext uri="{FF2B5EF4-FFF2-40B4-BE49-F238E27FC236}">
-                <a16:creationId xmlns:a16="http://schemas.microsoft.com/office/drawing/2014/main" id="{1AFAEDE1-29D7-84A9-345F-CA51A7B683CF}"/>
-              </a:ext>
-            </a:extLst>
-          </p:cNvPr>
+          <p:cNvPr id="2" name="Title 1"/>
           <p:cNvSpPr>
             <a:spLocks noGrp="1"/>
           </p:cNvSpPr>
@@ -371,19 +353,13 @@
               <a:rPr lang="en-US"/>
               <a:t>Click to edit Master title style</a:t>
             </a:r>
-            <a:endParaRPr lang="he-IL"/>
-          </a:p>
-        </p:txBody>
-      </p:sp>
-      <p:sp>
-        <p:nvSpPr>
-          <p:cNvPr id="3" name="Vertical Text Placeholder 2">
-            <a:extLst>
-              <a:ext uri="{FF2B5EF4-FFF2-40B4-BE49-F238E27FC236}">
-                <a16:creationId xmlns:a16="http://schemas.microsoft.com/office/drawing/2014/main" id="{2A06F766-3BFB-8DDF-3F93-5E60B83537A5}"/>
-              </a:ext>
-            </a:extLst>
-          </p:cNvPr>
+            <a:endParaRPr lang="en-US" dirty="0"/>
+          </a:p>
+        </p:txBody>
+      </p:sp>
+      <p:sp>
+        <p:nvSpPr>
+          <p:cNvPr id="3" name="Vertical Text Placeholder 2"/>
           <p:cNvSpPr>
             <a:spLocks noGrp="1"/>
           </p:cNvSpPr>
@@ -429,19 +405,13 @@
               <a:rPr lang="en-US"/>
               <a:t>Fifth level</a:t>
             </a:r>
-            <a:endParaRPr lang="he-IL"/>
-          </a:p>
-        </p:txBody>
-      </p:sp>
-      <p:sp>
-        <p:nvSpPr>
-          <p:cNvPr id="4" name="Date Placeholder 3">
-            <a:extLst>
-              <a:ext uri="{FF2B5EF4-FFF2-40B4-BE49-F238E27FC236}">
-                <a16:creationId xmlns:a16="http://schemas.microsoft.com/office/drawing/2014/main" id="{0A196385-A3BE-DB8D-2769-4A7636E6D82F}"/>
-              </a:ext>
-            </a:extLst>
-          </p:cNvPr>
+            <a:endParaRPr lang="en-US" dirty="0"/>
+          </a:p>
+        </p:txBody>
+      </p:sp>
+      <p:sp>
+        <p:nvSpPr>
+          <p:cNvPr id="4" name="Date Placeholder 3"/>
           <p:cNvSpPr>
             <a:spLocks noGrp="1"/>
           </p:cNvSpPr>
@@ -464,13 +434,7 @@
       </p:sp>
       <p:sp>
         <p:nvSpPr>
-          <p:cNvPr id="5" name="Footer Placeholder 4">
-            <a:extLst>
-              <a:ext uri="{FF2B5EF4-FFF2-40B4-BE49-F238E27FC236}">
-                <a16:creationId xmlns:a16="http://schemas.microsoft.com/office/drawing/2014/main" id="{C48D7F43-01C0-404A-957A-CB397CB4AC36}"/>
-              </a:ext>
-            </a:extLst>
-          </p:cNvPr>
+          <p:cNvPr id="5" name="Footer Placeholder 4"/>
           <p:cNvSpPr>
             <a:spLocks noGrp="1"/>
           </p:cNvSpPr>
@@ -489,13 +453,7 @@
       </p:sp>
       <p:sp>
         <p:nvSpPr>
-          <p:cNvPr id="6" name="Slide Number Placeholder 5">
-            <a:extLst>
-              <a:ext uri="{FF2B5EF4-FFF2-40B4-BE49-F238E27FC236}">
-                <a16:creationId xmlns:a16="http://schemas.microsoft.com/office/drawing/2014/main" id="{056B5FDB-EEBB-21B7-24A3-EE0968A8F9CC}"/>
-              </a:ext>
-            </a:extLst>
-          </p:cNvPr>
+          <p:cNvPr id="6" name="Slide Number Placeholder 5"/>
           <p:cNvSpPr>
             <a:spLocks noGrp="1"/>
           </p:cNvSpPr>
@@ -519,7 +477,7 @@
     </p:spTree>
     <p:extLst>
       <p:ext uri="{BB962C8B-B14F-4D97-AF65-F5344CB8AC3E}">
-        <p14:creationId xmlns:p14="http://schemas.microsoft.com/office/powerpoint/2010/main" val="3696768922"/>
+        <p14:creationId xmlns:p14="http://schemas.microsoft.com/office/powerpoint/2010/main" val="1706937306"/>
       </p:ext>
     </p:extLst>
   </p:cSld>
@@ -548,13 +506,7 @@
       </p:grpSpPr>
       <p:sp>
         <p:nvSpPr>
-          <p:cNvPr id="2" name="Vertical Title 1">
-            <a:extLst>
-              <a:ext uri="{FF2B5EF4-FFF2-40B4-BE49-F238E27FC236}">
-                <a16:creationId xmlns:a16="http://schemas.microsoft.com/office/drawing/2014/main" id="{E2C3E140-7044-EC5A-4E4F-CF83EAE1AB74}"/>
-              </a:ext>
-            </a:extLst>
-          </p:cNvPr>
+          <p:cNvPr id="2" name="Vertical Title 1"/>
           <p:cNvSpPr>
             <a:spLocks noGrp="1"/>
           </p:cNvSpPr>
@@ -564,8 +516,8 @@
         </p:nvSpPr>
         <p:spPr>
           <a:xfrm>
-            <a:off x="8724900" y="365125"/>
-            <a:ext cx="2628900" cy="5811838"/>
+            <a:off x="4907757" y="527403"/>
+            <a:ext cx="1478756" cy="8394877"/>
           </a:xfrm>
         </p:spPr>
         <p:txBody>
@@ -576,19 +528,13 @@
               <a:rPr lang="en-US"/>
               <a:t>Click to edit Master title style</a:t>
             </a:r>
-            <a:endParaRPr lang="he-IL"/>
-          </a:p>
-        </p:txBody>
-      </p:sp>
-      <p:sp>
-        <p:nvSpPr>
-          <p:cNvPr id="3" name="Vertical Text Placeholder 2">
-            <a:extLst>
-              <a:ext uri="{FF2B5EF4-FFF2-40B4-BE49-F238E27FC236}">
-                <a16:creationId xmlns:a16="http://schemas.microsoft.com/office/drawing/2014/main" id="{E4EC79DA-DC33-EC22-1586-69F2E5CDBE89}"/>
-              </a:ext>
-            </a:extLst>
-          </p:cNvPr>
+            <a:endParaRPr lang="en-US" dirty="0"/>
+          </a:p>
+        </p:txBody>
+      </p:sp>
+      <p:sp>
+        <p:nvSpPr>
+          <p:cNvPr id="3" name="Vertical Text Placeholder 2"/>
           <p:cNvSpPr>
             <a:spLocks noGrp="1"/>
           </p:cNvSpPr>
@@ -598,8 +544,8 @@
         </p:nvSpPr>
         <p:spPr>
           <a:xfrm>
-            <a:off x="838200" y="365125"/>
-            <a:ext cx="7734300" cy="5811838"/>
+            <a:off x="471488" y="527403"/>
+            <a:ext cx="4350544" cy="8394877"/>
           </a:xfrm>
         </p:spPr>
         <p:txBody>
@@ -639,19 +585,13 @@
               <a:rPr lang="en-US"/>
               <a:t>Fifth level</a:t>
             </a:r>
-            <a:endParaRPr lang="he-IL"/>
-          </a:p>
-        </p:txBody>
-      </p:sp>
-      <p:sp>
-        <p:nvSpPr>
-          <p:cNvPr id="4" name="Date Placeholder 3">
-            <a:extLst>
-              <a:ext uri="{FF2B5EF4-FFF2-40B4-BE49-F238E27FC236}">
-                <a16:creationId xmlns:a16="http://schemas.microsoft.com/office/drawing/2014/main" id="{7F971B2D-1A56-9AEE-2401-44D7644E8697}"/>
-              </a:ext>
-            </a:extLst>
-          </p:cNvPr>
+            <a:endParaRPr lang="en-US" dirty="0"/>
+          </a:p>
+        </p:txBody>
+      </p:sp>
+      <p:sp>
+        <p:nvSpPr>
+          <p:cNvPr id="4" name="Date Placeholder 3"/>
           <p:cNvSpPr>
             <a:spLocks noGrp="1"/>
           </p:cNvSpPr>
@@ -674,13 +614,7 @@
       </p:sp>
       <p:sp>
         <p:nvSpPr>
-          <p:cNvPr id="5" name="Footer Placeholder 4">
-            <a:extLst>
-              <a:ext uri="{FF2B5EF4-FFF2-40B4-BE49-F238E27FC236}">
-                <a16:creationId xmlns:a16="http://schemas.microsoft.com/office/drawing/2014/main" id="{30C7F75C-5C17-5885-32B7-2A534A074192}"/>
-              </a:ext>
-            </a:extLst>
-          </p:cNvPr>
+          <p:cNvPr id="5" name="Footer Placeholder 4"/>
           <p:cNvSpPr>
             <a:spLocks noGrp="1"/>
           </p:cNvSpPr>
@@ -699,13 +633,7 @@
       </p:sp>
       <p:sp>
         <p:nvSpPr>
-          <p:cNvPr id="6" name="Slide Number Placeholder 5">
-            <a:extLst>
-              <a:ext uri="{FF2B5EF4-FFF2-40B4-BE49-F238E27FC236}">
-                <a16:creationId xmlns:a16="http://schemas.microsoft.com/office/drawing/2014/main" id="{038A02CC-2E37-3267-C6D5-06FD398B81B0}"/>
-              </a:ext>
-            </a:extLst>
-          </p:cNvPr>
+          <p:cNvPr id="6" name="Slide Number Placeholder 5"/>
           <p:cNvSpPr>
             <a:spLocks noGrp="1"/>
           </p:cNvSpPr>
@@ -729,7 +657,7 @@
     </p:spTree>
     <p:extLst>
       <p:ext uri="{BB962C8B-B14F-4D97-AF65-F5344CB8AC3E}">
-        <p14:creationId xmlns:p14="http://schemas.microsoft.com/office/powerpoint/2010/main" val="3370839918"/>
+        <p14:creationId xmlns:p14="http://schemas.microsoft.com/office/powerpoint/2010/main" val="905281975"/>
       </p:ext>
     </p:extLst>
   </p:cSld>
@@ -758,13 +686,7 @@
       </p:grpSpPr>
       <p:sp>
         <p:nvSpPr>
-          <p:cNvPr id="2" name="Title 1">
-            <a:extLst>
-              <a:ext uri="{FF2B5EF4-FFF2-40B4-BE49-F238E27FC236}">
-                <a16:creationId xmlns:a16="http://schemas.microsoft.com/office/drawing/2014/main" id="{5D9A6F02-209C-A7BE-7D18-7B2C14FCED52}"/>
-              </a:ext>
-            </a:extLst>
-          </p:cNvPr>
+          <p:cNvPr id="2" name="Title 1"/>
           <p:cNvSpPr>
             <a:spLocks noGrp="1"/>
           </p:cNvSpPr>
@@ -781,19 +703,13 @@
               <a:rPr lang="en-US"/>
               <a:t>Click to edit Master title style</a:t>
             </a:r>
-            <a:endParaRPr lang="he-IL"/>
-          </a:p>
-        </p:txBody>
-      </p:sp>
-      <p:sp>
-        <p:nvSpPr>
-          <p:cNvPr id="3" name="Content Placeholder 2">
-            <a:extLst>
-              <a:ext uri="{FF2B5EF4-FFF2-40B4-BE49-F238E27FC236}">
-                <a16:creationId xmlns:a16="http://schemas.microsoft.com/office/drawing/2014/main" id="{676DC441-3F4E-15D9-6DDD-9B8DBC11B808}"/>
-              </a:ext>
-            </a:extLst>
-          </p:cNvPr>
+            <a:endParaRPr lang="en-US" dirty="0"/>
+          </a:p>
+        </p:txBody>
+      </p:sp>
+      <p:sp>
+        <p:nvSpPr>
+          <p:cNvPr id="3" name="Content Placeholder 2"/>
           <p:cNvSpPr>
             <a:spLocks noGrp="1"/>
           </p:cNvSpPr>
@@ -839,19 +755,13 @@
               <a:rPr lang="en-US"/>
               <a:t>Fifth level</a:t>
             </a:r>
-            <a:endParaRPr lang="he-IL"/>
-          </a:p>
-        </p:txBody>
-      </p:sp>
-      <p:sp>
-        <p:nvSpPr>
-          <p:cNvPr id="4" name="Date Placeholder 3">
-            <a:extLst>
-              <a:ext uri="{FF2B5EF4-FFF2-40B4-BE49-F238E27FC236}">
-                <a16:creationId xmlns:a16="http://schemas.microsoft.com/office/drawing/2014/main" id="{A0B77D50-60D5-353E-BDE8-C99B4DDC793A}"/>
-              </a:ext>
-            </a:extLst>
-          </p:cNvPr>
+            <a:endParaRPr lang="en-US" dirty="0"/>
+          </a:p>
+        </p:txBody>
+      </p:sp>
+      <p:sp>
+        <p:nvSpPr>
+          <p:cNvPr id="4" name="Date Placeholder 3"/>
           <p:cNvSpPr>
             <a:spLocks noGrp="1"/>
           </p:cNvSpPr>
@@ -874,13 +784,7 @@
       </p:sp>
       <p:sp>
         <p:nvSpPr>
-          <p:cNvPr id="5" name="Footer Placeholder 4">
-            <a:extLst>
-              <a:ext uri="{FF2B5EF4-FFF2-40B4-BE49-F238E27FC236}">
-                <a16:creationId xmlns:a16="http://schemas.microsoft.com/office/drawing/2014/main" id="{84FBF9AE-E5E4-C676-491B-F723FE368DF0}"/>
-              </a:ext>
-            </a:extLst>
-          </p:cNvPr>
+          <p:cNvPr id="5" name="Footer Placeholder 4"/>
           <p:cNvSpPr>
             <a:spLocks noGrp="1"/>
           </p:cNvSpPr>
@@ -899,13 +803,7 @@
       </p:sp>
       <p:sp>
         <p:nvSpPr>
-          <p:cNvPr id="6" name="Slide Number Placeholder 5">
-            <a:extLst>
-              <a:ext uri="{FF2B5EF4-FFF2-40B4-BE49-F238E27FC236}">
-                <a16:creationId xmlns:a16="http://schemas.microsoft.com/office/drawing/2014/main" id="{170675C3-3637-4008-5FB3-83061ADBCE52}"/>
-              </a:ext>
-            </a:extLst>
-          </p:cNvPr>
+          <p:cNvPr id="6" name="Slide Number Placeholder 5"/>
           <p:cNvSpPr>
             <a:spLocks noGrp="1"/>
           </p:cNvSpPr>
@@ -929,7 +827,7 @@
     </p:spTree>
     <p:extLst>
       <p:ext uri="{BB962C8B-B14F-4D97-AF65-F5344CB8AC3E}">
-        <p14:creationId xmlns:p14="http://schemas.microsoft.com/office/powerpoint/2010/main" val="3137127536"/>
+        <p14:creationId xmlns:p14="http://schemas.microsoft.com/office/powerpoint/2010/main" val="3155305101"/>
       </p:ext>
     </p:extLst>
   </p:cSld>
@@ -958,13 +856,7 @@
       </p:grpSpPr>
       <p:sp>
         <p:nvSpPr>
-          <p:cNvPr id="2" name="Title 1">
-            <a:extLst>
-              <a:ext uri="{FF2B5EF4-FFF2-40B4-BE49-F238E27FC236}">
-                <a16:creationId xmlns:a16="http://schemas.microsoft.com/office/drawing/2014/main" id="{3C7FAF9A-E7D9-7160-959C-51AEC8BAEC66}"/>
-              </a:ext>
-            </a:extLst>
-          </p:cNvPr>
+          <p:cNvPr id="2" name="Title 1"/>
           <p:cNvSpPr>
             <a:spLocks noGrp="1"/>
           </p:cNvSpPr>
@@ -974,15 +866,15 @@
         </p:nvSpPr>
         <p:spPr>
           <a:xfrm>
-            <a:off x="831850" y="1709738"/>
-            <a:ext cx="10515600" cy="2852737"/>
+            <a:off x="467916" y="2469624"/>
+            <a:ext cx="5915025" cy="4120620"/>
           </a:xfrm>
         </p:spPr>
         <p:txBody>
           <a:bodyPr anchor="b"/>
           <a:lstStyle>
             <a:lvl1pPr>
-              <a:defRPr sz="6000"/>
+              <a:defRPr sz="4500"/>
             </a:lvl1pPr>
           </a:lstStyle>
           <a:p>
@@ -990,19 +882,13 @@
               <a:rPr lang="en-US"/>
               <a:t>Click to edit Master title style</a:t>
             </a:r>
-            <a:endParaRPr lang="he-IL"/>
-          </a:p>
-        </p:txBody>
-      </p:sp>
-      <p:sp>
-        <p:nvSpPr>
-          <p:cNvPr id="3" name="Text Placeholder 2">
-            <a:extLst>
-              <a:ext uri="{FF2B5EF4-FFF2-40B4-BE49-F238E27FC236}">
-                <a16:creationId xmlns:a16="http://schemas.microsoft.com/office/drawing/2014/main" id="{4AC05E7C-E9DA-FDF0-96D7-273AB3F31871}"/>
-              </a:ext>
-            </a:extLst>
-          </p:cNvPr>
+            <a:endParaRPr lang="en-US" dirty="0"/>
+          </a:p>
+        </p:txBody>
+      </p:sp>
+      <p:sp>
+        <p:nvSpPr>
+          <p:cNvPr id="3" name="Text Placeholder 2"/>
           <p:cNvSpPr>
             <a:spLocks noGrp="1"/>
           </p:cNvSpPr>
@@ -1012,8 +898,8 @@
         </p:nvSpPr>
         <p:spPr>
           <a:xfrm>
-            <a:off x="831850" y="4589463"/>
-            <a:ext cx="10515600" cy="1500187"/>
+            <a:off x="467916" y="6629226"/>
+            <a:ext cx="5915025" cy="2166937"/>
           </a:xfrm>
         </p:spPr>
         <p:txBody>
@@ -1021,17 +907,15 @@
           <a:lstStyle>
             <a:lvl1pPr marL="0" indent="0">
               <a:buNone/>
-              <a:defRPr sz="2400">
+              <a:defRPr sz="1800">
                 <a:solidFill>
-                  <a:schemeClr val="tx1">
-                    <a:tint val="75000"/>
-                  </a:schemeClr>
+                  <a:schemeClr val="tx1"/>
                 </a:solidFill>
               </a:defRPr>
             </a:lvl1pPr>
-            <a:lvl2pPr marL="457200" indent="0">
-              <a:buNone/>
-              <a:defRPr sz="2000">
+            <a:lvl2pPr marL="342900" indent="0">
+              <a:buNone/>
+              <a:defRPr sz="1500">
                 <a:solidFill>
                   <a:schemeClr val="tx1">
                     <a:tint val="75000"/>
@@ -1039,9 +923,9 @@
                 </a:solidFill>
               </a:defRPr>
             </a:lvl2pPr>
-            <a:lvl3pPr marL="914400" indent="0">
-              <a:buNone/>
-              <a:defRPr sz="1800">
+            <a:lvl3pPr marL="685800" indent="0">
+              <a:buNone/>
+              <a:defRPr sz="1350">
                 <a:solidFill>
                   <a:schemeClr val="tx1">
                     <a:tint val="75000"/>
@@ -1049,9 +933,9 @@
                 </a:solidFill>
               </a:defRPr>
             </a:lvl3pPr>
-            <a:lvl4pPr marL="1371600" indent="0">
-              <a:buNone/>
-              <a:defRPr sz="1600">
+            <a:lvl4pPr marL="1028700" indent="0">
+              <a:buNone/>
+              <a:defRPr sz="1200">
                 <a:solidFill>
                   <a:schemeClr val="tx1">
                     <a:tint val="75000"/>
@@ -1059,9 +943,9 @@
                 </a:solidFill>
               </a:defRPr>
             </a:lvl4pPr>
-            <a:lvl5pPr marL="1828800" indent="0">
-              <a:buNone/>
-              <a:defRPr sz="1600">
+            <a:lvl5pPr marL="1371600" indent="0">
+              <a:buNone/>
+              <a:defRPr sz="1200">
                 <a:solidFill>
                   <a:schemeClr val="tx1">
                     <a:tint val="75000"/>
@@ -1069,9 +953,9 @@
                 </a:solidFill>
               </a:defRPr>
             </a:lvl5pPr>
-            <a:lvl6pPr marL="2286000" indent="0">
-              <a:buNone/>
-              <a:defRPr sz="1600">
+            <a:lvl6pPr marL="1714500" indent="0">
+              <a:buNone/>
+              <a:defRPr sz="1200">
                 <a:solidFill>
                   <a:schemeClr val="tx1">
                     <a:tint val="75000"/>
@@ -1079,9 +963,9 @@
                 </a:solidFill>
               </a:defRPr>
             </a:lvl6pPr>
-            <a:lvl7pPr marL="2743200" indent="0">
-              <a:buNone/>
-              <a:defRPr sz="1600">
+            <a:lvl7pPr marL="2057400" indent="0">
+              <a:buNone/>
+              <a:defRPr sz="1200">
                 <a:solidFill>
                   <a:schemeClr val="tx1">
                     <a:tint val="75000"/>
@@ -1089,9 +973,9 @@
                 </a:solidFill>
               </a:defRPr>
             </a:lvl7pPr>
-            <a:lvl8pPr marL="3200400" indent="0">
-              <a:buNone/>
-              <a:defRPr sz="1600">
+            <a:lvl8pPr marL="2400300" indent="0">
+              <a:buNone/>
+              <a:defRPr sz="1200">
                 <a:solidFill>
                   <a:schemeClr val="tx1">
                     <a:tint val="75000"/>
@@ -1099,9 +983,9 @@
                 </a:solidFill>
               </a:defRPr>
             </a:lvl8pPr>
-            <a:lvl9pPr marL="3657600" indent="0">
-              <a:buNone/>
-              <a:defRPr sz="1600">
+            <a:lvl9pPr marL="2743200" indent="0">
+              <a:buNone/>
+              <a:defRPr sz="1200">
                 <a:solidFill>
                   <a:schemeClr val="tx1">
                     <a:tint val="75000"/>
@@ -1121,13 +1005,7 @@
       </p:sp>
       <p:sp>
         <p:nvSpPr>
-          <p:cNvPr id="4" name="Date Placeholder 3">
-            <a:extLst>
-              <a:ext uri="{FF2B5EF4-FFF2-40B4-BE49-F238E27FC236}">
-                <a16:creationId xmlns:a16="http://schemas.microsoft.com/office/drawing/2014/main" id="{0915F698-B3B6-868F-60C4-48821C29FC55}"/>
-              </a:ext>
-            </a:extLst>
-          </p:cNvPr>
+          <p:cNvPr id="4" name="Date Placeholder 3"/>
           <p:cNvSpPr>
             <a:spLocks noGrp="1"/>
           </p:cNvSpPr>
@@ -1150,13 +1028,7 @@
       </p:sp>
       <p:sp>
         <p:nvSpPr>
-          <p:cNvPr id="5" name="Footer Placeholder 4">
-            <a:extLst>
-              <a:ext uri="{FF2B5EF4-FFF2-40B4-BE49-F238E27FC236}">
-                <a16:creationId xmlns:a16="http://schemas.microsoft.com/office/drawing/2014/main" id="{B8D2FEDB-4176-059D-D5F2-40C029B60AD8}"/>
-              </a:ext>
-            </a:extLst>
-          </p:cNvPr>
+          <p:cNvPr id="5" name="Footer Placeholder 4"/>
           <p:cNvSpPr>
             <a:spLocks noGrp="1"/>
           </p:cNvSpPr>
@@ -1175,13 +1047,7 @@
       </p:sp>
       <p:sp>
         <p:nvSpPr>
-          <p:cNvPr id="6" name="Slide Number Placeholder 5">
-            <a:extLst>
-              <a:ext uri="{FF2B5EF4-FFF2-40B4-BE49-F238E27FC236}">
-                <a16:creationId xmlns:a16="http://schemas.microsoft.com/office/drawing/2014/main" id="{B5B571B0-CBF2-AD09-DBC1-3711953CE155}"/>
-              </a:ext>
-            </a:extLst>
-          </p:cNvPr>
+          <p:cNvPr id="6" name="Slide Number Placeholder 5"/>
           <p:cNvSpPr>
             <a:spLocks noGrp="1"/>
           </p:cNvSpPr>
@@ -1205,7 +1071,7 @@
     </p:spTree>
     <p:extLst>
       <p:ext uri="{BB962C8B-B14F-4D97-AF65-F5344CB8AC3E}">
-        <p14:creationId xmlns:p14="http://schemas.microsoft.com/office/powerpoint/2010/main" val="362485128"/>
+        <p14:creationId xmlns:p14="http://schemas.microsoft.com/office/powerpoint/2010/main" val="2450142861"/>
       </p:ext>
     </p:extLst>
   </p:cSld>
@@ -1234,13 +1100,7 @@
       </p:grpSpPr>
       <p:sp>
         <p:nvSpPr>
-          <p:cNvPr id="2" name="Title 1">
-            <a:extLst>
-              <a:ext uri="{FF2B5EF4-FFF2-40B4-BE49-F238E27FC236}">
-                <a16:creationId xmlns:a16="http://schemas.microsoft.com/office/drawing/2014/main" id="{D59BA49D-6296-D0DC-9D48-292400B110E5}"/>
-              </a:ext>
-            </a:extLst>
-          </p:cNvPr>
+          <p:cNvPr id="2" name="Title 1"/>
           <p:cNvSpPr>
             <a:spLocks noGrp="1"/>
           </p:cNvSpPr>
@@ -1257,19 +1117,13 @@
               <a:rPr lang="en-US"/>
               <a:t>Click to edit Master title style</a:t>
             </a:r>
-            <a:endParaRPr lang="he-IL"/>
-          </a:p>
-        </p:txBody>
-      </p:sp>
-      <p:sp>
-        <p:nvSpPr>
-          <p:cNvPr id="3" name="Content Placeholder 2">
-            <a:extLst>
-              <a:ext uri="{FF2B5EF4-FFF2-40B4-BE49-F238E27FC236}">
-                <a16:creationId xmlns:a16="http://schemas.microsoft.com/office/drawing/2014/main" id="{E7600887-5745-5BD5-C26F-38324467E4F9}"/>
-              </a:ext>
-            </a:extLst>
-          </p:cNvPr>
+            <a:endParaRPr lang="en-US" dirty="0"/>
+          </a:p>
+        </p:txBody>
+      </p:sp>
+      <p:sp>
+        <p:nvSpPr>
+          <p:cNvPr id="3" name="Content Placeholder 2"/>
           <p:cNvSpPr>
             <a:spLocks noGrp="1"/>
           </p:cNvSpPr>
@@ -1279,8 +1133,8 @@
         </p:nvSpPr>
         <p:spPr>
           <a:xfrm>
-            <a:off x="838200" y="1825625"/>
-            <a:ext cx="5181600" cy="4351338"/>
+            <a:off x="471488" y="2637014"/>
+            <a:ext cx="2914650" cy="6285266"/>
           </a:xfrm>
         </p:spPr>
         <p:txBody>
@@ -1320,19 +1174,13 @@
               <a:rPr lang="en-US"/>
               <a:t>Fifth level</a:t>
             </a:r>
-            <a:endParaRPr lang="he-IL"/>
-          </a:p>
-        </p:txBody>
-      </p:sp>
-      <p:sp>
-        <p:nvSpPr>
-          <p:cNvPr id="4" name="Content Placeholder 3">
-            <a:extLst>
-              <a:ext uri="{FF2B5EF4-FFF2-40B4-BE49-F238E27FC236}">
-                <a16:creationId xmlns:a16="http://schemas.microsoft.com/office/drawing/2014/main" id="{3351A3F3-D08F-43F1-8D2A-C1068A2C7A8F}"/>
-              </a:ext>
-            </a:extLst>
-          </p:cNvPr>
+            <a:endParaRPr lang="en-US" dirty="0"/>
+          </a:p>
+        </p:txBody>
+      </p:sp>
+      <p:sp>
+        <p:nvSpPr>
+          <p:cNvPr id="4" name="Content Placeholder 3"/>
           <p:cNvSpPr>
             <a:spLocks noGrp="1"/>
           </p:cNvSpPr>
@@ -1342,8 +1190,8 @@
         </p:nvSpPr>
         <p:spPr>
           <a:xfrm>
-            <a:off x="6172200" y="1825625"/>
-            <a:ext cx="5181600" cy="4351338"/>
+            <a:off x="3471863" y="2637014"/>
+            <a:ext cx="2914650" cy="6285266"/>
           </a:xfrm>
         </p:spPr>
         <p:txBody>
@@ -1383,19 +1231,13 @@
               <a:rPr lang="en-US"/>
               <a:t>Fifth level</a:t>
             </a:r>
-            <a:endParaRPr lang="he-IL"/>
-          </a:p>
-        </p:txBody>
-      </p:sp>
-      <p:sp>
-        <p:nvSpPr>
-          <p:cNvPr id="5" name="Date Placeholder 4">
-            <a:extLst>
-              <a:ext uri="{FF2B5EF4-FFF2-40B4-BE49-F238E27FC236}">
-                <a16:creationId xmlns:a16="http://schemas.microsoft.com/office/drawing/2014/main" id="{906437DC-05D2-3FF8-E763-31E3ED8E1B9A}"/>
-              </a:ext>
-            </a:extLst>
-          </p:cNvPr>
+            <a:endParaRPr lang="en-US" dirty="0"/>
+          </a:p>
+        </p:txBody>
+      </p:sp>
+      <p:sp>
+        <p:nvSpPr>
+          <p:cNvPr id="5" name="Date Placeholder 4"/>
           <p:cNvSpPr>
             <a:spLocks noGrp="1"/>
           </p:cNvSpPr>
@@ -1418,13 +1260,7 @@
       </p:sp>
       <p:sp>
         <p:nvSpPr>
-          <p:cNvPr id="6" name="Footer Placeholder 5">
-            <a:extLst>
-              <a:ext uri="{FF2B5EF4-FFF2-40B4-BE49-F238E27FC236}">
-                <a16:creationId xmlns:a16="http://schemas.microsoft.com/office/drawing/2014/main" id="{4505B8BB-85E9-7536-1760-439D5DF66B9D}"/>
-              </a:ext>
-            </a:extLst>
-          </p:cNvPr>
+          <p:cNvPr id="6" name="Footer Placeholder 5"/>
           <p:cNvSpPr>
             <a:spLocks noGrp="1"/>
           </p:cNvSpPr>
@@ -1443,13 +1279,7 @@
       </p:sp>
       <p:sp>
         <p:nvSpPr>
-          <p:cNvPr id="7" name="Slide Number Placeholder 6">
-            <a:extLst>
-              <a:ext uri="{FF2B5EF4-FFF2-40B4-BE49-F238E27FC236}">
-                <a16:creationId xmlns:a16="http://schemas.microsoft.com/office/drawing/2014/main" id="{C5569A0A-8BB6-19D0-FE99-7F5A83BFE763}"/>
-              </a:ext>
-            </a:extLst>
-          </p:cNvPr>
+          <p:cNvPr id="7" name="Slide Number Placeholder 6"/>
           <p:cNvSpPr>
             <a:spLocks noGrp="1"/>
           </p:cNvSpPr>
@@ -1473,7 +1303,7 @@
     </p:spTree>
     <p:extLst>
       <p:ext uri="{BB962C8B-B14F-4D97-AF65-F5344CB8AC3E}">
-        <p14:creationId xmlns:p14="http://schemas.microsoft.com/office/powerpoint/2010/main" val="2799097060"/>
+        <p14:creationId xmlns:p14="http://schemas.microsoft.com/office/powerpoint/2010/main" val="905549358"/>
       </p:ext>
     </p:extLst>
   </p:cSld>
@@ -1502,13 +1332,7 @@
       </p:grpSpPr>
       <p:sp>
         <p:nvSpPr>
-          <p:cNvPr id="2" name="Title 1">
-            <a:extLst>
-              <a:ext uri="{FF2B5EF4-FFF2-40B4-BE49-F238E27FC236}">
-                <a16:creationId xmlns:a16="http://schemas.microsoft.com/office/drawing/2014/main" id="{E195C48A-A261-AF85-6A02-6D587C7A2CA9}"/>
-              </a:ext>
-            </a:extLst>
-          </p:cNvPr>
+          <p:cNvPr id="2" name="Title 1"/>
           <p:cNvSpPr>
             <a:spLocks noGrp="1"/>
           </p:cNvSpPr>
@@ -1518,8 +1342,8 @@
         </p:nvSpPr>
         <p:spPr>
           <a:xfrm>
-            <a:off x="839788" y="365125"/>
-            <a:ext cx="10515600" cy="1325563"/>
+            <a:off x="472381" y="527405"/>
+            <a:ext cx="5915025" cy="1914702"/>
           </a:xfrm>
         </p:spPr>
         <p:txBody>
@@ -1530,19 +1354,13 @@
               <a:rPr lang="en-US"/>
               <a:t>Click to edit Master title style</a:t>
             </a:r>
-            <a:endParaRPr lang="he-IL"/>
-          </a:p>
-        </p:txBody>
-      </p:sp>
-      <p:sp>
-        <p:nvSpPr>
-          <p:cNvPr id="3" name="Text Placeholder 2">
-            <a:extLst>
-              <a:ext uri="{FF2B5EF4-FFF2-40B4-BE49-F238E27FC236}">
-                <a16:creationId xmlns:a16="http://schemas.microsoft.com/office/drawing/2014/main" id="{7385D5E3-3247-634D-B546-732108F4E11D}"/>
-              </a:ext>
-            </a:extLst>
-          </p:cNvPr>
+            <a:endParaRPr lang="en-US" dirty="0"/>
+          </a:p>
+        </p:txBody>
+      </p:sp>
+      <p:sp>
+        <p:nvSpPr>
+          <p:cNvPr id="3" name="Text Placeholder 2"/>
           <p:cNvSpPr>
             <a:spLocks noGrp="1"/>
           </p:cNvSpPr>
@@ -1552,8 +1370,8 @@
         </p:nvSpPr>
         <p:spPr>
           <a:xfrm>
-            <a:off x="839788" y="1681163"/>
-            <a:ext cx="5157787" cy="823912"/>
+            <a:off x="472381" y="2428347"/>
+            <a:ext cx="2901255" cy="1190095"/>
           </a:xfrm>
         </p:spPr>
         <p:txBody>
@@ -1561,39 +1379,39 @@
           <a:lstStyle>
             <a:lvl1pPr marL="0" indent="0">
               <a:buNone/>
-              <a:defRPr sz="2400" b="1"/>
+              <a:defRPr sz="1800" b="1"/>
             </a:lvl1pPr>
-            <a:lvl2pPr marL="457200" indent="0">
-              <a:buNone/>
-              <a:defRPr sz="2000" b="1"/>
+            <a:lvl2pPr marL="342900" indent="0">
+              <a:buNone/>
+              <a:defRPr sz="1500" b="1"/>
             </a:lvl2pPr>
-            <a:lvl3pPr marL="914400" indent="0">
-              <a:buNone/>
-              <a:defRPr sz="1800" b="1"/>
+            <a:lvl3pPr marL="685800" indent="0">
+              <a:buNone/>
+              <a:defRPr sz="1350" b="1"/>
             </a:lvl3pPr>
-            <a:lvl4pPr marL="1371600" indent="0">
-              <a:buNone/>
-              <a:defRPr sz="1600" b="1"/>
+            <a:lvl4pPr marL="1028700" indent="0">
+              <a:buNone/>
+              <a:defRPr sz="1200" b="1"/>
             </a:lvl4pPr>
-            <a:lvl5pPr marL="1828800" indent="0">
-              <a:buNone/>
-              <a:defRPr sz="1600" b="1"/>
+            <a:lvl5pPr marL="1371600" indent="0">
+              <a:buNone/>
+              <a:defRPr sz="1200" b="1"/>
             </a:lvl5pPr>
-            <a:lvl6pPr marL="2286000" indent="0">
-              <a:buNone/>
-              <a:defRPr sz="1600" b="1"/>
+            <a:lvl6pPr marL="1714500" indent="0">
+              <a:buNone/>
+              <a:defRPr sz="1200" b="1"/>
             </a:lvl6pPr>
-            <a:lvl7pPr marL="2743200" indent="0">
-              <a:buNone/>
-              <a:defRPr sz="1600" b="1"/>
+            <a:lvl7pPr marL="2057400" indent="0">
+              <a:buNone/>
+              <a:defRPr sz="1200" b="1"/>
             </a:lvl7pPr>
-            <a:lvl8pPr marL="3200400" indent="0">
-              <a:buNone/>
-              <a:defRPr sz="1600" b="1"/>
+            <a:lvl8pPr marL="2400300" indent="0">
+              <a:buNone/>
+              <a:defRPr sz="1200" b="1"/>
             </a:lvl8pPr>
-            <a:lvl9pPr marL="3657600" indent="0">
-              <a:buNone/>
-              <a:defRPr sz="1600" b="1"/>
+            <a:lvl9pPr marL="2743200" indent="0">
+              <a:buNone/>
+              <a:defRPr sz="1200" b="1"/>
             </a:lvl9pPr>
           </a:lstStyle>
           <a:p>
@@ -1607,13 +1425,7 @@
       </p:sp>
       <p:sp>
         <p:nvSpPr>
-          <p:cNvPr id="4" name="Content Placeholder 3">
-            <a:extLst>
-              <a:ext uri="{FF2B5EF4-FFF2-40B4-BE49-F238E27FC236}">
-                <a16:creationId xmlns:a16="http://schemas.microsoft.com/office/drawing/2014/main" id="{7065ACB3-3E17-FAC7-EF9D-47CCDD6F6BD4}"/>
-              </a:ext>
-            </a:extLst>
-          </p:cNvPr>
+          <p:cNvPr id="4" name="Content Placeholder 3"/>
           <p:cNvSpPr>
             <a:spLocks noGrp="1"/>
           </p:cNvSpPr>
@@ -1623,8 +1435,8 @@
         </p:nvSpPr>
         <p:spPr>
           <a:xfrm>
-            <a:off x="839788" y="2505075"/>
-            <a:ext cx="5157787" cy="3684588"/>
+            <a:off x="472381" y="3618442"/>
+            <a:ext cx="2901255" cy="5322183"/>
           </a:xfrm>
         </p:spPr>
         <p:txBody>
@@ -1664,19 +1476,13 @@
               <a:rPr lang="en-US"/>
               <a:t>Fifth level</a:t>
             </a:r>
-            <a:endParaRPr lang="he-IL"/>
-          </a:p>
-        </p:txBody>
-      </p:sp>
-      <p:sp>
-        <p:nvSpPr>
-          <p:cNvPr id="5" name="Text Placeholder 4">
-            <a:extLst>
-              <a:ext uri="{FF2B5EF4-FFF2-40B4-BE49-F238E27FC236}">
-                <a16:creationId xmlns:a16="http://schemas.microsoft.com/office/drawing/2014/main" id="{D8C0241F-BF01-A36B-475D-104DB4BF6A07}"/>
-              </a:ext>
-            </a:extLst>
-          </p:cNvPr>
+            <a:endParaRPr lang="en-US" dirty="0"/>
+          </a:p>
+        </p:txBody>
+      </p:sp>
+      <p:sp>
+        <p:nvSpPr>
+          <p:cNvPr id="5" name="Text Placeholder 4"/>
           <p:cNvSpPr>
             <a:spLocks noGrp="1"/>
           </p:cNvSpPr>
@@ -1686,8 +1492,8 @@
         </p:nvSpPr>
         <p:spPr>
           <a:xfrm>
-            <a:off x="6172200" y="1681163"/>
-            <a:ext cx="5183188" cy="823912"/>
+            <a:off x="3471863" y="2428347"/>
+            <a:ext cx="2915543" cy="1190095"/>
           </a:xfrm>
         </p:spPr>
         <p:txBody>
@@ -1695,39 +1501,39 @@
           <a:lstStyle>
             <a:lvl1pPr marL="0" indent="0">
               <a:buNone/>
-              <a:defRPr sz="2400" b="1"/>
+              <a:defRPr sz="1800" b="1"/>
             </a:lvl1pPr>
-            <a:lvl2pPr marL="457200" indent="0">
-              <a:buNone/>
-              <a:defRPr sz="2000" b="1"/>
+            <a:lvl2pPr marL="342900" indent="0">
+              <a:buNone/>
+              <a:defRPr sz="1500" b="1"/>
             </a:lvl2pPr>
-            <a:lvl3pPr marL="914400" indent="0">
-              <a:buNone/>
-              <a:defRPr sz="1800" b="1"/>
+            <a:lvl3pPr marL="685800" indent="0">
+              <a:buNone/>
+              <a:defRPr sz="1350" b="1"/>
             </a:lvl3pPr>
-            <a:lvl4pPr marL="1371600" indent="0">
-              <a:buNone/>
-              <a:defRPr sz="1600" b="1"/>
+            <a:lvl4pPr marL="1028700" indent="0">
+              <a:buNone/>
+              <a:defRPr sz="1200" b="1"/>
             </a:lvl4pPr>
-            <a:lvl5pPr marL="1828800" indent="0">
-              <a:buNone/>
-              <a:defRPr sz="1600" b="1"/>
+            <a:lvl5pPr marL="1371600" indent="0">
+              <a:buNone/>
+              <a:defRPr sz="1200" b="1"/>
             </a:lvl5pPr>
-            <a:lvl6pPr marL="2286000" indent="0">
-              <a:buNone/>
-              <a:defRPr sz="1600" b="1"/>
+            <a:lvl6pPr marL="1714500" indent="0">
+              <a:buNone/>
+              <a:defRPr sz="1200" b="1"/>
             </a:lvl6pPr>
-            <a:lvl7pPr marL="2743200" indent="0">
-              <a:buNone/>
-              <a:defRPr sz="1600" b="1"/>
+            <a:lvl7pPr marL="2057400" indent="0">
+              <a:buNone/>
+              <a:defRPr sz="1200" b="1"/>
             </a:lvl7pPr>
-            <a:lvl8pPr marL="3200400" indent="0">
-              <a:buNone/>
-              <a:defRPr sz="1600" b="1"/>
+            <a:lvl8pPr marL="2400300" indent="0">
+              <a:buNone/>
+              <a:defRPr sz="1200" b="1"/>
             </a:lvl8pPr>
-            <a:lvl9pPr marL="3657600" indent="0">
-              <a:buNone/>
-              <a:defRPr sz="1600" b="1"/>
+            <a:lvl9pPr marL="2743200" indent="0">
+              <a:buNone/>
+              <a:defRPr sz="1200" b="1"/>
             </a:lvl9pPr>
           </a:lstStyle>
           <a:p>
@@ -1741,13 +1547,7 @@
       </p:sp>
       <p:sp>
         <p:nvSpPr>
-          <p:cNvPr id="6" name="Content Placeholder 5">
-            <a:extLst>
-              <a:ext uri="{FF2B5EF4-FFF2-40B4-BE49-F238E27FC236}">
-                <a16:creationId xmlns:a16="http://schemas.microsoft.com/office/drawing/2014/main" id="{0C53CEA3-4DD3-CCB3-CA9D-73F39386B8BC}"/>
-              </a:ext>
-            </a:extLst>
-          </p:cNvPr>
+          <p:cNvPr id="6" name="Content Placeholder 5"/>
           <p:cNvSpPr>
             <a:spLocks noGrp="1"/>
           </p:cNvSpPr>
@@ -1757,8 +1557,8 @@
         </p:nvSpPr>
         <p:spPr>
           <a:xfrm>
-            <a:off x="6172200" y="2505075"/>
-            <a:ext cx="5183188" cy="3684588"/>
+            <a:off x="3471863" y="3618442"/>
+            <a:ext cx="2915543" cy="5322183"/>
           </a:xfrm>
         </p:spPr>
         <p:txBody>
@@ -1798,19 +1598,13 @@
               <a:rPr lang="en-US"/>
               <a:t>Fifth level</a:t>
             </a:r>
-            <a:endParaRPr lang="he-IL"/>
-          </a:p>
-        </p:txBody>
-      </p:sp>
-      <p:sp>
-        <p:nvSpPr>
-          <p:cNvPr id="7" name="Date Placeholder 6">
-            <a:extLst>
-              <a:ext uri="{FF2B5EF4-FFF2-40B4-BE49-F238E27FC236}">
-                <a16:creationId xmlns:a16="http://schemas.microsoft.com/office/drawing/2014/main" id="{12B6968D-D18D-898E-FCED-67484B62491E}"/>
-              </a:ext>
-            </a:extLst>
-          </p:cNvPr>
+            <a:endParaRPr lang="en-US" dirty="0"/>
+          </a:p>
+        </p:txBody>
+      </p:sp>
+      <p:sp>
+        <p:nvSpPr>
+          <p:cNvPr id="7" name="Date Placeholder 6"/>
           <p:cNvSpPr>
             <a:spLocks noGrp="1"/>
           </p:cNvSpPr>
@@ -1833,13 +1627,7 @@
       </p:sp>
       <p:sp>
         <p:nvSpPr>
-          <p:cNvPr id="8" name="Footer Placeholder 7">
-            <a:extLst>
-              <a:ext uri="{FF2B5EF4-FFF2-40B4-BE49-F238E27FC236}">
-                <a16:creationId xmlns:a16="http://schemas.microsoft.com/office/drawing/2014/main" id="{9C4B07BB-D1FE-91F7-D457-EE59FAF92178}"/>
-              </a:ext>
-            </a:extLst>
-          </p:cNvPr>
+          <p:cNvPr id="8" name="Footer Placeholder 7"/>
           <p:cNvSpPr>
             <a:spLocks noGrp="1"/>
           </p:cNvSpPr>
@@ -1858,13 +1646,7 @@
       </p:sp>
       <p:sp>
         <p:nvSpPr>
-          <p:cNvPr id="9" name="Slide Number Placeholder 8">
-            <a:extLst>
-              <a:ext uri="{FF2B5EF4-FFF2-40B4-BE49-F238E27FC236}">
-                <a16:creationId xmlns:a16="http://schemas.microsoft.com/office/drawing/2014/main" id="{E97DDDB6-5BE8-DFE1-69A8-01F9E37052FB}"/>
-              </a:ext>
-            </a:extLst>
-          </p:cNvPr>
+          <p:cNvPr id="9" name="Slide Number Placeholder 8"/>
           <p:cNvSpPr>
             <a:spLocks noGrp="1"/>
           </p:cNvSpPr>
@@ -1888,7 +1670,7 @@
     </p:spTree>
     <p:extLst>
       <p:ext uri="{BB962C8B-B14F-4D97-AF65-F5344CB8AC3E}">
-        <p14:creationId xmlns:p14="http://schemas.microsoft.com/office/powerpoint/2010/main" val="3020755200"/>
+        <p14:creationId xmlns:p14="http://schemas.microsoft.com/office/powerpoint/2010/main" val="920301858"/>
       </p:ext>
     </p:extLst>
   </p:cSld>
@@ -1917,13 +1699,7 @@
       </p:grpSpPr>
       <p:sp>
         <p:nvSpPr>
-          <p:cNvPr id="2" name="Title 1">
-            <a:extLst>
-              <a:ext uri="{FF2B5EF4-FFF2-40B4-BE49-F238E27FC236}">
-                <a16:creationId xmlns:a16="http://schemas.microsoft.com/office/drawing/2014/main" id="{DDDC60DB-4D2F-E96B-75E5-551AE5010078}"/>
-              </a:ext>
-            </a:extLst>
-          </p:cNvPr>
+          <p:cNvPr id="2" name="Title 1"/>
           <p:cNvSpPr>
             <a:spLocks noGrp="1"/>
           </p:cNvSpPr>
@@ -1940,19 +1716,13 @@
               <a:rPr lang="en-US"/>
               <a:t>Click to edit Master title style</a:t>
             </a:r>
-            <a:endParaRPr lang="he-IL"/>
-          </a:p>
-        </p:txBody>
-      </p:sp>
-      <p:sp>
-        <p:nvSpPr>
-          <p:cNvPr id="3" name="Date Placeholder 2">
-            <a:extLst>
-              <a:ext uri="{FF2B5EF4-FFF2-40B4-BE49-F238E27FC236}">
-                <a16:creationId xmlns:a16="http://schemas.microsoft.com/office/drawing/2014/main" id="{41496BCF-6B14-4825-AD4A-2A723DC9DB58}"/>
-              </a:ext>
-            </a:extLst>
-          </p:cNvPr>
+            <a:endParaRPr lang="en-US" dirty="0"/>
+          </a:p>
+        </p:txBody>
+      </p:sp>
+      <p:sp>
+        <p:nvSpPr>
+          <p:cNvPr id="3" name="Date Placeholder 2"/>
           <p:cNvSpPr>
             <a:spLocks noGrp="1"/>
           </p:cNvSpPr>
@@ -1975,13 +1745,7 @@
       </p:sp>
       <p:sp>
         <p:nvSpPr>
-          <p:cNvPr id="4" name="Footer Placeholder 3">
-            <a:extLst>
-              <a:ext uri="{FF2B5EF4-FFF2-40B4-BE49-F238E27FC236}">
-                <a16:creationId xmlns:a16="http://schemas.microsoft.com/office/drawing/2014/main" id="{DE87247D-80B9-6F5D-79D1-9E67305A6F1B}"/>
-              </a:ext>
-            </a:extLst>
-          </p:cNvPr>
+          <p:cNvPr id="4" name="Footer Placeholder 3"/>
           <p:cNvSpPr>
             <a:spLocks noGrp="1"/>
           </p:cNvSpPr>
@@ -2000,13 +1764,7 @@
       </p:sp>
       <p:sp>
         <p:nvSpPr>
-          <p:cNvPr id="5" name="Slide Number Placeholder 4">
-            <a:extLst>
-              <a:ext uri="{FF2B5EF4-FFF2-40B4-BE49-F238E27FC236}">
-                <a16:creationId xmlns:a16="http://schemas.microsoft.com/office/drawing/2014/main" id="{BBB1F60B-2041-4A0E-8E76-7CC195D1B35B}"/>
-              </a:ext>
-            </a:extLst>
-          </p:cNvPr>
+          <p:cNvPr id="5" name="Slide Number Placeholder 4"/>
           <p:cNvSpPr>
             <a:spLocks noGrp="1"/>
           </p:cNvSpPr>
@@ -2030,7 +1788,7 @@
     </p:spTree>
     <p:extLst>
       <p:ext uri="{BB962C8B-B14F-4D97-AF65-F5344CB8AC3E}">
-        <p14:creationId xmlns:p14="http://schemas.microsoft.com/office/powerpoint/2010/main" val="2481154166"/>
+        <p14:creationId xmlns:p14="http://schemas.microsoft.com/office/powerpoint/2010/main" val="2997890567"/>
       </p:ext>
     </p:extLst>
   </p:cSld>
@@ -2059,13 +1817,7 @@
       </p:grpSpPr>
       <p:sp>
         <p:nvSpPr>
-          <p:cNvPr id="2" name="Date Placeholder 1">
-            <a:extLst>
-              <a:ext uri="{FF2B5EF4-FFF2-40B4-BE49-F238E27FC236}">
-                <a16:creationId xmlns:a16="http://schemas.microsoft.com/office/drawing/2014/main" id="{55F4C55C-6BEC-1224-95E9-C464EF91BD00}"/>
-              </a:ext>
-            </a:extLst>
-          </p:cNvPr>
+          <p:cNvPr id="2" name="Date Placeholder 1"/>
           <p:cNvSpPr>
             <a:spLocks noGrp="1"/>
           </p:cNvSpPr>
@@ -2088,13 +1840,7 @@
       </p:sp>
       <p:sp>
         <p:nvSpPr>
-          <p:cNvPr id="3" name="Footer Placeholder 2">
-            <a:extLst>
-              <a:ext uri="{FF2B5EF4-FFF2-40B4-BE49-F238E27FC236}">
-                <a16:creationId xmlns:a16="http://schemas.microsoft.com/office/drawing/2014/main" id="{CD090202-285E-5B7C-8529-AB3B03EDC68C}"/>
-              </a:ext>
-            </a:extLst>
-          </p:cNvPr>
+          <p:cNvPr id="3" name="Footer Placeholder 2"/>
           <p:cNvSpPr>
             <a:spLocks noGrp="1"/>
           </p:cNvSpPr>
@@ -2113,13 +1859,7 @@
       </p:sp>
       <p:sp>
         <p:nvSpPr>
-          <p:cNvPr id="4" name="Slide Number Placeholder 3">
-            <a:extLst>
-              <a:ext uri="{FF2B5EF4-FFF2-40B4-BE49-F238E27FC236}">
-                <a16:creationId xmlns:a16="http://schemas.microsoft.com/office/drawing/2014/main" id="{FE472CC3-582B-77C6-7122-645903715B08}"/>
-              </a:ext>
-            </a:extLst>
-          </p:cNvPr>
+          <p:cNvPr id="4" name="Slide Number Placeholder 3"/>
           <p:cNvSpPr>
             <a:spLocks noGrp="1"/>
           </p:cNvSpPr>
@@ -2143,7 +1883,7 @@
     </p:spTree>
     <p:extLst>
       <p:ext uri="{BB962C8B-B14F-4D97-AF65-F5344CB8AC3E}">
-        <p14:creationId xmlns:p14="http://schemas.microsoft.com/office/powerpoint/2010/main" val="2788721024"/>
+        <p14:creationId xmlns:p14="http://schemas.microsoft.com/office/powerpoint/2010/main" val="332018772"/>
       </p:ext>
     </p:extLst>
   </p:cSld>
@@ -2172,13 +1912,7 @@
       </p:grpSpPr>
       <p:sp>
         <p:nvSpPr>
-          <p:cNvPr id="2" name="Title 1">
-            <a:extLst>
-              <a:ext uri="{FF2B5EF4-FFF2-40B4-BE49-F238E27FC236}">
-                <a16:creationId xmlns:a16="http://schemas.microsoft.com/office/drawing/2014/main" id="{01415587-6291-D4E5-39BA-C915C104CC29}"/>
-              </a:ext>
-            </a:extLst>
-          </p:cNvPr>
+          <p:cNvPr id="2" name="Title 1"/>
           <p:cNvSpPr>
             <a:spLocks noGrp="1"/>
           </p:cNvSpPr>
@@ -2188,15 +1922,15 @@
         </p:nvSpPr>
         <p:spPr>
           <a:xfrm>
-            <a:off x="839788" y="457200"/>
-            <a:ext cx="3932237" cy="1600200"/>
+            <a:off x="472381" y="660400"/>
+            <a:ext cx="2211884" cy="2311400"/>
           </a:xfrm>
         </p:spPr>
         <p:txBody>
           <a:bodyPr anchor="b"/>
           <a:lstStyle>
             <a:lvl1pPr>
-              <a:defRPr sz="3200"/>
+              <a:defRPr sz="2400"/>
             </a:lvl1pPr>
           </a:lstStyle>
           <a:p>
@@ -2204,19 +1938,13 @@
               <a:rPr lang="en-US"/>
               <a:t>Click to edit Master title style</a:t>
             </a:r>
-            <a:endParaRPr lang="he-IL"/>
-          </a:p>
-        </p:txBody>
-      </p:sp>
-      <p:sp>
-        <p:nvSpPr>
-          <p:cNvPr id="3" name="Content Placeholder 2">
-            <a:extLst>
-              <a:ext uri="{FF2B5EF4-FFF2-40B4-BE49-F238E27FC236}">
-                <a16:creationId xmlns:a16="http://schemas.microsoft.com/office/drawing/2014/main" id="{9E1B6250-4642-7B7D-E842-60BA27D31AC3}"/>
-              </a:ext>
-            </a:extLst>
-          </p:cNvPr>
+            <a:endParaRPr lang="en-US" dirty="0"/>
+          </a:p>
+        </p:txBody>
+      </p:sp>
+      <p:sp>
+        <p:nvSpPr>
+          <p:cNvPr id="3" name="Content Placeholder 2"/>
           <p:cNvSpPr>
             <a:spLocks noGrp="1"/>
           </p:cNvSpPr>
@@ -2226,39 +1954,39 @@
         </p:nvSpPr>
         <p:spPr>
           <a:xfrm>
-            <a:off x="5183188" y="987425"/>
-            <a:ext cx="6172200" cy="4873625"/>
+            <a:off x="2915543" y="1426283"/>
+            <a:ext cx="3471863" cy="7039681"/>
           </a:xfrm>
         </p:spPr>
         <p:txBody>
           <a:bodyPr/>
           <a:lstStyle>
             <a:lvl1pPr>
-              <a:defRPr sz="3200"/>
+              <a:defRPr sz="2400"/>
             </a:lvl1pPr>
             <a:lvl2pPr>
-              <a:defRPr sz="2800"/>
+              <a:defRPr sz="2100"/>
             </a:lvl2pPr>
             <a:lvl3pPr>
-              <a:defRPr sz="2400"/>
+              <a:defRPr sz="1800"/>
             </a:lvl3pPr>
             <a:lvl4pPr>
-              <a:defRPr sz="2000"/>
+              <a:defRPr sz="1500"/>
             </a:lvl4pPr>
             <a:lvl5pPr>
-              <a:defRPr sz="2000"/>
+              <a:defRPr sz="1500"/>
             </a:lvl5pPr>
             <a:lvl6pPr>
-              <a:defRPr sz="2000"/>
+              <a:defRPr sz="1500"/>
             </a:lvl6pPr>
             <a:lvl7pPr>
-              <a:defRPr sz="2000"/>
+              <a:defRPr sz="1500"/>
             </a:lvl7pPr>
             <a:lvl8pPr>
-              <a:defRPr sz="2000"/>
+              <a:defRPr sz="1500"/>
             </a:lvl8pPr>
             <a:lvl9pPr>
-              <a:defRPr sz="2000"/>
+              <a:defRPr sz="1500"/>
             </a:lvl9pPr>
           </a:lstStyle>
           <a:p>
@@ -2295,19 +2023,13 @@
               <a:rPr lang="en-US"/>
               <a:t>Fifth level</a:t>
             </a:r>
-            <a:endParaRPr lang="he-IL"/>
-          </a:p>
-        </p:txBody>
-      </p:sp>
-      <p:sp>
-        <p:nvSpPr>
-          <p:cNvPr id="4" name="Text Placeholder 3">
-            <a:extLst>
-              <a:ext uri="{FF2B5EF4-FFF2-40B4-BE49-F238E27FC236}">
-                <a16:creationId xmlns:a16="http://schemas.microsoft.com/office/drawing/2014/main" id="{7ECFC605-DFC3-A9A2-2DB9-AA9CAEA3B813}"/>
-              </a:ext>
-            </a:extLst>
-          </p:cNvPr>
+            <a:endParaRPr lang="en-US" dirty="0"/>
+          </a:p>
+        </p:txBody>
+      </p:sp>
+      <p:sp>
+        <p:nvSpPr>
+          <p:cNvPr id="4" name="Text Placeholder 3"/>
           <p:cNvSpPr>
             <a:spLocks noGrp="1"/>
           </p:cNvSpPr>
@@ -2317,8 +2039,8 @@
         </p:nvSpPr>
         <p:spPr>
           <a:xfrm>
-            <a:off x="839788" y="2057400"/>
-            <a:ext cx="3932237" cy="3811588"/>
+            <a:off x="472381" y="2971800"/>
+            <a:ext cx="2211884" cy="5505627"/>
           </a:xfrm>
         </p:spPr>
         <p:txBody>
@@ -2326,39 +2048,39 @@
           <a:lstStyle>
             <a:lvl1pPr marL="0" indent="0">
               <a:buNone/>
-              <a:defRPr sz="1600"/>
+              <a:defRPr sz="1200"/>
             </a:lvl1pPr>
-            <a:lvl2pPr marL="457200" indent="0">
-              <a:buNone/>
-              <a:defRPr sz="1400"/>
+            <a:lvl2pPr marL="342900" indent="0">
+              <a:buNone/>
+              <a:defRPr sz="1050"/>
             </a:lvl2pPr>
-            <a:lvl3pPr marL="914400" indent="0">
-              <a:buNone/>
-              <a:defRPr sz="1200"/>
+            <a:lvl3pPr marL="685800" indent="0">
+              <a:buNone/>
+              <a:defRPr sz="900"/>
             </a:lvl3pPr>
-            <a:lvl4pPr marL="1371600" indent="0">
-              <a:buNone/>
-              <a:defRPr sz="1000"/>
+            <a:lvl4pPr marL="1028700" indent="0">
+              <a:buNone/>
+              <a:defRPr sz="750"/>
             </a:lvl4pPr>
-            <a:lvl5pPr marL="1828800" indent="0">
-              <a:buNone/>
-              <a:defRPr sz="1000"/>
+            <a:lvl5pPr marL="1371600" indent="0">
+              <a:buNone/>
+              <a:defRPr sz="750"/>
             </a:lvl5pPr>
-            <a:lvl6pPr marL="2286000" indent="0">
-              <a:buNone/>
-              <a:defRPr sz="1000"/>
+            <a:lvl6pPr marL="1714500" indent="0">
+              <a:buNone/>
+              <a:defRPr sz="750"/>
             </a:lvl6pPr>
-            <a:lvl7pPr marL="2743200" indent="0">
-              <a:buNone/>
-              <a:defRPr sz="1000"/>
+            <a:lvl7pPr marL="2057400" indent="0">
+              <a:buNone/>
+              <a:defRPr sz="750"/>
             </a:lvl7pPr>
-            <a:lvl8pPr marL="3200400" indent="0">
-              <a:buNone/>
-              <a:defRPr sz="1000"/>
+            <a:lvl8pPr marL="2400300" indent="0">
+              <a:buNone/>
+              <a:defRPr sz="750"/>
             </a:lvl8pPr>
-            <a:lvl9pPr marL="3657600" indent="0">
-              <a:buNone/>
-              <a:defRPr sz="1000"/>
+            <a:lvl9pPr marL="2743200" indent="0">
+              <a:buNone/>
+              <a:defRPr sz="750"/>
             </a:lvl9pPr>
           </a:lstStyle>
           <a:p>
@@ -2372,13 +2094,7 @@
       </p:sp>
       <p:sp>
         <p:nvSpPr>
-          <p:cNvPr id="5" name="Date Placeholder 4">
-            <a:extLst>
-              <a:ext uri="{FF2B5EF4-FFF2-40B4-BE49-F238E27FC236}">
-                <a16:creationId xmlns:a16="http://schemas.microsoft.com/office/drawing/2014/main" id="{D69248CA-93C4-B42E-01A0-6778A6DD0CDF}"/>
-              </a:ext>
-            </a:extLst>
-          </p:cNvPr>
+          <p:cNvPr id="5" name="Date Placeholder 4"/>
           <p:cNvSpPr>
             <a:spLocks noGrp="1"/>
           </p:cNvSpPr>
@@ -2401,13 +2117,7 @@
       </p:sp>
       <p:sp>
         <p:nvSpPr>
-          <p:cNvPr id="6" name="Footer Placeholder 5">
-            <a:extLst>
-              <a:ext uri="{FF2B5EF4-FFF2-40B4-BE49-F238E27FC236}">
-                <a16:creationId xmlns:a16="http://schemas.microsoft.com/office/drawing/2014/main" id="{F4CE2B0E-4D08-DC86-FA2F-CDA0629D8909}"/>
-              </a:ext>
-            </a:extLst>
-          </p:cNvPr>
+          <p:cNvPr id="6" name="Footer Placeholder 5"/>
           <p:cNvSpPr>
             <a:spLocks noGrp="1"/>
           </p:cNvSpPr>
@@ -2426,13 +2136,7 @@
       </p:sp>
       <p:sp>
         <p:nvSpPr>
-          <p:cNvPr id="7" name="Slide Number Placeholder 6">
-            <a:extLst>
-              <a:ext uri="{FF2B5EF4-FFF2-40B4-BE49-F238E27FC236}">
-                <a16:creationId xmlns:a16="http://schemas.microsoft.com/office/drawing/2014/main" id="{CEBA24EA-6BB0-5559-2992-A90723A50AE8}"/>
-              </a:ext>
-            </a:extLst>
-          </p:cNvPr>
+          <p:cNvPr id="7" name="Slide Number Placeholder 6"/>
           <p:cNvSpPr>
             <a:spLocks noGrp="1"/>
           </p:cNvSpPr>
@@ -2456,7 +2160,7 @@
     </p:spTree>
     <p:extLst>
       <p:ext uri="{BB962C8B-B14F-4D97-AF65-F5344CB8AC3E}">
-        <p14:creationId xmlns:p14="http://schemas.microsoft.com/office/powerpoint/2010/main" val="2989205562"/>
+        <p14:creationId xmlns:p14="http://schemas.microsoft.com/office/powerpoint/2010/main" val="3963543584"/>
       </p:ext>
     </p:extLst>
   </p:cSld>
@@ -2485,13 +2189,7 @@
       </p:grpSpPr>
       <p:sp>
         <p:nvSpPr>
-          <p:cNvPr id="2" name="Title 1">
-            <a:extLst>
-              <a:ext uri="{FF2B5EF4-FFF2-40B4-BE49-F238E27FC236}">
-                <a16:creationId xmlns:a16="http://schemas.microsoft.com/office/drawing/2014/main" id="{50858754-9EF5-B8D8-F027-57B32CBDD34F}"/>
-              </a:ext>
-            </a:extLst>
-          </p:cNvPr>
+          <p:cNvPr id="2" name="Title 1"/>
           <p:cNvSpPr>
             <a:spLocks noGrp="1"/>
           </p:cNvSpPr>
@@ -2501,15 +2199,15 @@
         </p:nvSpPr>
         <p:spPr>
           <a:xfrm>
-            <a:off x="839788" y="457200"/>
-            <a:ext cx="3932237" cy="1600200"/>
+            <a:off x="472381" y="660400"/>
+            <a:ext cx="2211884" cy="2311400"/>
           </a:xfrm>
         </p:spPr>
         <p:txBody>
           <a:bodyPr anchor="b"/>
           <a:lstStyle>
             <a:lvl1pPr>
-              <a:defRPr sz="3200"/>
+              <a:defRPr sz="2400"/>
             </a:lvl1pPr>
           </a:lstStyle>
           <a:p>
@@ -2517,21 +2215,15 @@
               <a:rPr lang="en-US"/>
               <a:t>Click to edit Master title style</a:t>
             </a:r>
-            <a:endParaRPr lang="he-IL"/>
-          </a:p>
-        </p:txBody>
-      </p:sp>
-      <p:sp>
-        <p:nvSpPr>
-          <p:cNvPr id="3" name="Picture Placeholder 2">
-            <a:extLst>
-              <a:ext uri="{FF2B5EF4-FFF2-40B4-BE49-F238E27FC236}">
-                <a16:creationId xmlns:a16="http://schemas.microsoft.com/office/drawing/2014/main" id="{56D4C53D-70B9-8071-2A2F-8C4E95A75A65}"/>
-              </a:ext>
-            </a:extLst>
-          </p:cNvPr>
-          <p:cNvSpPr>
-            <a:spLocks noGrp="1"/>
+            <a:endParaRPr lang="en-US" dirty="0"/>
+          </a:p>
+        </p:txBody>
+      </p:sp>
+      <p:sp>
+        <p:nvSpPr>
+          <p:cNvPr id="3" name="Picture Placeholder 2"/>
+          <p:cNvSpPr>
+            <a:spLocks noGrp="1" noChangeAspect="1"/>
           </p:cNvSpPr>
           <p:nvPr>
             <p:ph type="pic" idx="1"/>
@@ -2539,64 +2231,62 @@
         </p:nvSpPr>
         <p:spPr>
           <a:xfrm>
-            <a:off x="5183188" y="987425"/>
-            <a:ext cx="6172200" cy="4873625"/>
+            <a:off x="2915543" y="1426283"/>
+            <a:ext cx="3471863" cy="7039681"/>
           </a:xfrm>
         </p:spPr>
         <p:txBody>
-          <a:bodyPr/>
+          <a:bodyPr anchor="t"/>
           <a:lstStyle>
             <a:lvl1pPr marL="0" indent="0">
               <a:buNone/>
-              <a:defRPr sz="3200"/>
+              <a:defRPr sz="2400"/>
             </a:lvl1pPr>
-            <a:lvl2pPr marL="457200" indent="0">
-              <a:buNone/>
-              <a:defRPr sz="2800"/>
+            <a:lvl2pPr marL="342900" indent="0">
+              <a:buNone/>
+              <a:defRPr sz="2100"/>
             </a:lvl2pPr>
-            <a:lvl3pPr marL="914400" indent="0">
-              <a:buNone/>
-              <a:defRPr sz="2400"/>
+            <a:lvl3pPr marL="685800" indent="0">
+              <a:buNone/>
+              <a:defRPr sz="1800"/>
             </a:lvl3pPr>
-            <a:lvl4pPr marL="1371600" indent="0">
-              <a:buNone/>
-              <a:defRPr sz="2000"/>
+            <a:lvl4pPr marL="1028700" indent="0">
+              <a:buNone/>
+              <a:defRPr sz="1500"/>
             </a:lvl4pPr>
-            <a:lvl5pPr marL="1828800" indent="0">
-              <a:buNone/>
-              <a:defRPr sz="2000"/>
+            <a:lvl5pPr marL="1371600" indent="0">
+              <a:buNone/>
+              <a:defRPr sz="1500"/>
             </a:lvl5pPr>
-            <a:lvl6pPr marL="2286000" indent="0">
-              <a:buNone/>
-              <a:defRPr sz="2000"/>
+            <a:lvl6pPr marL="1714500" indent="0">
+              <a:buNone/>
+              <a:defRPr sz="1500"/>
             </a:lvl6pPr>
-            <a:lvl7pPr marL="2743200" indent="0">
-              <a:buNone/>
-              <a:defRPr sz="2000"/>
+            <a:lvl7pPr marL="2057400" indent="0">
+              <a:buNone/>
+              <a:defRPr sz="1500"/>
             </a:lvl7pPr>
-            <a:lvl8pPr marL="3200400" indent="0">
-              <a:buNone/>
-              <a:defRPr sz="2000"/>
+            <a:lvl8pPr marL="2400300" indent="0">
+              <a:buNone/>
+              <a:defRPr sz="1500"/>
             </a:lvl8pPr>
-            <a:lvl9pPr marL="3657600" indent="0">
-              <a:buNone/>
-              <a:defRPr sz="2000"/>
+            <a:lvl9pPr marL="2743200" indent="0">
+              <a:buNone/>
+              <a:defRPr sz="1500"/>
             </a:lvl9pPr>
           </a:lstStyle>
           <a:p>
-            <a:endParaRPr lang="he-IL"/>
-          </a:p>
-        </p:txBody>
-      </p:sp>
-      <p:sp>
-        <p:nvSpPr>
-          <p:cNvPr id="4" name="Text Placeholder 3">
-            <a:extLst>
-              <a:ext uri="{FF2B5EF4-FFF2-40B4-BE49-F238E27FC236}">
-                <a16:creationId xmlns:a16="http://schemas.microsoft.com/office/drawing/2014/main" id="{B8F1131A-05DE-9C70-E05D-C0DAAC162285}"/>
-              </a:ext>
-            </a:extLst>
-          </p:cNvPr>
+            <a:r>
+              <a:rPr lang="en-US"/>
+              <a:t>Click icon to add picture</a:t>
+            </a:r>
+            <a:endParaRPr lang="en-US" dirty="0"/>
+          </a:p>
+        </p:txBody>
+      </p:sp>
+      <p:sp>
+        <p:nvSpPr>
+          <p:cNvPr id="4" name="Text Placeholder 3"/>
           <p:cNvSpPr>
             <a:spLocks noGrp="1"/>
           </p:cNvSpPr>
@@ -2606,8 +2296,8 @@
         </p:nvSpPr>
         <p:spPr>
           <a:xfrm>
-            <a:off x="839788" y="2057400"/>
-            <a:ext cx="3932237" cy="3811588"/>
+            <a:off x="472381" y="2971800"/>
+            <a:ext cx="2211884" cy="5505627"/>
           </a:xfrm>
         </p:spPr>
         <p:txBody>
@@ -2615,39 +2305,39 @@
           <a:lstStyle>
             <a:lvl1pPr marL="0" indent="0">
               <a:buNone/>
-              <a:defRPr sz="1600"/>
+              <a:defRPr sz="1200"/>
             </a:lvl1pPr>
-            <a:lvl2pPr marL="457200" indent="0">
-              <a:buNone/>
-              <a:defRPr sz="1400"/>
+            <a:lvl2pPr marL="342900" indent="0">
+              <a:buNone/>
+              <a:defRPr sz="1050"/>
             </a:lvl2pPr>
-            <a:lvl3pPr marL="914400" indent="0">
-              <a:buNone/>
-              <a:defRPr sz="1200"/>
+            <a:lvl3pPr marL="685800" indent="0">
+              <a:buNone/>
+              <a:defRPr sz="900"/>
             </a:lvl3pPr>
-            <a:lvl4pPr marL="1371600" indent="0">
-              <a:buNone/>
-              <a:defRPr sz="1000"/>
+            <a:lvl4pPr marL="1028700" indent="0">
+              <a:buNone/>
+              <a:defRPr sz="750"/>
             </a:lvl4pPr>
-            <a:lvl5pPr marL="1828800" indent="0">
-              <a:buNone/>
-              <a:defRPr sz="1000"/>
+            <a:lvl5pPr marL="1371600" indent="0">
+              <a:buNone/>
+              <a:defRPr sz="750"/>
             </a:lvl5pPr>
-            <a:lvl6pPr marL="2286000" indent="0">
-              <a:buNone/>
-              <a:defRPr sz="1000"/>
+            <a:lvl6pPr marL="1714500" indent="0">
+              <a:buNone/>
+              <a:defRPr sz="750"/>
             </a:lvl6pPr>
-            <a:lvl7pPr marL="2743200" indent="0">
-              <a:buNone/>
-              <a:defRPr sz="1000"/>
+            <a:lvl7pPr marL="2057400" indent="0">
+              <a:buNone/>
+              <a:defRPr sz="750"/>
             </a:lvl7pPr>
-            <a:lvl8pPr marL="3200400" indent="0">
-              <a:buNone/>
-              <a:defRPr sz="1000"/>
+            <a:lvl8pPr marL="2400300" indent="0">
+              <a:buNone/>
+              <a:defRPr sz="750"/>
             </a:lvl8pPr>
-            <a:lvl9pPr marL="3657600" indent="0">
-              <a:buNone/>
-              <a:defRPr sz="1000"/>
+            <a:lvl9pPr marL="2743200" indent="0">
+              <a:buNone/>
+              <a:defRPr sz="750"/>
             </a:lvl9pPr>
           </a:lstStyle>
           <a:p>
@@ -2661,13 +2351,7 @@
       </p:sp>
       <p:sp>
         <p:nvSpPr>
-          <p:cNvPr id="5" name="Date Placeholder 4">
-            <a:extLst>
-              <a:ext uri="{FF2B5EF4-FFF2-40B4-BE49-F238E27FC236}">
-                <a16:creationId xmlns:a16="http://schemas.microsoft.com/office/drawing/2014/main" id="{62A6C17B-ACDF-78FC-B9B5-3ACA609BCF2F}"/>
-              </a:ext>
-            </a:extLst>
-          </p:cNvPr>
+          <p:cNvPr id="5" name="Date Placeholder 4"/>
           <p:cNvSpPr>
             <a:spLocks noGrp="1"/>
           </p:cNvSpPr>
@@ -2690,13 +2374,7 @@
       </p:sp>
       <p:sp>
         <p:nvSpPr>
-          <p:cNvPr id="6" name="Footer Placeholder 5">
-            <a:extLst>
-              <a:ext uri="{FF2B5EF4-FFF2-40B4-BE49-F238E27FC236}">
-                <a16:creationId xmlns:a16="http://schemas.microsoft.com/office/drawing/2014/main" id="{DC066379-E438-7698-35F3-D7A430249BB1}"/>
-              </a:ext>
-            </a:extLst>
-          </p:cNvPr>
+          <p:cNvPr id="6" name="Footer Placeholder 5"/>
           <p:cNvSpPr>
             <a:spLocks noGrp="1"/>
           </p:cNvSpPr>
@@ -2715,13 +2393,7 @@
       </p:sp>
       <p:sp>
         <p:nvSpPr>
-          <p:cNvPr id="7" name="Slide Number Placeholder 6">
-            <a:extLst>
-              <a:ext uri="{FF2B5EF4-FFF2-40B4-BE49-F238E27FC236}">
-                <a16:creationId xmlns:a16="http://schemas.microsoft.com/office/drawing/2014/main" id="{5DCB83C5-EECC-46EB-AF3A-E72F622B42F3}"/>
-              </a:ext>
-            </a:extLst>
-          </p:cNvPr>
+          <p:cNvPr id="7" name="Slide Number Placeholder 6"/>
           <p:cNvSpPr>
             <a:spLocks noGrp="1"/>
           </p:cNvSpPr>
@@ -2745,7 +2417,7 @@
     </p:spTree>
     <p:extLst>
       <p:ext uri="{BB962C8B-B14F-4D97-AF65-F5344CB8AC3E}">
-        <p14:creationId xmlns:p14="http://schemas.microsoft.com/office/powerpoint/2010/main" val="4116351052"/>
+        <p14:creationId xmlns:p14="http://schemas.microsoft.com/office/powerpoint/2010/main" val="88914693"/>
       </p:ext>
     </p:extLst>
   </p:cSld>
@@ -2779,13 +2451,7 @@
       </p:grpSpPr>
       <p:sp>
         <p:nvSpPr>
-          <p:cNvPr id="2" name="Title Placeholder 1">
-            <a:extLst>
-              <a:ext uri="{FF2B5EF4-FFF2-40B4-BE49-F238E27FC236}">
-                <a16:creationId xmlns:a16="http://schemas.microsoft.com/office/drawing/2014/main" id="{771ED703-56D6-03AB-3A4B-1CAC1709C0E5}"/>
-              </a:ext>
-            </a:extLst>
-          </p:cNvPr>
+          <p:cNvPr id="2" name="Title Placeholder 1"/>
           <p:cNvSpPr>
             <a:spLocks noGrp="1"/>
           </p:cNvSpPr>
@@ -2795,8 +2461,8 @@
         </p:nvSpPr>
         <p:spPr>
           <a:xfrm>
-            <a:off x="838200" y="365125"/>
-            <a:ext cx="10515600" cy="1325563"/>
+            <a:off x="471488" y="527405"/>
+            <a:ext cx="5915025" cy="1914702"/>
           </a:xfrm>
           <a:prstGeom prst="rect">
             <a:avLst/>
@@ -2812,19 +2478,13 @@
               <a:rPr lang="en-US"/>
               <a:t>Click to edit Master title style</a:t>
             </a:r>
-            <a:endParaRPr lang="he-IL"/>
-          </a:p>
-        </p:txBody>
-      </p:sp>
-      <p:sp>
-        <p:nvSpPr>
-          <p:cNvPr id="3" name="Text Placeholder 2">
-            <a:extLst>
-              <a:ext uri="{FF2B5EF4-FFF2-40B4-BE49-F238E27FC236}">
-                <a16:creationId xmlns:a16="http://schemas.microsoft.com/office/drawing/2014/main" id="{82C9C642-55E6-E396-0B1E-55756583000C}"/>
-              </a:ext>
-            </a:extLst>
-          </p:cNvPr>
+            <a:endParaRPr lang="en-US" dirty="0"/>
+          </a:p>
+        </p:txBody>
+      </p:sp>
+      <p:sp>
+        <p:nvSpPr>
+          <p:cNvPr id="3" name="Text Placeholder 2"/>
           <p:cNvSpPr>
             <a:spLocks noGrp="1"/>
           </p:cNvSpPr>
@@ -2834,8 +2494,8 @@
         </p:nvSpPr>
         <p:spPr>
           <a:xfrm>
-            <a:off x="838200" y="1825625"/>
-            <a:ext cx="10515600" cy="4351338"/>
+            <a:off x="471488" y="2637014"/>
+            <a:ext cx="5915025" cy="6285266"/>
           </a:xfrm>
           <a:prstGeom prst="rect">
             <a:avLst/>
@@ -2880,19 +2540,13 @@
               <a:rPr lang="en-US"/>
               <a:t>Fifth level</a:t>
             </a:r>
-            <a:endParaRPr lang="he-IL"/>
-          </a:p>
-        </p:txBody>
-      </p:sp>
-      <p:sp>
-        <p:nvSpPr>
-          <p:cNvPr id="4" name="Date Placeholder 3">
-            <a:extLst>
-              <a:ext uri="{FF2B5EF4-FFF2-40B4-BE49-F238E27FC236}">
-                <a16:creationId xmlns:a16="http://schemas.microsoft.com/office/drawing/2014/main" id="{8F145888-6CC6-E340-2513-2D89D5A37BF1}"/>
-              </a:ext>
-            </a:extLst>
-          </p:cNvPr>
+            <a:endParaRPr lang="en-US" dirty="0"/>
+          </a:p>
+        </p:txBody>
+      </p:sp>
+      <p:sp>
+        <p:nvSpPr>
+          <p:cNvPr id="4" name="Date Placeholder 3"/>
           <p:cNvSpPr>
             <a:spLocks noGrp="1"/>
           </p:cNvSpPr>
@@ -2902,8 +2556,8 @@
         </p:nvSpPr>
         <p:spPr>
           <a:xfrm>
-            <a:off x="838200" y="6356350"/>
-            <a:ext cx="2743200" cy="365125"/>
+            <a:off x="471488" y="9181397"/>
+            <a:ext cx="1543050" cy="527403"/>
           </a:xfrm>
           <a:prstGeom prst="rect">
             <a:avLst/>
@@ -2912,8 +2566,8 @@
         <p:txBody>
           <a:bodyPr vert="horz" lIns="91440" tIns="45720" rIns="91440" bIns="45720" rtlCol="0" anchor="ctr"/>
           <a:lstStyle>
-            <a:lvl1pPr algn="r">
-              <a:defRPr sz="1200">
+            <a:lvl1pPr algn="l">
+              <a:defRPr sz="900">
                 <a:solidFill>
                   <a:schemeClr val="tx1">
                     <a:tint val="75000"/>
@@ -2933,13 +2587,7 @@
       </p:sp>
       <p:sp>
         <p:nvSpPr>
-          <p:cNvPr id="5" name="Footer Placeholder 4">
-            <a:extLst>
-              <a:ext uri="{FF2B5EF4-FFF2-40B4-BE49-F238E27FC236}">
-                <a16:creationId xmlns:a16="http://schemas.microsoft.com/office/drawing/2014/main" id="{69D4BFEE-DDDB-8D87-46F0-3C5170EFDA0D}"/>
-              </a:ext>
-            </a:extLst>
-          </p:cNvPr>
+          <p:cNvPr id="5" name="Footer Placeholder 4"/>
           <p:cNvSpPr>
             <a:spLocks noGrp="1"/>
           </p:cNvSpPr>
@@ -2949,8 +2597,8 @@
         </p:nvSpPr>
         <p:spPr>
           <a:xfrm>
-            <a:off x="4038600" y="6356350"/>
-            <a:ext cx="4114800" cy="365125"/>
+            <a:off x="2271713" y="9181397"/>
+            <a:ext cx="2314575" cy="527403"/>
           </a:xfrm>
           <a:prstGeom prst="rect">
             <a:avLst/>
@@ -2960,7 +2608,7 @@
           <a:bodyPr vert="horz" lIns="91440" tIns="45720" rIns="91440" bIns="45720" rtlCol="0" anchor="ctr"/>
           <a:lstStyle>
             <a:lvl1pPr algn="ctr">
-              <a:defRPr sz="1200">
+              <a:defRPr sz="900">
                 <a:solidFill>
                   <a:schemeClr val="tx1">
                     <a:tint val="75000"/>
@@ -2976,13 +2624,7 @@
       </p:sp>
       <p:sp>
         <p:nvSpPr>
-          <p:cNvPr id="6" name="Slide Number Placeholder 5">
-            <a:extLst>
-              <a:ext uri="{FF2B5EF4-FFF2-40B4-BE49-F238E27FC236}">
-                <a16:creationId xmlns:a16="http://schemas.microsoft.com/office/drawing/2014/main" id="{B298DB49-323C-24E3-E934-4FE4F5D46660}"/>
-              </a:ext>
-            </a:extLst>
-          </p:cNvPr>
+          <p:cNvPr id="6" name="Slide Number Placeholder 5"/>
           <p:cNvSpPr>
             <a:spLocks noGrp="1"/>
           </p:cNvSpPr>
@@ -2992,8 +2634,8 @@
         </p:nvSpPr>
         <p:spPr>
           <a:xfrm>
-            <a:off x="8610600" y="6356350"/>
-            <a:ext cx="2743200" cy="365125"/>
+            <a:off x="4843463" y="9181397"/>
+            <a:ext cx="1543050" cy="527403"/>
           </a:xfrm>
           <a:prstGeom prst="rect">
             <a:avLst/>
@@ -3002,8 +2644,8 @@
         <p:txBody>
           <a:bodyPr vert="horz" lIns="91440" tIns="45720" rIns="91440" bIns="45720" rtlCol="0" anchor="ctr"/>
           <a:lstStyle>
-            <a:lvl1pPr algn="l">
-              <a:defRPr sz="1200">
+            <a:lvl1pPr algn="r">
+              <a:defRPr sz="900">
                 <a:solidFill>
                   <a:schemeClr val="tx1">
                     <a:tint val="75000"/>
@@ -3024,27 +2666,27 @@
     </p:spTree>
     <p:extLst>
       <p:ext uri="{BB962C8B-B14F-4D97-AF65-F5344CB8AC3E}">
-        <p14:creationId xmlns:p14="http://schemas.microsoft.com/office/powerpoint/2010/main" val="3633739771"/>
+        <p14:creationId xmlns:p14="http://schemas.microsoft.com/office/powerpoint/2010/main" val="4098995897"/>
       </p:ext>
     </p:extLst>
   </p:cSld>
   <p:clrMap bg1="lt1" tx1="dk1" bg2="lt2" tx2="dk2" accent1="accent1" accent2="accent2" accent3="accent3" accent4="accent4" accent5="accent5" accent6="accent6" hlink="hlink" folHlink="folHlink"/>
   <p:sldLayoutIdLst>
-    <p:sldLayoutId id="2147483649" r:id="rId1"/>
-    <p:sldLayoutId id="2147483650" r:id="rId2"/>
-    <p:sldLayoutId id="2147483651" r:id="rId3"/>
-    <p:sldLayoutId id="2147483652" r:id="rId4"/>
-    <p:sldLayoutId id="2147483653" r:id="rId5"/>
-    <p:sldLayoutId id="2147483654" r:id="rId6"/>
-    <p:sldLayoutId id="2147483655" r:id="rId7"/>
-    <p:sldLayoutId id="2147483656" r:id="rId8"/>
-    <p:sldLayoutId id="2147483657" r:id="rId9"/>
-    <p:sldLayoutId id="2147483658" r:id="rId10"/>
-    <p:sldLayoutId id="2147483659" r:id="rId11"/>
+    <p:sldLayoutId id="2147483673" r:id="rId1"/>
+    <p:sldLayoutId id="2147483674" r:id="rId2"/>
+    <p:sldLayoutId id="2147483675" r:id="rId3"/>
+    <p:sldLayoutId id="2147483676" r:id="rId4"/>
+    <p:sldLayoutId id="2147483677" r:id="rId5"/>
+    <p:sldLayoutId id="2147483678" r:id="rId6"/>
+    <p:sldLayoutId id="2147483679" r:id="rId7"/>
+    <p:sldLayoutId id="2147483680" r:id="rId8"/>
+    <p:sldLayoutId id="2147483681" r:id="rId9"/>
+    <p:sldLayoutId id="2147483682" r:id="rId10"/>
+    <p:sldLayoutId id="2147483683" r:id="rId11"/>
   </p:sldLayoutIdLst>
   <p:txStyles>
     <p:titleStyle>
-      <a:lvl1pPr algn="l" defTabSz="914400" rtl="0" eaLnBrk="1" latinLnBrk="0" hangingPunct="1">
+      <a:lvl1pPr algn="l" defTabSz="685800" rtl="1" eaLnBrk="1" latinLnBrk="0" hangingPunct="1">
         <a:lnSpc>
           <a:spcPct val="90000"/>
         </a:lnSpc>
@@ -3052,7 +2694,7 @@
           <a:spcPct val="0"/>
         </a:spcBef>
         <a:buNone/>
-        <a:defRPr sz="4400" kern="1200">
+        <a:defRPr sz="3300" kern="1200">
           <a:solidFill>
             <a:schemeClr val="tx1"/>
           </a:solidFill>
@@ -3063,16 +2705,16 @@
       </a:lvl1pPr>
     </p:titleStyle>
     <p:bodyStyle>
-      <a:lvl1pPr marL="228600" indent="-228600" algn="l" defTabSz="914400" rtl="0" eaLnBrk="1" latinLnBrk="0" hangingPunct="1">
+      <a:lvl1pPr marL="171450" indent="-171450" algn="r" defTabSz="685800" rtl="1" eaLnBrk="1" latinLnBrk="0" hangingPunct="1">
         <a:lnSpc>
           <a:spcPct val="90000"/>
         </a:lnSpc>
         <a:spcBef>
-          <a:spcPts val="1000"/>
+          <a:spcPts val="750"/>
         </a:spcBef>
         <a:buFont typeface="Arial" panose="020B0604020202020204" pitchFamily="34" charset="0"/>
         <a:buChar char="•"/>
-        <a:defRPr sz="2800" kern="1200">
+        <a:defRPr sz="2100" kern="1200">
           <a:solidFill>
             <a:schemeClr val="tx1"/>
           </a:solidFill>
@@ -3081,48 +2723,12 @@
           <a:cs typeface="+mn-cs"/>
         </a:defRPr>
       </a:lvl1pPr>
-      <a:lvl2pPr marL="685800" indent="-228600" algn="l" defTabSz="914400" rtl="0" eaLnBrk="1" latinLnBrk="0" hangingPunct="1">
+      <a:lvl2pPr marL="514350" indent="-171450" algn="r" defTabSz="685800" rtl="1" eaLnBrk="1" latinLnBrk="0" hangingPunct="1">
         <a:lnSpc>
           <a:spcPct val="90000"/>
         </a:lnSpc>
         <a:spcBef>
-          <a:spcPts val="500"/>
-        </a:spcBef>
-        <a:buFont typeface="Arial" panose="020B0604020202020204" pitchFamily="34" charset="0"/>
-        <a:buChar char="•"/>
-        <a:defRPr sz="2400" kern="1200">
-          <a:solidFill>
-            <a:schemeClr val="tx1"/>
-          </a:solidFill>
-          <a:latin typeface="+mn-lt"/>
-          <a:ea typeface="+mn-ea"/>
-          <a:cs typeface="+mn-cs"/>
-        </a:defRPr>
-      </a:lvl2pPr>
-      <a:lvl3pPr marL="1143000" indent="-228600" algn="l" defTabSz="914400" rtl="0" eaLnBrk="1" latinLnBrk="0" hangingPunct="1">
-        <a:lnSpc>
-          <a:spcPct val="90000"/>
-        </a:lnSpc>
-        <a:spcBef>
-          <a:spcPts val="500"/>
-        </a:spcBef>
-        <a:buFont typeface="Arial" panose="020B0604020202020204" pitchFamily="34" charset="0"/>
-        <a:buChar char="•"/>
-        <a:defRPr sz="2000" kern="1200">
-          <a:solidFill>
-            <a:schemeClr val="tx1"/>
-          </a:solidFill>
-          <a:latin typeface="+mn-lt"/>
-          <a:ea typeface="+mn-ea"/>
-          <a:cs typeface="+mn-cs"/>
-        </a:defRPr>
-      </a:lvl3pPr>
-      <a:lvl4pPr marL="1600200" indent="-228600" algn="l" defTabSz="914400" rtl="0" eaLnBrk="1" latinLnBrk="0" hangingPunct="1">
-        <a:lnSpc>
-          <a:spcPct val="90000"/>
-        </a:lnSpc>
-        <a:spcBef>
-          <a:spcPts val="500"/>
+          <a:spcPts val="375"/>
         </a:spcBef>
         <a:buFont typeface="Arial" panose="020B0604020202020204" pitchFamily="34" charset="0"/>
         <a:buChar char="•"/>
@@ -3134,17 +2740,53 @@
           <a:ea typeface="+mn-ea"/>
           <a:cs typeface="+mn-cs"/>
         </a:defRPr>
-      </a:lvl4pPr>
-      <a:lvl5pPr marL="2057400" indent="-228600" algn="l" defTabSz="914400" rtl="0" eaLnBrk="1" latinLnBrk="0" hangingPunct="1">
+      </a:lvl2pPr>
+      <a:lvl3pPr marL="857250" indent="-171450" algn="r" defTabSz="685800" rtl="1" eaLnBrk="1" latinLnBrk="0" hangingPunct="1">
         <a:lnSpc>
           <a:spcPct val="90000"/>
         </a:lnSpc>
         <a:spcBef>
-          <a:spcPts val="500"/>
+          <a:spcPts val="375"/>
         </a:spcBef>
         <a:buFont typeface="Arial" panose="020B0604020202020204" pitchFamily="34" charset="0"/>
         <a:buChar char="•"/>
-        <a:defRPr sz="1800" kern="1200">
+        <a:defRPr sz="1500" kern="1200">
+          <a:solidFill>
+            <a:schemeClr val="tx1"/>
+          </a:solidFill>
+          <a:latin typeface="+mn-lt"/>
+          <a:ea typeface="+mn-ea"/>
+          <a:cs typeface="+mn-cs"/>
+        </a:defRPr>
+      </a:lvl3pPr>
+      <a:lvl4pPr marL="1200150" indent="-171450" algn="r" defTabSz="685800" rtl="1" eaLnBrk="1" latinLnBrk="0" hangingPunct="1">
+        <a:lnSpc>
+          <a:spcPct val="90000"/>
+        </a:lnSpc>
+        <a:spcBef>
+          <a:spcPts val="375"/>
+        </a:spcBef>
+        <a:buFont typeface="Arial" panose="020B0604020202020204" pitchFamily="34" charset="0"/>
+        <a:buChar char="•"/>
+        <a:defRPr sz="1350" kern="1200">
+          <a:solidFill>
+            <a:schemeClr val="tx1"/>
+          </a:solidFill>
+          <a:latin typeface="+mn-lt"/>
+          <a:ea typeface="+mn-ea"/>
+          <a:cs typeface="+mn-cs"/>
+        </a:defRPr>
+      </a:lvl4pPr>
+      <a:lvl5pPr marL="1543050" indent="-171450" algn="r" defTabSz="685800" rtl="1" eaLnBrk="1" latinLnBrk="0" hangingPunct="1">
+        <a:lnSpc>
+          <a:spcPct val="90000"/>
+        </a:lnSpc>
+        <a:spcBef>
+          <a:spcPts val="375"/>
+        </a:spcBef>
+        <a:buFont typeface="Arial" panose="020B0604020202020204" pitchFamily="34" charset="0"/>
+        <a:buChar char="•"/>
+        <a:defRPr sz="1350" kern="1200">
           <a:solidFill>
             <a:schemeClr val="tx1"/>
           </a:solidFill>
@@ -3153,16 +2795,16 @@
           <a:cs typeface="+mn-cs"/>
         </a:defRPr>
       </a:lvl5pPr>
-      <a:lvl6pPr marL="2514600" indent="-228600" algn="l" defTabSz="914400" rtl="0" eaLnBrk="1" latinLnBrk="0" hangingPunct="1">
+      <a:lvl6pPr marL="1885950" indent="-171450" algn="r" defTabSz="685800" rtl="1" eaLnBrk="1" latinLnBrk="0" hangingPunct="1">
         <a:lnSpc>
           <a:spcPct val="90000"/>
         </a:lnSpc>
         <a:spcBef>
-          <a:spcPts val="500"/>
+          <a:spcPts val="375"/>
         </a:spcBef>
         <a:buFont typeface="Arial" panose="020B0604020202020204" pitchFamily="34" charset="0"/>
         <a:buChar char="•"/>
-        <a:defRPr sz="1800" kern="1200">
+        <a:defRPr sz="1350" kern="1200">
           <a:solidFill>
             <a:schemeClr val="tx1"/>
           </a:solidFill>
@@ -3171,16 +2813,16 @@
           <a:cs typeface="+mn-cs"/>
         </a:defRPr>
       </a:lvl6pPr>
-      <a:lvl7pPr marL="2971800" indent="-228600" algn="l" defTabSz="914400" rtl="0" eaLnBrk="1" latinLnBrk="0" hangingPunct="1">
+      <a:lvl7pPr marL="2228850" indent="-171450" algn="r" defTabSz="685800" rtl="1" eaLnBrk="1" latinLnBrk="0" hangingPunct="1">
         <a:lnSpc>
           <a:spcPct val="90000"/>
         </a:lnSpc>
         <a:spcBef>
-          <a:spcPts val="500"/>
+          <a:spcPts val="375"/>
         </a:spcBef>
         <a:buFont typeface="Arial" panose="020B0604020202020204" pitchFamily="34" charset="0"/>
         <a:buChar char="•"/>
-        <a:defRPr sz="1800" kern="1200">
+        <a:defRPr sz="1350" kern="1200">
           <a:solidFill>
             <a:schemeClr val="tx1"/>
           </a:solidFill>
@@ -3189,16 +2831,16 @@
           <a:cs typeface="+mn-cs"/>
         </a:defRPr>
       </a:lvl7pPr>
-      <a:lvl8pPr marL="3429000" indent="-228600" algn="l" defTabSz="914400" rtl="0" eaLnBrk="1" latinLnBrk="0" hangingPunct="1">
+      <a:lvl8pPr marL="2571750" indent="-171450" algn="r" defTabSz="685800" rtl="1" eaLnBrk="1" latinLnBrk="0" hangingPunct="1">
         <a:lnSpc>
           <a:spcPct val="90000"/>
         </a:lnSpc>
         <a:spcBef>
-          <a:spcPts val="500"/>
+          <a:spcPts val="375"/>
         </a:spcBef>
         <a:buFont typeface="Arial" panose="020B0604020202020204" pitchFamily="34" charset="0"/>
         <a:buChar char="•"/>
-        <a:defRPr sz="1800" kern="1200">
+        <a:defRPr sz="1350" kern="1200">
           <a:solidFill>
             <a:schemeClr val="tx1"/>
           </a:solidFill>
@@ -3207,16 +2849,16 @@
           <a:cs typeface="+mn-cs"/>
         </a:defRPr>
       </a:lvl8pPr>
-      <a:lvl9pPr marL="3886200" indent="-228600" algn="l" defTabSz="914400" rtl="0" eaLnBrk="1" latinLnBrk="0" hangingPunct="1">
+      <a:lvl9pPr marL="2914650" indent="-171450" algn="r" defTabSz="685800" rtl="1" eaLnBrk="1" latinLnBrk="0" hangingPunct="1">
         <a:lnSpc>
           <a:spcPct val="90000"/>
         </a:lnSpc>
         <a:spcBef>
-          <a:spcPts val="500"/>
+          <a:spcPts val="375"/>
         </a:spcBef>
         <a:buFont typeface="Arial" panose="020B0604020202020204" pitchFamily="34" charset="0"/>
         <a:buChar char="•"/>
-        <a:defRPr sz="1800" kern="1200">
+        <a:defRPr sz="1350" kern="1200">
           <a:solidFill>
             <a:schemeClr val="tx1"/>
           </a:solidFill>
@@ -3228,10 +2870,10 @@
     </p:bodyStyle>
     <p:otherStyle>
       <a:defPPr>
-        <a:defRPr lang="he-IL"/>
+        <a:defRPr lang="en-US"/>
       </a:defPPr>
-      <a:lvl1pPr marL="0" algn="l" defTabSz="914400" rtl="0" eaLnBrk="1" latinLnBrk="0" hangingPunct="1">
-        <a:defRPr sz="1800" kern="1200">
+      <a:lvl1pPr marL="0" algn="r" defTabSz="685800" rtl="1" eaLnBrk="1" latinLnBrk="0" hangingPunct="1">
+        <a:defRPr sz="1350" kern="1200">
           <a:solidFill>
             <a:schemeClr val="tx1"/>
           </a:solidFill>
@@ -3240,8 +2882,8 @@
           <a:cs typeface="+mn-cs"/>
         </a:defRPr>
       </a:lvl1pPr>
-      <a:lvl2pPr marL="457200" algn="l" defTabSz="914400" rtl="0" eaLnBrk="1" latinLnBrk="0" hangingPunct="1">
-        <a:defRPr sz="1800" kern="1200">
+      <a:lvl2pPr marL="342900" algn="r" defTabSz="685800" rtl="1" eaLnBrk="1" latinLnBrk="0" hangingPunct="1">
+        <a:defRPr sz="1350" kern="1200">
           <a:solidFill>
             <a:schemeClr val="tx1"/>
           </a:solidFill>
@@ -3250,8 +2892,8 @@
           <a:cs typeface="+mn-cs"/>
         </a:defRPr>
       </a:lvl2pPr>
-      <a:lvl3pPr marL="914400" algn="l" defTabSz="914400" rtl="0" eaLnBrk="1" latinLnBrk="0" hangingPunct="1">
-        <a:defRPr sz="1800" kern="1200">
+      <a:lvl3pPr marL="685800" algn="r" defTabSz="685800" rtl="1" eaLnBrk="1" latinLnBrk="0" hangingPunct="1">
+        <a:defRPr sz="1350" kern="1200">
           <a:solidFill>
             <a:schemeClr val="tx1"/>
           </a:solidFill>
@@ -3260,8 +2902,8 @@
           <a:cs typeface="+mn-cs"/>
         </a:defRPr>
       </a:lvl3pPr>
-      <a:lvl4pPr marL="1371600" algn="l" defTabSz="914400" rtl="0" eaLnBrk="1" latinLnBrk="0" hangingPunct="1">
-        <a:defRPr sz="1800" kern="1200">
+      <a:lvl4pPr marL="1028700" algn="r" defTabSz="685800" rtl="1" eaLnBrk="1" latinLnBrk="0" hangingPunct="1">
+        <a:defRPr sz="1350" kern="1200">
           <a:solidFill>
             <a:schemeClr val="tx1"/>
           </a:solidFill>
@@ -3270,8 +2912,8 @@
           <a:cs typeface="+mn-cs"/>
         </a:defRPr>
       </a:lvl4pPr>
-      <a:lvl5pPr marL="1828800" algn="l" defTabSz="914400" rtl="0" eaLnBrk="1" latinLnBrk="0" hangingPunct="1">
-        <a:defRPr sz="1800" kern="1200">
+      <a:lvl5pPr marL="1371600" algn="r" defTabSz="685800" rtl="1" eaLnBrk="1" latinLnBrk="0" hangingPunct="1">
+        <a:defRPr sz="1350" kern="1200">
           <a:solidFill>
             <a:schemeClr val="tx1"/>
           </a:solidFill>
@@ -3280,8 +2922,8 @@
           <a:cs typeface="+mn-cs"/>
         </a:defRPr>
       </a:lvl5pPr>
-      <a:lvl6pPr marL="2286000" algn="l" defTabSz="914400" rtl="0" eaLnBrk="1" latinLnBrk="0" hangingPunct="1">
-        <a:defRPr sz="1800" kern="1200">
+      <a:lvl6pPr marL="1714500" algn="r" defTabSz="685800" rtl="1" eaLnBrk="1" latinLnBrk="0" hangingPunct="1">
+        <a:defRPr sz="1350" kern="1200">
           <a:solidFill>
             <a:schemeClr val="tx1"/>
           </a:solidFill>
@@ -3290,8 +2932,8 @@
           <a:cs typeface="+mn-cs"/>
         </a:defRPr>
       </a:lvl6pPr>
-      <a:lvl7pPr marL="2743200" algn="l" defTabSz="914400" rtl="0" eaLnBrk="1" latinLnBrk="0" hangingPunct="1">
-        <a:defRPr sz="1800" kern="1200">
+      <a:lvl7pPr marL="2057400" algn="r" defTabSz="685800" rtl="1" eaLnBrk="1" latinLnBrk="0" hangingPunct="1">
+        <a:defRPr sz="1350" kern="1200">
           <a:solidFill>
             <a:schemeClr val="tx1"/>
           </a:solidFill>
@@ -3300,8 +2942,8 @@
           <a:cs typeface="+mn-cs"/>
         </a:defRPr>
       </a:lvl7pPr>
-      <a:lvl8pPr marL="3200400" algn="l" defTabSz="914400" rtl="0" eaLnBrk="1" latinLnBrk="0" hangingPunct="1">
-        <a:defRPr sz="1800" kern="1200">
+      <a:lvl8pPr marL="2400300" algn="r" defTabSz="685800" rtl="1" eaLnBrk="1" latinLnBrk="0" hangingPunct="1">
+        <a:defRPr sz="1350" kern="1200">
           <a:solidFill>
             <a:schemeClr val="tx1"/>
           </a:solidFill>
@@ -3310,8 +2952,8 @@
           <a:cs typeface="+mn-cs"/>
         </a:defRPr>
       </a:lvl8pPr>
-      <a:lvl9pPr marL="3657600" algn="l" defTabSz="914400" rtl="0" eaLnBrk="1" latinLnBrk="0" hangingPunct="1">
-        <a:defRPr sz="1800" kern="1200">
+      <a:lvl9pPr marL="2743200" algn="r" defTabSz="685800" rtl="1" eaLnBrk="1" latinLnBrk="0" hangingPunct="1">
+        <a:defRPr sz="1350" kern="1200">
           <a:solidFill>
             <a:schemeClr val="tx1"/>
           </a:solidFill>
@@ -3344,10 +2986,10 @@
       </p:grpSpPr>
       <p:pic>
         <p:nvPicPr>
-          <p:cNvPr id="12" name="Picture 11">
+          <p:cNvPr id="61" name="Picture 60">
             <a:extLst>
               <a:ext uri="{FF2B5EF4-FFF2-40B4-BE49-F238E27FC236}">
-                <a16:creationId xmlns:a16="http://schemas.microsoft.com/office/drawing/2014/main" id="{62EE28F9-C7D5-53A8-57C0-9C42547D3321}"/>
+                <a16:creationId xmlns:a16="http://schemas.microsoft.com/office/drawing/2014/main" id="{2E2F15A9-D92C-C27B-4524-AF213F32776C}"/>
               </a:ext>
             </a:extLst>
           </p:cNvPr>
@@ -3358,25 +3000,77 @@
         </p:nvPicPr>
         <p:blipFill rotWithShape="1">
           <a:blip r:embed="rId2"/>
-          <a:srcRect l="7571" t="3473" r="25467" b="8912"/>
+          <a:srcRect l="8848" t="2324" r="24403" b="3481"/>
           <a:stretch/>
         </p:blipFill>
         <p:spPr>
           <a:xfrm>
-            <a:off x="923150" y="603767"/>
-            <a:ext cx="8163973" cy="5320145"/>
+            <a:off x="606778" y="5794021"/>
+            <a:ext cx="4577644" cy="3217335"/>
           </a:xfrm>
           <a:prstGeom prst="rect">
             <a:avLst/>
           </a:prstGeom>
         </p:spPr>
       </p:pic>
+      <p:sp>
+        <p:nvSpPr>
+          <p:cNvPr id="48" name="Rectangle 47">
+            <a:extLst>
+              <a:ext uri="{FF2B5EF4-FFF2-40B4-BE49-F238E27FC236}">
+                <a16:creationId xmlns:a16="http://schemas.microsoft.com/office/drawing/2014/main" id="{4AFDA111-2F7D-AA2F-8BC1-65A10CC30601}"/>
+              </a:ext>
+            </a:extLst>
+          </p:cNvPr>
+          <p:cNvSpPr/>
+          <p:nvPr/>
+        </p:nvSpPr>
+        <p:spPr>
+          <a:xfrm>
+            <a:off x="2711215" y="5785555"/>
+            <a:ext cx="299156" cy="143934"/>
+          </a:xfrm>
+          <a:prstGeom prst="rect">
+            <a:avLst/>
+          </a:prstGeom>
+          <a:solidFill>
+            <a:schemeClr val="bg1"/>
+          </a:solidFill>
+          <a:ln>
+            <a:noFill/>
+          </a:ln>
+        </p:spPr>
+        <p:style>
+          <a:lnRef idx="2">
+            <a:schemeClr val="accent1">
+              <a:shade val="15000"/>
+            </a:schemeClr>
+          </a:lnRef>
+          <a:fillRef idx="1">
+            <a:schemeClr val="accent1"/>
+          </a:fillRef>
+          <a:effectRef idx="0">
+            <a:schemeClr val="accent1"/>
+          </a:effectRef>
+          <a:fontRef idx="minor">
+            <a:schemeClr val="lt1"/>
+          </a:fontRef>
+        </p:style>
+        <p:txBody>
+          <a:bodyPr rtlCol="1" anchor="ctr"/>
+          <a:lstStyle/>
+          <a:p>
+            <a:pPr algn="ctr"/>
+            <a:endParaRPr lang="he-IL"/>
+          </a:p>
+        </p:txBody>
+      </p:sp>
       <p:grpSp>
         <p:nvGrpSpPr>
-          <p:cNvPr id="20" name="Group 19">
+          <p:cNvPr id="56" name="Group 55">
             <a:extLst>
               <a:ext uri="{FF2B5EF4-FFF2-40B4-BE49-F238E27FC236}">
-                <a16:creationId xmlns:a16="http://schemas.microsoft.com/office/drawing/2014/main" id="{2477707B-3076-B386-D8FD-6BA1372B6CD4}"/>
+                <a16:creationId xmlns:a16="http://schemas.microsoft.com/office/drawing/2014/main" id="{59B51D5D-2303-81B3-D4C5-0CA0A91A321A}"/>
               </a:ext>
             </a:extLst>
           </p:cNvPr>
@@ -3385,526 +3079,774 @@
         </p:nvGrpSpPr>
         <p:grpSpPr>
           <a:xfrm>
-            <a:off x="8054594" y="934457"/>
-            <a:ext cx="632205" cy="369332"/>
-            <a:chOff x="8054594" y="934457"/>
-            <a:chExt cx="632205" cy="369332"/>
+            <a:off x="606778" y="2680782"/>
+            <a:ext cx="4540955" cy="4904935"/>
+            <a:chOff x="606778" y="2680782"/>
+            <a:chExt cx="4540955" cy="4904935"/>
           </a:xfrm>
         </p:grpSpPr>
-        <p:sp>
-          <p:nvSpPr>
-            <p:cNvPr id="13" name="Left Bracket 12">
+        <p:pic>
+          <p:nvPicPr>
+            <p:cNvPr id="40" name="Picture 39">
               <a:extLst>
                 <a:ext uri="{FF2B5EF4-FFF2-40B4-BE49-F238E27FC236}">
-                  <a16:creationId xmlns:a16="http://schemas.microsoft.com/office/drawing/2014/main" id="{C95068E2-1211-9C3B-9DC2-33F4B74A0CED}"/>
+                  <a16:creationId xmlns:a16="http://schemas.microsoft.com/office/drawing/2014/main" id="{19A60CD9-FD07-89CA-49E3-FFAA33269A21}"/>
                 </a:ext>
               </a:extLst>
             </p:cNvPr>
-            <p:cNvSpPr/>
+            <p:cNvPicPr>
+              <a:picLocks noChangeAspect="1"/>
+            </p:cNvPicPr>
             <p:nvPr/>
-          </p:nvSpPr>
-          <p:spPr>
-            <a:xfrm rot="5400000">
-              <a:off x="8317100" y="934090"/>
-              <a:ext cx="107193" cy="632205"/>
-            </a:xfrm>
-            <a:prstGeom prst="leftBracket">
-              <a:avLst/>
-            </a:prstGeom>
-            <a:ln w="28575">
-              <a:solidFill>
-                <a:schemeClr val="tx1"/>
-              </a:solidFill>
-            </a:ln>
-          </p:spPr>
-          <p:style>
-            <a:lnRef idx="1">
-              <a:schemeClr val="accent1"/>
-            </a:lnRef>
-            <a:fillRef idx="0">
-              <a:schemeClr val="accent1"/>
-            </a:fillRef>
-            <a:effectRef idx="0">
-              <a:schemeClr val="accent1"/>
-            </a:effectRef>
-            <a:fontRef idx="minor">
-              <a:schemeClr val="tx1"/>
-            </a:fontRef>
-          </p:style>
-          <p:txBody>
-            <a:bodyPr rtlCol="1" anchor="ctr"/>
-            <a:lstStyle/>
-            <a:p>
-              <a:pPr algn="ctr"/>
-              <a:endParaRPr lang="he-IL"/>
-            </a:p>
-          </p:txBody>
-        </p:sp>
-        <p:sp>
-          <p:nvSpPr>
-            <p:cNvPr id="19" name="TextBox 18">
-              <a:extLst>
-                <a:ext uri="{FF2B5EF4-FFF2-40B4-BE49-F238E27FC236}">
-                  <a16:creationId xmlns:a16="http://schemas.microsoft.com/office/drawing/2014/main" id="{8BB7860A-A036-6F09-DDB7-3B101B609CC7}"/>
-                </a:ext>
-              </a:extLst>
-            </p:cNvPr>
-            <p:cNvSpPr txBox="1"/>
-            <p:nvPr/>
-          </p:nvSpPr>
+          </p:nvPicPr>
+          <p:blipFill rotWithShape="1">
+            <a:blip r:embed="rId3"/>
+            <a:srcRect l="8847" t="3636" r="24939" b="9512"/>
+            <a:stretch/>
+          </p:blipFill>
           <p:spPr>
             <a:xfrm>
-              <a:off x="8169440" y="934457"/>
-              <a:ext cx="402511" cy="369332"/>
+              <a:off x="606778" y="2680782"/>
+              <a:ext cx="4540955" cy="2966483"/>
             </a:xfrm>
             <a:prstGeom prst="rect">
               <a:avLst/>
             </a:prstGeom>
-            <a:noFill/>
           </p:spPr>
-          <p:txBody>
-            <a:bodyPr wrap="square" rtlCol="1">
-              <a:spAutoFit/>
-            </a:bodyPr>
-            <a:lstStyle/>
-            <a:p>
-              <a:pPr algn="ctr"/>
-              <a:r>
-                <a:rPr lang="en-US" b="1" dirty="0"/>
-                <a:t>*</a:t>
-              </a:r>
-              <a:endParaRPr lang="he-IL" b="1" dirty="0"/>
-            </a:p>
-          </p:txBody>
-        </p:sp>
-      </p:grpSp>
-      <p:grpSp>
-        <p:nvGrpSpPr>
-          <p:cNvPr id="21" name="Group 20">
-            <a:extLst>
-              <a:ext uri="{FF2B5EF4-FFF2-40B4-BE49-F238E27FC236}">
-                <a16:creationId xmlns:a16="http://schemas.microsoft.com/office/drawing/2014/main" id="{16314231-96A6-BDFE-DFF0-62F2DA0C9ECB}"/>
-              </a:ext>
-            </a:extLst>
-          </p:cNvPr>
-          <p:cNvGrpSpPr/>
-          <p:nvPr/>
-        </p:nvGrpSpPr>
-        <p:grpSpPr>
-          <a:xfrm>
-            <a:off x="6096000" y="934088"/>
-            <a:ext cx="632205" cy="369332"/>
-            <a:chOff x="8054594" y="934457"/>
-            <a:chExt cx="632205" cy="369332"/>
-          </a:xfrm>
-        </p:grpSpPr>
-        <p:sp>
-          <p:nvSpPr>
-            <p:cNvPr id="22" name="Left Bracket 21">
+        </p:pic>
+        <p:grpSp>
+          <p:nvGrpSpPr>
+            <p:cNvPr id="55" name="Group 54">
               <a:extLst>
                 <a:ext uri="{FF2B5EF4-FFF2-40B4-BE49-F238E27FC236}">
-                  <a16:creationId xmlns:a16="http://schemas.microsoft.com/office/drawing/2014/main" id="{52D14E4B-BCA5-3369-400D-0C5A46BAD315}"/>
+                  <a16:creationId xmlns:a16="http://schemas.microsoft.com/office/drawing/2014/main" id="{2A840888-564B-5D40-975D-EAF22104D5DE}"/>
                 </a:ext>
               </a:extLst>
             </p:cNvPr>
-            <p:cNvSpPr/>
+            <p:cNvGrpSpPr/>
             <p:nvPr/>
-          </p:nvSpPr>
-          <p:spPr>
-            <a:xfrm rot="5400000">
-              <a:off x="8317100" y="934090"/>
-              <a:ext cx="107193" cy="632205"/>
+          </p:nvGrpSpPr>
+          <p:grpSpPr>
+            <a:xfrm>
+              <a:off x="687414" y="2680782"/>
+              <a:ext cx="4217760" cy="4904935"/>
+              <a:chOff x="687414" y="2680782"/>
+              <a:chExt cx="4217760" cy="4904935"/>
             </a:xfrm>
-            <a:prstGeom prst="leftBracket">
-              <a:avLst/>
-            </a:prstGeom>
-            <a:ln w="28575">
-              <a:solidFill>
-                <a:schemeClr val="tx1"/>
-              </a:solidFill>
-            </a:ln>
-          </p:spPr>
-          <p:style>
-            <a:lnRef idx="1">
-              <a:schemeClr val="accent1"/>
-            </a:lnRef>
-            <a:fillRef idx="0">
-              <a:schemeClr val="accent1"/>
-            </a:fillRef>
-            <a:effectRef idx="0">
-              <a:schemeClr val="accent1"/>
-            </a:effectRef>
-            <a:fontRef idx="minor">
-              <a:schemeClr val="tx1"/>
-            </a:fontRef>
-          </p:style>
-          <p:txBody>
-            <a:bodyPr rtlCol="1" anchor="ctr"/>
-            <a:lstStyle/>
-            <a:p>
-              <a:pPr algn="ctr"/>
-              <a:endParaRPr lang="he-IL"/>
-            </a:p>
-          </p:txBody>
-        </p:sp>
-        <p:sp>
-          <p:nvSpPr>
-            <p:cNvPr id="23" name="TextBox 22">
-              <a:extLst>
-                <a:ext uri="{FF2B5EF4-FFF2-40B4-BE49-F238E27FC236}">
-                  <a16:creationId xmlns:a16="http://schemas.microsoft.com/office/drawing/2014/main" id="{3E281EB0-C958-3A22-41E6-83A1D15B6244}"/>
-                </a:ext>
-              </a:extLst>
-            </p:cNvPr>
-            <p:cNvSpPr txBox="1"/>
-            <p:nvPr/>
-          </p:nvSpPr>
-          <p:spPr>
-            <a:xfrm>
-              <a:off x="8169440" y="934457"/>
-              <a:ext cx="402511" cy="369332"/>
-            </a:xfrm>
-            <a:prstGeom prst="rect">
-              <a:avLst/>
-            </a:prstGeom>
-            <a:noFill/>
-          </p:spPr>
-          <p:txBody>
-            <a:bodyPr wrap="square" rtlCol="1">
-              <a:spAutoFit/>
-            </a:bodyPr>
-            <a:lstStyle/>
-            <a:p>
-              <a:pPr algn="ctr"/>
-              <a:r>
-                <a:rPr lang="en-US" b="1" dirty="0"/>
-                <a:t>*</a:t>
-              </a:r>
-              <a:endParaRPr lang="he-IL" b="1" dirty="0"/>
-            </a:p>
-          </p:txBody>
-        </p:sp>
-      </p:grpSp>
-      <p:grpSp>
-        <p:nvGrpSpPr>
-          <p:cNvPr id="24" name="Group 23">
-            <a:extLst>
-              <a:ext uri="{FF2B5EF4-FFF2-40B4-BE49-F238E27FC236}">
-                <a16:creationId xmlns:a16="http://schemas.microsoft.com/office/drawing/2014/main" id="{4A7EF5D8-C6C2-34CC-CC59-CA9E9A63277A}"/>
-              </a:ext>
-            </a:extLst>
-          </p:cNvPr>
-          <p:cNvGrpSpPr/>
-          <p:nvPr/>
-        </p:nvGrpSpPr>
-        <p:grpSpPr>
-          <a:xfrm>
-            <a:off x="8054594" y="3637912"/>
-            <a:ext cx="632205" cy="369332"/>
-            <a:chOff x="8054594" y="934457"/>
-            <a:chExt cx="632205" cy="369332"/>
-          </a:xfrm>
-        </p:grpSpPr>
-        <p:sp>
-          <p:nvSpPr>
-            <p:cNvPr id="25" name="Left Bracket 24">
-              <a:extLst>
-                <a:ext uri="{FF2B5EF4-FFF2-40B4-BE49-F238E27FC236}">
-                  <a16:creationId xmlns:a16="http://schemas.microsoft.com/office/drawing/2014/main" id="{B2E0CEC0-A28D-C563-89BF-C768E316A219}"/>
-                </a:ext>
-              </a:extLst>
-            </p:cNvPr>
-            <p:cNvSpPr/>
-            <p:nvPr/>
-          </p:nvSpPr>
-          <p:spPr>
-            <a:xfrm rot="5400000">
-              <a:off x="8317100" y="934090"/>
-              <a:ext cx="107193" cy="632205"/>
-            </a:xfrm>
-            <a:prstGeom prst="leftBracket">
-              <a:avLst/>
-            </a:prstGeom>
-            <a:ln w="28575">
-              <a:solidFill>
-                <a:schemeClr val="tx1"/>
-              </a:solidFill>
-            </a:ln>
-          </p:spPr>
-          <p:style>
-            <a:lnRef idx="1">
-              <a:schemeClr val="accent1"/>
-            </a:lnRef>
-            <a:fillRef idx="0">
-              <a:schemeClr val="accent1"/>
-            </a:fillRef>
-            <a:effectRef idx="0">
-              <a:schemeClr val="accent1"/>
-            </a:effectRef>
-            <a:fontRef idx="minor">
-              <a:schemeClr val="tx1"/>
-            </a:fontRef>
-          </p:style>
-          <p:txBody>
-            <a:bodyPr rtlCol="1" anchor="ctr"/>
-            <a:lstStyle/>
-            <a:p>
-              <a:pPr algn="ctr"/>
-              <a:endParaRPr lang="he-IL"/>
-            </a:p>
-          </p:txBody>
-        </p:sp>
-        <p:sp>
-          <p:nvSpPr>
-            <p:cNvPr id="26" name="TextBox 25">
-              <a:extLst>
-                <a:ext uri="{FF2B5EF4-FFF2-40B4-BE49-F238E27FC236}">
-                  <a16:creationId xmlns:a16="http://schemas.microsoft.com/office/drawing/2014/main" id="{31BEB9E2-7C73-B1A2-4F36-AF5332C96D0E}"/>
-                </a:ext>
-              </a:extLst>
-            </p:cNvPr>
-            <p:cNvSpPr txBox="1"/>
-            <p:nvPr/>
-          </p:nvSpPr>
-          <p:spPr>
-            <a:xfrm>
-              <a:off x="8169440" y="934457"/>
-              <a:ext cx="402511" cy="369332"/>
-            </a:xfrm>
-            <a:prstGeom prst="rect">
-              <a:avLst/>
-            </a:prstGeom>
-            <a:noFill/>
-          </p:spPr>
-          <p:txBody>
-            <a:bodyPr wrap="square" rtlCol="1">
-              <a:spAutoFit/>
-            </a:bodyPr>
-            <a:lstStyle/>
-            <a:p>
-              <a:pPr algn="ctr"/>
-              <a:r>
-                <a:rPr lang="en-US" b="1" dirty="0"/>
-                <a:t>*</a:t>
-              </a:r>
-              <a:endParaRPr lang="he-IL" b="1" dirty="0"/>
-            </a:p>
-          </p:txBody>
-        </p:sp>
-      </p:grpSp>
-      <p:grpSp>
-        <p:nvGrpSpPr>
-          <p:cNvPr id="27" name="Group 26">
-            <a:extLst>
-              <a:ext uri="{FF2B5EF4-FFF2-40B4-BE49-F238E27FC236}">
-                <a16:creationId xmlns:a16="http://schemas.microsoft.com/office/drawing/2014/main" id="{56E57A82-43A0-D499-AA18-E7F972E4BF4D}"/>
-              </a:ext>
-            </a:extLst>
-          </p:cNvPr>
-          <p:cNvGrpSpPr/>
-          <p:nvPr/>
-        </p:nvGrpSpPr>
-        <p:grpSpPr>
-          <a:xfrm>
-            <a:off x="6095998" y="3637912"/>
-            <a:ext cx="632205" cy="369332"/>
-            <a:chOff x="8054594" y="934457"/>
-            <a:chExt cx="632205" cy="369332"/>
-          </a:xfrm>
-        </p:grpSpPr>
-        <p:sp>
-          <p:nvSpPr>
-            <p:cNvPr id="28" name="Left Bracket 27">
-              <a:extLst>
-                <a:ext uri="{FF2B5EF4-FFF2-40B4-BE49-F238E27FC236}">
-                  <a16:creationId xmlns:a16="http://schemas.microsoft.com/office/drawing/2014/main" id="{8F840B4F-D971-DC5D-E28F-4465977C1914}"/>
-                </a:ext>
-              </a:extLst>
-            </p:cNvPr>
-            <p:cNvSpPr/>
-            <p:nvPr/>
-          </p:nvSpPr>
-          <p:spPr>
-            <a:xfrm rot="5400000">
-              <a:off x="8317100" y="934090"/>
-              <a:ext cx="107193" cy="632205"/>
-            </a:xfrm>
-            <a:prstGeom prst="leftBracket">
-              <a:avLst/>
-            </a:prstGeom>
-            <a:ln w="28575">
-              <a:solidFill>
-                <a:schemeClr val="tx1"/>
-              </a:solidFill>
-            </a:ln>
-          </p:spPr>
-          <p:style>
-            <a:lnRef idx="1">
-              <a:schemeClr val="accent1"/>
-            </a:lnRef>
-            <a:fillRef idx="0">
-              <a:schemeClr val="accent1"/>
-            </a:fillRef>
-            <a:effectRef idx="0">
-              <a:schemeClr val="accent1"/>
-            </a:effectRef>
-            <a:fontRef idx="minor">
-              <a:schemeClr val="tx1"/>
-            </a:fontRef>
-          </p:style>
-          <p:txBody>
-            <a:bodyPr rtlCol="1" anchor="ctr"/>
-            <a:lstStyle/>
-            <a:p>
-              <a:pPr algn="ctr"/>
-              <a:endParaRPr lang="he-IL"/>
-            </a:p>
-          </p:txBody>
-        </p:sp>
-        <p:sp>
-          <p:nvSpPr>
-            <p:cNvPr id="29" name="TextBox 28">
-              <a:extLst>
-                <a:ext uri="{FF2B5EF4-FFF2-40B4-BE49-F238E27FC236}">
-                  <a16:creationId xmlns:a16="http://schemas.microsoft.com/office/drawing/2014/main" id="{73AADB1D-013A-D02D-C58B-AC4A3D9B5092}"/>
-                </a:ext>
-              </a:extLst>
-            </p:cNvPr>
-            <p:cNvSpPr txBox="1"/>
-            <p:nvPr/>
-          </p:nvSpPr>
-          <p:spPr>
-            <a:xfrm>
-              <a:off x="8169440" y="934457"/>
-              <a:ext cx="402511" cy="369332"/>
-            </a:xfrm>
-            <a:prstGeom prst="rect">
-              <a:avLst/>
-            </a:prstGeom>
-            <a:noFill/>
-          </p:spPr>
-          <p:txBody>
-            <a:bodyPr wrap="square" rtlCol="1">
-              <a:spAutoFit/>
-            </a:bodyPr>
-            <a:lstStyle/>
-            <a:p>
-              <a:pPr algn="ctr"/>
-              <a:r>
-                <a:rPr lang="en-US" b="1" dirty="0"/>
-                <a:t>*</a:t>
-              </a:r>
-              <a:endParaRPr lang="he-IL" b="1" dirty="0"/>
-            </a:p>
-          </p:txBody>
-        </p:sp>
-      </p:grpSp>
-      <p:grpSp>
-        <p:nvGrpSpPr>
-          <p:cNvPr id="30" name="Group 29">
-            <a:extLst>
-              <a:ext uri="{FF2B5EF4-FFF2-40B4-BE49-F238E27FC236}">
-                <a16:creationId xmlns:a16="http://schemas.microsoft.com/office/drawing/2014/main" id="{F7977404-1222-1E95-B22F-FEDFC88A0BA0}"/>
-              </a:ext>
-            </a:extLst>
-          </p:cNvPr>
-          <p:cNvGrpSpPr/>
-          <p:nvPr/>
-        </p:nvGrpSpPr>
-        <p:grpSpPr>
-          <a:xfrm>
-            <a:off x="4115347" y="3637912"/>
-            <a:ext cx="632205" cy="369332"/>
-            <a:chOff x="8054594" y="934457"/>
-            <a:chExt cx="632205" cy="369332"/>
-          </a:xfrm>
-        </p:grpSpPr>
-        <p:sp>
-          <p:nvSpPr>
-            <p:cNvPr id="31" name="Left Bracket 30">
-              <a:extLst>
-                <a:ext uri="{FF2B5EF4-FFF2-40B4-BE49-F238E27FC236}">
-                  <a16:creationId xmlns:a16="http://schemas.microsoft.com/office/drawing/2014/main" id="{E57F8C40-62BB-97A6-CC71-64FC5F2B1122}"/>
-                </a:ext>
-              </a:extLst>
-            </p:cNvPr>
-            <p:cNvSpPr/>
-            <p:nvPr/>
-          </p:nvSpPr>
-          <p:spPr>
-            <a:xfrm rot="5400000">
-              <a:off x="8317100" y="934090"/>
-              <a:ext cx="107193" cy="632205"/>
-            </a:xfrm>
-            <a:prstGeom prst="leftBracket">
-              <a:avLst/>
-            </a:prstGeom>
-            <a:ln w="28575">
-              <a:solidFill>
-                <a:schemeClr val="tx1"/>
-              </a:solidFill>
-            </a:ln>
-          </p:spPr>
-          <p:style>
-            <a:lnRef idx="1">
-              <a:schemeClr val="accent1"/>
-            </a:lnRef>
-            <a:fillRef idx="0">
-              <a:schemeClr val="accent1"/>
-            </a:fillRef>
-            <a:effectRef idx="0">
-              <a:schemeClr val="accent1"/>
-            </a:effectRef>
-            <a:fontRef idx="minor">
-              <a:schemeClr val="tx1"/>
-            </a:fontRef>
-          </p:style>
-          <p:txBody>
-            <a:bodyPr rtlCol="1" anchor="ctr"/>
-            <a:lstStyle/>
-            <a:p>
-              <a:pPr algn="ctr"/>
-              <a:endParaRPr lang="he-IL"/>
-            </a:p>
-          </p:txBody>
-        </p:sp>
-        <p:sp>
-          <p:nvSpPr>
-            <p:cNvPr id="32" name="TextBox 31">
-              <a:extLst>
-                <a:ext uri="{FF2B5EF4-FFF2-40B4-BE49-F238E27FC236}">
-                  <a16:creationId xmlns:a16="http://schemas.microsoft.com/office/drawing/2014/main" id="{0A774542-238A-C5CC-EED2-441A67BC1341}"/>
-                </a:ext>
-              </a:extLst>
-            </p:cNvPr>
-            <p:cNvSpPr txBox="1"/>
-            <p:nvPr/>
-          </p:nvSpPr>
-          <p:spPr>
-            <a:xfrm>
-              <a:off x="8169440" y="934457"/>
-              <a:ext cx="402511" cy="369332"/>
-            </a:xfrm>
-            <a:prstGeom prst="rect">
-              <a:avLst/>
-            </a:prstGeom>
-            <a:noFill/>
-          </p:spPr>
-          <p:txBody>
-            <a:bodyPr wrap="square" rtlCol="1">
-              <a:spAutoFit/>
-            </a:bodyPr>
-            <a:lstStyle/>
-            <a:p>
-              <a:pPr algn="ctr"/>
-              <a:r>
-                <a:rPr lang="en-US" b="1" dirty="0"/>
-                <a:t>*</a:t>
-              </a:r>
-              <a:endParaRPr lang="he-IL" b="1" dirty="0"/>
-            </a:p>
-          </p:txBody>
-        </p:sp>
+          </p:grpSpPr>
+          <p:pic>
+            <p:nvPicPr>
+              <p:cNvPr id="41" name="Picture 40">
+                <a:extLst>
+                  <a:ext uri="{FF2B5EF4-FFF2-40B4-BE49-F238E27FC236}">
+                    <a16:creationId xmlns:a16="http://schemas.microsoft.com/office/drawing/2014/main" id="{DF43E63B-0A0E-7748-4990-639FDB011916}"/>
+                  </a:ext>
+                </a:extLst>
+              </p:cNvPr>
+              <p:cNvPicPr>
+                <a:picLocks noChangeAspect="1"/>
+              </p:cNvPicPr>
+              <p:nvPr/>
+            </p:nvPicPr>
+            <p:blipFill rotWithShape="1">
+              <a:blip r:embed="rId3"/>
+              <a:srcRect l="7324" t="3553" r="90742" b="92637"/>
+              <a:stretch/>
+            </p:blipFill>
+            <p:spPr>
+              <a:xfrm>
+                <a:off x="740834" y="2680782"/>
+                <a:ext cx="132644" cy="130151"/>
+              </a:xfrm>
+              <a:prstGeom prst="rect">
+                <a:avLst/>
+              </a:prstGeom>
+            </p:spPr>
+          </p:pic>
+          <p:grpSp>
+            <p:nvGrpSpPr>
+              <p:cNvPr id="20" name="Group 19">
+                <a:extLst>
+                  <a:ext uri="{FF2B5EF4-FFF2-40B4-BE49-F238E27FC236}">
+                    <a16:creationId xmlns:a16="http://schemas.microsoft.com/office/drawing/2014/main" id="{2477707B-3076-B386-D8FD-6BA1372B6CD4}"/>
+                  </a:ext>
+                </a:extLst>
+              </p:cNvPr>
+              <p:cNvGrpSpPr/>
+              <p:nvPr/>
+            </p:nvGrpSpPr>
+            <p:grpSpPr>
+              <a:xfrm>
+                <a:off x="4544947" y="2819264"/>
+                <a:ext cx="360227" cy="272998"/>
+                <a:chOff x="8054594" y="934457"/>
+                <a:chExt cx="632205" cy="479116"/>
+              </a:xfrm>
+            </p:grpSpPr>
+            <p:sp>
+              <p:nvSpPr>
+                <p:cNvPr id="13" name="Left Bracket 12">
+                  <a:extLst>
+                    <a:ext uri="{FF2B5EF4-FFF2-40B4-BE49-F238E27FC236}">
+                      <a16:creationId xmlns:a16="http://schemas.microsoft.com/office/drawing/2014/main" id="{C95068E2-1211-9C3B-9DC2-33F4B74A0CED}"/>
+                    </a:ext>
+                  </a:extLst>
+                </p:cNvPr>
+                <p:cNvSpPr/>
+                <p:nvPr/>
+              </p:nvSpPr>
+              <p:spPr>
+                <a:xfrm rot="5400000">
+                  <a:off x="8317100" y="934090"/>
+                  <a:ext cx="107193" cy="632205"/>
+                </a:xfrm>
+                <a:prstGeom prst="leftBracket">
+                  <a:avLst/>
+                </a:prstGeom>
+                <a:ln w="28575">
+                  <a:solidFill>
+                    <a:schemeClr val="tx1"/>
+                  </a:solidFill>
+                </a:ln>
+              </p:spPr>
+              <p:style>
+                <a:lnRef idx="1">
+                  <a:schemeClr val="accent1"/>
+                </a:lnRef>
+                <a:fillRef idx="0">
+                  <a:schemeClr val="accent1"/>
+                </a:fillRef>
+                <a:effectRef idx="0">
+                  <a:schemeClr val="accent1"/>
+                </a:effectRef>
+                <a:fontRef idx="minor">
+                  <a:schemeClr val="tx1"/>
+                </a:fontRef>
+              </p:style>
+              <p:txBody>
+                <a:bodyPr rtlCol="1" anchor="ctr"/>
+                <a:lstStyle/>
+                <a:p>
+                  <a:pPr algn="ctr"/>
+                  <a:endParaRPr lang="he-IL" sz="823"/>
+                </a:p>
+              </p:txBody>
+            </p:sp>
+            <p:sp>
+              <p:nvSpPr>
+                <p:cNvPr id="19" name="TextBox 18">
+                  <a:extLst>
+                    <a:ext uri="{FF2B5EF4-FFF2-40B4-BE49-F238E27FC236}">
+                      <a16:creationId xmlns:a16="http://schemas.microsoft.com/office/drawing/2014/main" id="{8BB7860A-A036-6F09-DDB7-3B101B609CC7}"/>
+                    </a:ext>
+                  </a:extLst>
+                </p:cNvPr>
+                <p:cNvSpPr txBox="1"/>
+                <p:nvPr/>
+              </p:nvSpPr>
+              <p:spPr>
+                <a:xfrm>
+                  <a:off x="8169440" y="934457"/>
+                  <a:ext cx="402511" cy="479116"/>
+                </a:xfrm>
+                <a:prstGeom prst="rect">
+                  <a:avLst/>
+                </a:prstGeom>
+                <a:noFill/>
+              </p:spPr>
+              <p:txBody>
+                <a:bodyPr wrap="square" rtlCol="1">
+                  <a:spAutoFit/>
+                </a:bodyPr>
+                <a:lstStyle/>
+                <a:p>
+                  <a:pPr algn="ctr"/>
+                  <a:r>
+                    <a:rPr lang="en-US" sz="823" b="1" dirty="0"/>
+                    <a:t>*</a:t>
+                  </a:r>
+                  <a:endParaRPr lang="he-IL" sz="823" b="1" dirty="0"/>
+                </a:p>
+              </p:txBody>
+            </p:sp>
+          </p:grpSp>
+          <p:grpSp>
+            <p:nvGrpSpPr>
+              <p:cNvPr id="21" name="Group 20">
+                <a:extLst>
+                  <a:ext uri="{FF2B5EF4-FFF2-40B4-BE49-F238E27FC236}">
+                    <a16:creationId xmlns:a16="http://schemas.microsoft.com/office/drawing/2014/main" id="{16314231-96A6-BDFE-DFF0-62F2DA0C9ECB}"/>
+                  </a:ext>
+                </a:extLst>
+              </p:cNvPr>
+              <p:cNvGrpSpPr/>
+              <p:nvPr/>
+            </p:nvGrpSpPr>
+            <p:grpSpPr>
+              <a:xfrm>
+                <a:off x="3428951" y="2819054"/>
+                <a:ext cx="360227" cy="272998"/>
+                <a:chOff x="8054594" y="934457"/>
+                <a:chExt cx="632205" cy="479116"/>
+              </a:xfrm>
+            </p:grpSpPr>
+            <p:sp>
+              <p:nvSpPr>
+                <p:cNvPr id="22" name="Left Bracket 21">
+                  <a:extLst>
+                    <a:ext uri="{FF2B5EF4-FFF2-40B4-BE49-F238E27FC236}">
+                      <a16:creationId xmlns:a16="http://schemas.microsoft.com/office/drawing/2014/main" id="{52D14E4B-BCA5-3369-400D-0C5A46BAD315}"/>
+                    </a:ext>
+                  </a:extLst>
+                </p:cNvPr>
+                <p:cNvSpPr/>
+                <p:nvPr/>
+              </p:nvSpPr>
+              <p:spPr>
+                <a:xfrm rot="5400000">
+                  <a:off x="8317100" y="934090"/>
+                  <a:ext cx="107193" cy="632205"/>
+                </a:xfrm>
+                <a:prstGeom prst="leftBracket">
+                  <a:avLst/>
+                </a:prstGeom>
+                <a:ln w="28575">
+                  <a:solidFill>
+                    <a:schemeClr val="tx1"/>
+                  </a:solidFill>
+                </a:ln>
+              </p:spPr>
+              <p:style>
+                <a:lnRef idx="1">
+                  <a:schemeClr val="accent1"/>
+                </a:lnRef>
+                <a:fillRef idx="0">
+                  <a:schemeClr val="accent1"/>
+                </a:fillRef>
+                <a:effectRef idx="0">
+                  <a:schemeClr val="accent1"/>
+                </a:effectRef>
+                <a:fontRef idx="minor">
+                  <a:schemeClr val="tx1"/>
+                </a:fontRef>
+              </p:style>
+              <p:txBody>
+                <a:bodyPr rtlCol="1" anchor="ctr"/>
+                <a:lstStyle/>
+                <a:p>
+                  <a:pPr algn="ctr"/>
+                  <a:endParaRPr lang="he-IL" sz="823"/>
+                </a:p>
+              </p:txBody>
+            </p:sp>
+            <p:sp>
+              <p:nvSpPr>
+                <p:cNvPr id="23" name="TextBox 22">
+                  <a:extLst>
+                    <a:ext uri="{FF2B5EF4-FFF2-40B4-BE49-F238E27FC236}">
+                      <a16:creationId xmlns:a16="http://schemas.microsoft.com/office/drawing/2014/main" id="{3E281EB0-C958-3A22-41E6-83A1D15B6244}"/>
+                    </a:ext>
+                  </a:extLst>
+                </p:cNvPr>
+                <p:cNvSpPr txBox="1"/>
+                <p:nvPr/>
+              </p:nvSpPr>
+              <p:spPr>
+                <a:xfrm>
+                  <a:off x="8169440" y="934457"/>
+                  <a:ext cx="402511" cy="479116"/>
+                </a:xfrm>
+                <a:prstGeom prst="rect">
+                  <a:avLst/>
+                </a:prstGeom>
+                <a:noFill/>
+              </p:spPr>
+              <p:txBody>
+                <a:bodyPr wrap="square" rtlCol="1">
+                  <a:spAutoFit/>
+                </a:bodyPr>
+                <a:lstStyle/>
+                <a:p>
+                  <a:pPr algn="ctr"/>
+                  <a:r>
+                    <a:rPr lang="en-US" sz="823" b="1" dirty="0"/>
+                    <a:t>*</a:t>
+                  </a:r>
+                  <a:endParaRPr lang="he-IL" sz="823" b="1" dirty="0"/>
+                </a:p>
+              </p:txBody>
+            </p:sp>
+          </p:grpSp>
+          <p:grpSp>
+            <p:nvGrpSpPr>
+              <p:cNvPr id="24" name="Group 23">
+                <a:extLst>
+                  <a:ext uri="{FF2B5EF4-FFF2-40B4-BE49-F238E27FC236}">
+                    <a16:creationId xmlns:a16="http://schemas.microsoft.com/office/drawing/2014/main" id="{4A7EF5D8-C6C2-34CC-CC59-CA9E9A63277A}"/>
+                  </a:ext>
+                </a:extLst>
+              </p:cNvPr>
+              <p:cNvGrpSpPr/>
+              <p:nvPr/>
+            </p:nvGrpSpPr>
+            <p:grpSpPr>
+              <a:xfrm>
+                <a:off x="4544947" y="4359679"/>
+                <a:ext cx="360227" cy="272998"/>
+                <a:chOff x="8054594" y="934457"/>
+                <a:chExt cx="632205" cy="479116"/>
+              </a:xfrm>
+            </p:grpSpPr>
+            <p:sp>
+              <p:nvSpPr>
+                <p:cNvPr id="25" name="Left Bracket 24">
+                  <a:extLst>
+                    <a:ext uri="{FF2B5EF4-FFF2-40B4-BE49-F238E27FC236}">
+                      <a16:creationId xmlns:a16="http://schemas.microsoft.com/office/drawing/2014/main" id="{B2E0CEC0-A28D-C563-89BF-C768E316A219}"/>
+                    </a:ext>
+                  </a:extLst>
+                </p:cNvPr>
+                <p:cNvSpPr/>
+                <p:nvPr/>
+              </p:nvSpPr>
+              <p:spPr>
+                <a:xfrm rot="5400000">
+                  <a:off x="8317100" y="934090"/>
+                  <a:ext cx="107193" cy="632205"/>
+                </a:xfrm>
+                <a:prstGeom prst="leftBracket">
+                  <a:avLst/>
+                </a:prstGeom>
+                <a:ln w="28575">
+                  <a:solidFill>
+                    <a:schemeClr val="tx1"/>
+                  </a:solidFill>
+                </a:ln>
+              </p:spPr>
+              <p:style>
+                <a:lnRef idx="1">
+                  <a:schemeClr val="accent1"/>
+                </a:lnRef>
+                <a:fillRef idx="0">
+                  <a:schemeClr val="accent1"/>
+                </a:fillRef>
+                <a:effectRef idx="0">
+                  <a:schemeClr val="accent1"/>
+                </a:effectRef>
+                <a:fontRef idx="minor">
+                  <a:schemeClr val="tx1"/>
+                </a:fontRef>
+              </p:style>
+              <p:txBody>
+                <a:bodyPr rtlCol="1" anchor="ctr"/>
+                <a:lstStyle/>
+                <a:p>
+                  <a:pPr algn="ctr"/>
+                  <a:endParaRPr lang="he-IL" sz="823"/>
+                </a:p>
+              </p:txBody>
+            </p:sp>
+            <p:sp>
+              <p:nvSpPr>
+                <p:cNvPr id="26" name="TextBox 25">
+                  <a:extLst>
+                    <a:ext uri="{FF2B5EF4-FFF2-40B4-BE49-F238E27FC236}">
+                      <a16:creationId xmlns:a16="http://schemas.microsoft.com/office/drawing/2014/main" id="{31BEB9E2-7C73-B1A2-4F36-AF5332C96D0E}"/>
+                    </a:ext>
+                  </a:extLst>
+                </p:cNvPr>
+                <p:cNvSpPr txBox="1"/>
+                <p:nvPr/>
+              </p:nvSpPr>
+              <p:spPr>
+                <a:xfrm>
+                  <a:off x="8169440" y="934457"/>
+                  <a:ext cx="402511" cy="479116"/>
+                </a:xfrm>
+                <a:prstGeom prst="rect">
+                  <a:avLst/>
+                </a:prstGeom>
+                <a:noFill/>
+              </p:spPr>
+              <p:txBody>
+                <a:bodyPr wrap="square" rtlCol="1">
+                  <a:spAutoFit/>
+                </a:bodyPr>
+                <a:lstStyle/>
+                <a:p>
+                  <a:pPr algn="ctr"/>
+                  <a:r>
+                    <a:rPr lang="en-US" sz="823" b="1" dirty="0"/>
+                    <a:t>*</a:t>
+                  </a:r>
+                  <a:endParaRPr lang="he-IL" sz="823" b="1" dirty="0"/>
+                </a:p>
+              </p:txBody>
+            </p:sp>
+          </p:grpSp>
+          <p:grpSp>
+            <p:nvGrpSpPr>
+              <p:cNvPr id="27" name="Group 26">
+                <a:extLst>
+                  <a:ext uri="{FF2B5EF4-FFF2-40B4-BE49-F238E27FC236}">
+                    <a16:creationId xmlns:a16="http://schemas.microsoft.com/office/drawing/2014/main" id="{56E57A82-43A0-D499-AA18-E7F972E4BF4D}"/>
+                  </a:ext>
+                </a:extLst>
+              </p:cNvPr>
+              <p:cNvGrpSpPr/>
+              <p:nvPr/>
+            </p:nvGrpSpPr>
+            <p:grpSpPr>
+              <a:xfrm>
+                <a:off x="3428950" y="4359679"/>
+                <a:ext cx="360227" cy="272998"/>
+                <a:chOff x="8054594" y="934457"/>
+                <a:chExt cx="632205" cy="479116"/>
+              </a:xfrm>
+            </p:grpSpPr>
+            <p:sp>
+              <p:nvSpPr>
+                <p:cNvPr id="28" name="Left Bracket 27">
+                  <a:extLst>
+                    <a:ext uri="{FF2B5EF4-FFF2-40B4-BE49-F238E27FC236}">
+                      <a16:creationId xmlns:a16="http://schemas.microsoft.com/office/drawing/2014/main" id="{8F840B4F-D971-DC5D-E28F-4465977C1914}"/>
+                    </a:ext>
+                  </a:extLst>
+                </p:cNvPr>
+                <p:cNvSpPr/>
+                <p:nvPr/>
+              </p:nvSpPr>
+              <p:spPr>
+                <a:xfrm rot="5400000">
+                  <a:off x="8317100" y="934090"/>
+                  <a:ext cx="107193" cy="632205"/>
+                </a:xfrm>
+                <a:prstGeom prst="leftBracket">
+                  <a:avLst/>
+                </a:prstGeom>
+                <a:ln w="28575">
+                  <a:solidFill>
+                    <a:schemeClr val="tx1"/>
+                  </a:solidFill>
+                </a:ln>
+              </p:spPr>
+              <p:style>
+                <a:lnRef idx="1">
+                  <a:schemeClr val="accent1"/>
+                </a:lnRef>
+                <a:fillRef idx="0">
+                  <a:schemeClr val="accent1"/>
+                </a:fillRef>
+                <a:effectRef idx="0">
+                  <a:schemeClr val="accent1"/>
+                </a:effectRef>
+                <a:fontRef idx="minor">
+                  <a:schemeClr val="tx1"/>
+                </a:fontRef>
+              </p:style>
+              <p:txBody>
+                <a:bodyPr rtlCol="1" anchor="ctr"/>
+                <a:lstStyle/>
+                <a:p>
+                  <a:pPr algn="ctr"/>
+                  <a:endParaRPr lang="he-IL" sz="823"/>
+                </a:p>
+              </p:txBody>
+            </p:sp>
+            <p:sp>
+              <p:nvSpPr>
+                <p:cNvPr id="29" name="TextBox 28">
+                  <a:extLst>
+                    <a:ext uri="{FF2B5EF4-FFF2-40B4-BE49-F238E27FC236}">
+                      <a16:creationId xmlns:a16="http://schemas.microsoft.com/office/drawing/2014/main" id="{73AADB1D-013A-D02D-C58B-AC4A3D9B5092}"/>
+                    </a:ext>
+                  </a:extLst>
+                </p:cNvPr>
+                <p:cNvSpPr txBox="1"/>
+                <p:nvPr/>
+              </p:nvSpPr>
+              <p:spPr>
+                <a:xfrm>
+                  <a:off x="8169440" y="934457"/>
+                  <a:ext cx="402511" cy="479116"/>
+                </a:xfrm>
+                <a:prstGeom prst="rect">
+                  <a:avLst/>
+                </a:prstGeom>
+                <a:noFill/>
+              </p:spPr>
+              <p:txBody>
+                <a:bodyPr wrap="square" rtlCol="1">
+                  <a:spAutoFit/>
+                </a:bodyPr>
+                <a:lstStyle/>
+                <a:p>
+                  <a:pPr algn="ctr"/>
+                  <a:r>
+                    <a:rPr lang="en-US" sz="823" b="1" dirty="0"/>
+                    <a:t>*</a:t>
+                  </a:r>
+                  <a:endParaRPr lang="he-IL" sz="823" b="1" dirty="0"/>
+                </a:p>
+              </p:txBody>
+            </p:sp>
+          </p:grpSp>
+          <p:grpSp>
+            <p:nvGrpSpPr>
+              <p:cNvPr id="30" name="Group 29">
+                <a:extLst>
+                  <a:ext uri="{FF2B5EF4-FFF2-40B4-BE49-F238E27FC236}">
+                    <a16:creationId xmlns:a16="http://schemas.microsoft.com/office/drawing/2014/main" id="{F7977404-1222-1E95-B22F-FEDFC88A0BA0}"/>
+                  </a:ext>
+                </a:extLst>
+              </p:cNvPr>
+              <p:cNvGrpSpPr/>
+              <p:nvPr/>
+            </p:nvGrpSpPr>
+            <p:grpSpPr>
+              <a:xfrm>
+                <a:off x="2300386" y="4359679"/>
+                <a:ext cx="360227" cy="272998"/>
+                <a:chOff x="8054594" y="934457"/>
+                <a:chExt cx="632205" cy="479116"/>
+              </a:xfrm>
+            </p:grpSpPr>
+            <p:sp>
+              <p:nvSpPr>
+                <p:cNvPr id="31" name="Left Bracket 30">
+                  <a:extLst>
+                    <a:ext uri="{FF2B5EF4-FFF2-40B4-BE49-F238E27FC236}">
+                      <a16:creationId xmlns:a16="http://schemas.microsoft.com/office/drawing/2014/main" id="{E57F8C40-62BB-97A6-CC71-64FC5F2B1122}"/>
+                    </a:ext>
+                  </a:extLst>
+                </p:cNvPr>
+                <p:cNvSpPr/>
+                <p:nvPr/>
+              </p:nvSpPr>
+              <p:spPr>
+                <a:xfrm rot="5400000">
+                  <a:off x="8317100" y="934090"/>
+                  <a:ext cx="107193" cy="632205"/>
+                </a:xfrm>
+                <a:prstGeom prst="leftBracket">
+                  <a:avLst/>
+                </a:prstGeom>
+                <a:ln w="28575">
+                  <a:solidFill>
+                    <a:schemeClr val="tx1"/>
+                  </a:solidFill>
+                </a:ln>
+              </p:spPr>
+              <p:style>
+                <a:lnRef idx="1">
+                  <a:schemeClr val="accent1"/>
+                </a:lnRef>
+                <a:fillRef idx="0">
+                  <a:schemeClr val="accent1"/>
+                </a:fillRef>
+                <a:effectRef idx="0">
+                  <a:schemeClr val="accent1"/>
+                </a:effectRef>
+                <a:fontRef idx="minor">
+                  <a:schemeClr val="tx1"/>
+                </a:fontRef>
+              </p:style>
+              <p:txBody>
+                <a:bodyPr rtlCol="1" anchor="ctr"/>
+                <a:lstStyle/>
+                <a:p>
+                  <a:pPr algn="ctr"/>
+                  <a:endParaRPr lang="he-IL" sz="823"/>
+                </a:p>
+              </p:txBody>
+            </p:sp>
+            <p:sp>
+              <p:nvSpPr>
+                <p:cNvPr id="32" name="TextBox 31">
+                  <a:extLst>
+                    <a:ext uri="{FF2B5EF4-FFF2-40B4-BE49-F238E27FC236}">
+                      <a16:creationId xmlns:a16="http://schemas.microsoft.com/office/drawing/2014/main" id="{0A774542-238A-C5CC-EED2-441A67BC1341}"/>
+                    </a:ext>
+                  </a:extLst>
+                </p:cNvPr>
+                <p:cNvSpPr txBox="1"/>
+                <p:nvPr/>
+              </p:nvSpPr>
+              <p:spPr>
+                <a:xfrm>
+                  <a:off x="8169440" y="934457"/>
+                  <a:ext cx="402511" cy="479116"/>
+                </a:xfrm>
+                <a:prstGeom prst="rect">
+                  <a:avLst/>
+                </a:prstGeom>
+                <a:noFill/>
+              </p:spPr>
+              <p:txBody>
+                <a:bodyPr wrap="square" rtlCol="1">
+                  <a:spAutoFit/>
+                </a:bodyPr>
+                <a:lstStyle/>
+                <a:p>
+                  <a:pPr algn="ctr"/>
+                  <a:r>
+                    <a:rPr lang="en-US" sz="823" b="1" dirty="0"/>
+                    <a:t>*</a:t>
+                  </a:r>
+                  <a:endParaRPr lang="he-IL" sz="823" b="1" dirty="0"/>
+                </a:p>
+              </p:txBody>
+            </p:sp>
+          </p:grpSp>
+          <p:sp>
+            <p:nvSpPr>
+              <p:cNvPr id="49" name="TextBox 48">
+                <a:extLst>
+                  <a:ext uri="{FF2B5EF4-FFF2-40B4-BE49-F238E27FC236}">
+                    <a16:creationId xmlns:a16="http://schemas.microsoft.com/office/drawing/2014/main" id="{D4484129-ED87-E7D0-93A8-616F486954B1}"/>
+                  </a:ext>
+                </a:extLst>
+              </p:cNvPr>
+              <p:cNvSpPr txBox="1"/>
+              <p:nvPr/>
+            </p:nvSpPr>
+            <p:spPr>
+              <a:xfrm>
+                <a:off x="687414" y="5794021"/>
+                <a:ext cx="273347" cy="184666"/>
+              </a:xfrm>
+              <a:prstGeom prst="rect">
+                <a:avLst/>
+              </a:prstGeom>
+              <a:noFill/>
+            </p:spPr>
+            <p:txBody>
+              <a:bodyPr wrap="square" rtlCol="1">
+                <a:spAutoFit/>
+              </a:bodyPr>
+              <a:lstStyle/>
+              <a:p>
+                <a:pPr algn="ctr"/>
+                <a:r>
+                  <a:rPr lang="en-US" sz="600" b="1" dirty="0"/>
+                  <a:t>(h)</a:t>
+                </a:r>
+                <a:endParaRPr lang="he-IL" sz="600" b="1" dirty="0"/>
+              </a:p>
+            </p:txBody>
+          </p:sp>
+          <p:sp>
+            <p:nvSpPr>
+              <p:cNvPr id="50" name="TextBox 49">
+                <a:extLst>
+                  <a:ext uri="{FF2B5EF4-FFF2-40B4-BE49-F238E27FC236}">
+                    <a16:creationId xmlns:a16="http://schemas.microsoft.com/office/drawing/2014/main" id="{99549414-829A-6B5D-F57A-87D25E978F22}"/>
+                  </a:ext>
+                </a:extLst>
+              </p:cNvPr>
+              <p:cNvSpPr txBox="1"/>
+              <p:nvPr/>
+            </p:nvSpPr>
+            <p:spPr>
+              <a:xfrm>
+                <a:off x="2920729" y="5794021"/>
+                <a:ext cx="273347" cy="184666"/>
+              </a:xfrm>
+              <a:prstGeom prst="rect">
+                <a:avLst/>
+              </a:prstGeom>
+              <a:noFill/>
+            </p:spPr>
+            <p:txBody>
+              <a:bodyPr wrap="square" rtlCol="1">
+                <a:spAutoFit/>
+              </a:bodyPr>
+              <a:lstStyle/>
+              <a:p>
+                <a:pPr algn="ctr"/>
+                <a:r>
+                  <a:rPr lang="en-US" sz="600" b="1" dirty="0"/>
+                  <a:t>(i)</a:t>
+                </a:r>
+                <a:endParaRPr lang="he-IL" sz="600" b="1" dirty="0"/>
+              </a:p>
+            </p:txBody>
+          </p:sp>
+          <p:sp>
+            <p:nvSpPr>
+              <p:cNvPr id="53" name="TextBox 52">
+                <a:extLst>
+                  <a:ext uri="{FF2B5EF4-FFF2-40B4-BE49-F238E27FC236}">
+                    <a16:creationId xmlns:a16="http://schemas.microsoft.com/office/drawing/2014/main" id="{81D16357-A051-AF19-C0E3-86386D30C912}"/>
+                  </a:ext>
+                </a:extLst>
+              </p:cNvPr>
+              <p:cNvSpPr txBox="1"/>
+              <p:nvPr/>
+            </p:nvSpPr>
+            <p:spPr>
+              <a:xfrm>
+                <a:off x="777056" y="7401051"/>
+                <a:ext cx="273347" cy="184666"/>
+              </a:xfrm>
+              <a:prstGeom prst="rect">
+                <a:avLst/>
+              </a:prstGeom>
+              <a:noFill/>
+            </p:spPr>
+            <p:txBody>
+              <a:bodyPr wrap="square" rtlCol="1">
+                <a:spAutoFit/>
+              </a:bodyPr>
+              <a:lstStyle/>
+              <a:p>
+                <a:pPr algn="ctr"/>
+                <a:r>
+                  <a:rPr lang="en-US" sz="600" b="1" dirty="0"/>
+                  <a:t>(j)</a:t>
+                </a:r>
+                <a:endParaRPr lang="he-IL" sz="600" b="1" dirty="0"/>
+              </a:p>
+            </p:txBody>
+          </p:sp>
+          <p:sp>
+            <p:nvSpPr>
+              <p:cNvPr id="54" name="TextBox 53">
+                <a:extLst>
+                  <a:ext uri="{FF2B5EF4-FFF2-40B4-BE49-F238E27FC236}">
+                    <a16:creationId xmlns:a16="http://schemas.microsoft.com/office/drawing/2014/main" id="{21FA69D1-936B-2088-9449-B537457AC8AB}"/>
+                  </a:ext>
+                </a:extLst>
+              </p:cNvPr>
+              <p:cNvSpPr txBox="1"/>
+              <p:nvPr/>
+            </p:nvSpPr>
+            <p:spPr>
+              <a:xfrm>
+                <a:off x="3010371" y="7401051"/>
+                <a:ext cx="273347" cy="184666"/>
+              </a:xfrm>
+              <a:prstGeom prst="rect">
+                <a:avLst/>
+              </a:prstGeom>
+              <a:noFill/>
+            </p:spPr>
+            <p:txBody>
+              <a:bodyPr wrap="square" rtlCol="1">
+                <a:spAutoFit/>
+              </a:bodyPr>
+              <a:lstStyle/>
+              <a:p>
+                <a:pPr algn="ctr"/>
+                <a:r>
+                  <a:rPr lang="en-US" sz="600" b="1" dirty="0"/>
+                  <a:t>(k)</a:t>
+                </a:r>
+                <a:endParaRPr lang="he-IL" sz="600" b="1" dirty="0"/>
+              </a:p>
+            </p:txBody>
+          </p:sp>
+        </p:grpSp>
       </p:grpSp>
     </p:spTree>
     <p:extLst>
@@ -3919,10 +3861,188 @@
 </p:sld>
 </file>
 
+<file path=ppt/slides/slide2.xml><?xml version="1.0" encoding="utf-8"?>
+<p:sld xmlns:a="http://schemas.openxmlformats.org/drawingml/2006/main" xmlns:r="http://schemas.openxmlformats.org/officeDocument/2006/relationships" xmlns:p="http://schemas.openxmlformats.org/presentationml/2006/main">
+  <p:cSld>
+    <p:spTree>
+      <p:nvGrpSpPr>
+        <p:cNvPr id="1" name=""/>
+        <p:cNvGrpSpPr/>
+        <p:nvPr/>
+      </p:nvGrpSpPr>
+      <p:grpSpPr>
+        <a:xfrm>
+          <a:off x="0" y="0"/>
+          <a:ext cx="0" cy="0"/>
+          <a:chOff x="0" y="0"/>
+          <a:chExt cx="0" cy="0"/>
+        </a:xfrm>
+      </p:grpSpPr>
+      <p:grpSp>
+        <p:nvGrpSpPr>
+          <p:cNvPr id="10" name="Group 9">
+            <a:extLst>
+              <a:ext uri="{FF2B5EF4-FFF2-40B4-BE49-F238E27FC236}">
+                <a16:creationId xmlns:a16="http://schemas.microsoft.com/office/drawing/2014/main" id="{FCD54CFB-6206-451F-4D77-ED907B5CEF72}"/>
+              </a:ext>
+            </a:extLst>
+          </p:cNvPr>
+          <p:cNvGrpSpPr/>
+          <p:nvPr/>
+        </p:nvGrpSpPr>
+        <p:grpSpPr>
+          <a:xfrm>
+            <a:off x="1132831" y="3637786"/>
+            <a:ext cx="3039341" cy="1117758"/>
+            <a:chOff x="1071904" y="551265"/>
+            <a:chExt cx="6650182" cy="2445693"/>
+          </a:xfrm>
+        </p:grpSpPr>
+        <p:pic>
+          <p:nvPicPr>
+            <p:cNvPr id="9" name="Picture 8">
+              <a:extLst>
+                <a:ext uri="{FF2B5EF4-FFF2-40B4-BE49-F238E27FC236}">
+                  <a16:creationId xmlns:a16="http://schemas.microsoft.com/office/drawing/2014/main" id="{45483970-4773-E5DC-3868-E29CF15A3123}"/>
+                </a:ext>
+              </a:extLst>
+            </p:cNvPr>
+            <p:cNvPicPr>
+              <a:picLocks noChangeAspect="1"/>
+            </p:cNvPicPr>
+            <p:nvPr/>
+          </p:nvPicPr>
+          <p:blipFill rotWithShape="1">
+            <a:blip r:embed="rId2"/>
+            <a:srcRect l="8791" t="3257" r="36663" b="57115"/>
+            <a:stretch/>
+          </p:blipFill>
+          <p:spPr>
+            <a:xfrm>
+              <a:off x="1071904" y="590642"/>
+              <a:ext cx="6650182" cy="2406316"/>
+            </a:xfrm>
+            <a:prstGeom prst="rect">
+              <a:avLst/>
+            </a:prstGeom>
+          </p:spPr>
+        </p:pic>
+        <p:sp>
+          <p:nvSpPr>
+            <p:cNvPr id="6" name="TextBox 5">
+              <a:extLst>
+                <a:ext uri="{FF2B5EF4-FFF2-40B4-BE49-F238E27FC236}">
+                  <a16:creationId xmlns:a16="http://schemas.microsoft.com/office/drawing/2014/main" id="{052CF3CA-8705-A76F-D240-BAD696B9B92D}"/>
+                </a:ext>
+              </a:extLst>
+            </p:cNvPr>
+            <p:cNvSpPr txBox="1"/>
+            <p:nvPr/>
+          </p:nvSpPr>
+          <p:spPr>
+            <a:xfrm>
+              <a:off x="1876926" y="551265"/>
+              <a:ext cx="1885687" cy="417523"/>
+            </a:xfrm>
+            <a:prstGeom prst="rect">
+              <a:avLst/>
+            </a:prstGeom>
+            <a:solidFill>
+              <a:schemeClr val="bg1"/>
+            </a:solidFill>
+          </p:spPr>
+          <p:txBody>
+            <a:bodyPr wrap="square" rtlCol="1">
+              <a:spAutoFit/>
+            </a:bodyPr>
+            <a:lstStyle/>
+            <a:p>
+              <a:pPr algn="ctr"/>
+              <a:r>
+                <a:rPr lang="en-US" sz="640" b="1" dirty="0"/>
+                <a:t>Reaching Session</a:t>
+              </a:r>
+              <a:endParaRPr lang="he-IL" sz="640" b="1" dirty="0"/>
+            </a:p>
+          </p:txBody>
+        </p:sp>
+      </p:grpSp>
+    </p:spTree>
+    <p:extLst>
+      <p:ext uri="{BB962C8B-B14F-4D97-AF65-F5344CB8AC3E}">
+        <p14:creationId xmlns:p14="http://schemas.microsoft.com/office/powerpoint/2010/main" val="2192783922"/>
+      </p:ext>
+    </p:extLst>
+  </p:cSld>
+  <p:clrMapOvr>
+    <a:masterClrMapping/>
+  </p:clrMapOvr>
+</p:sld>
+</file>
+
+<file path=ppt/slides/slide3.xml><?xml version="1.0" encoding="utf-8"?>
+<p:sld xmlns:a="http://schemas.openxmlformats.org/drawingml/2006/main" xmlns:r="http://schemas.openxmlformats.org/officeDocument/2006/relationships" xmlns:p="http://schemas.openxmlformats.org/presentationml/2006/main">
+  <p:cSld>
+    <p:spTree>
+      <p:nvGrpSpPr>
+        <p:cNvPr id="1" name=""/>
+        <p:cNvGrpSpPr/>
+        <p:nvPr/>
+      </p:nvGrpSpPr>
+      <p:grpSpPr>
+        <a:xfrm>
+          <a:off x="0" y="0"/>
+          <a:ext cx="0" cy="0"/>
+          <a:chOff x="0" y="0"/>
+          <a:chExt cx="0" cy="0"/>
+        </a:xfrm>
+      </p:grpSpPr>
+      <p:pic>
+        <p:nvPicPr>
+          <p:cNvPr id="5" name="Picture 4">
+            <a:extLst>
+              <a:ext uri="{FF2B5EF4-FFF2-40B4-BE49-F238E27FC236}">
+                <a16:creationId xmlns:a16="http://schemas.microsoft.com/office/drawing/2014/main" id="{DE16C117-B819-C7A4-69DF-143F037992D1}"/>
+              </a:ext>
+            </a:extLst>
+          </p:cNvPr>
+          <p:cNvPicPr>
+            <a:picLocks noChangeAspect="1"/>
+          </p:cNvPicPr>
+          <p:nvPr/>
+        </p:nvPicPr>
+        <p:blipFill rotWithShape="1">
+          <a:blip r:embed="rId2"/>
+          <a:srcRect l="8106" t="2324" r="36997" b="50000"/>
+          <a:stretch/>
+        </p:blipFill>
+        <p:spPr>
+          <a:xfrm>
+            <a:off x="0" y="3324577"/>
+            <a:ext cx="6668410" cy="2884312"/>
+          </a:xfrm>
+          <a:prstGeom prst="rect">
+            <a:avLst/>
+          </a:prstGeom>
+        </p:spPr>
+      </p:pic>
+    </p:spTree>
+    <p:extLst>
+      <p:ext uri="{BB962C8B-B14F-4D97-AF65-F5344CB8AC3E}">
+        <p14:creationId xmlns:p14="http://schemas.microsoft.com/office/powerpoint/2010/main" val="506373349"/>
+      </p:ext>
+    </p:extLst>
+  </p:cSld>
+  <p:clrMapOvr>
+    <a:masterClrMapping/>
+  </p:clrMapOvr>
+</p:sld>
+</file>
+
 <file path=ppt/theme/theme1.xml><?xml version="1.0" encoding="utf-8"?>
 <a:theme xmlns:a="http://schemas.openxmlformats.org/drawingml/2006/main" name="Office Theme">
   <a:themeElements>
-    <a:clrScheme name="Office">
+    <a:clrScheme name="Office Theme">
       <a:dk1>
         <a:sysClr val="windowText" lastClr="000000"/>
       </a:dk1>
@@ -3960,7 +4080,7 @@
         <a:srgbClr val="954F72"/>
       </a:folHlink>
     </a:clrScheme>
-    <a:fontScheme name="Office">
+    <a:fontScheme name="Office Theme">
       <a:majorFont>
         <a:latin typeface="Calibri Light" panose="020F0302020204030204"/>
         <a:ea typeface=""/>
@@ -3995,23 +4115,6 @@
         <a:font script="Viet" typeface="Times New Roman"/>
         <a:font script="Uigh" typeface="Microsoft Uighur"/>
         <a:font script="Geor" typeface="Sylfaen"/>
-        <a:font script="Armn" typeface="Arial"/>
-        <a:font script="Bugi" typeface="Leelawadee UI"/>
-        <a:font script="Bopo" typeface="Microsoft JhengHei"/>
-        <a:font script="Java" typeface="Javanese Text"/>
-        <a:font script="Lisu" typeface="Segoe UI"/>
-        <a:font script="Mymr" typeface="Myanmar Text"/>
-        <a:font script="Nkoo" typeface="Ebrima"/>
-        <a:font script="Olck" typeface="Nirmala UI"/>
-        <a:font script="Osma" typeface="Ebrima"/>
-        <a:font script="Phag" typeface="Phagspa"/>
-        <a:font script="Syrn" typeface="Estrangelo Edessa"/>
-        <a:font script="Syrj" typeface="Estrangelo Edessa"/>
-        <a:font script="Syre" typeface="Estrangelo Edessa"/>
-        <a:font script="Sora" typeface="Nirmala UI"/>
-        <a:font script="Tale" typeface="Microsoft Tai Le"/>
-        <a:font script="Talu" typeface="Microsoft New Tai Lue"/>
-        <a:font script="Tfng" typeface="Ebrima"/>
       </a:majorFont>
       <a:minorFont>
         <a:latin typeface="Calibri" panose="020F0502020204030204"/>
@@ -4047,26 +4150,9 @@
         <a:font script="Viet" typeface="Arial"/>
         <a:font script="Uigh" typeface="Microsoft Uighur"/>
         <a:font script="Geor" typeface="Sylfaen"/>
-        <a:font script="Armn" typeface="Arial"/>
-        <a:font script="Bugi" typeface="Leelawadee UI"/>
-        <a:font script="Bopo" typeface="Microsoft JhengHei"/>
-        <a:font script="Java" typeface="Javanese Text"/>
-        <a:font script="Lisu" typeface="Segoe UI"/>
-        <a:font script="Mymr" typeface="Myanmar Text"/>
-        <a:font script="Nkoo" typeface="Ebrima"/>
-        <a:font script="Olck" typeface="Nirmala UI"/>
-        <a:font script="Osma" typeface="Ebrima"/>
-        <a:font script="Phag" typeface="Phagspa"/>
-        <a:font script="Syrn" typeface="Estrangelo Edessa"/>
-        <a:font script="Syrj" typeface="Estrangelo Edessa"/>
-        <a:font script="Syre" typeface="Estrangelo Edessa"/>
-        <a:font script="Sora" typeface="Nirmala UI"/>
-        <a:font script="Tale" typeface="Microsoft Tai Le"/>
-        <a:font script="Talu" typeface="Microsoft New Tai Lue"/>
-        <a:font script="Tfng" typeface="Ebrima"/>
       </a:minorFont>
     </a:fontScheme>
-    <a:fmtScheme name="Office">
+    <a:fmtScheme name="Office Theme">
       <a:fillStyleLst>
         <a:solidFill>
           <a:schemeClr val="phClr"/>
@@ -4208,7 +4294,7 @@
   <a:extraClrSchemeLst/>
   <a:extLst>
     <a:ext uri="{05A4C25C-085E-4340-85A3-A5531E510DB2}">
-      <thm15:themeFamily xmlns:thm15="http://schemas.microsoft.com/office/thememl/2012/main" name="Office Theme" id="{62F939B6-93AF-4DB8-9C6B-D6C7DFDC589F}" vid="{4A3C46E8-61CC-4603-A589-7422A47A8E4A}"/>
+      <thm15:themeFamily xmlns:thm15="http://schemas.microsoft.com/office/thememl/2012/main" name="Office Theme 2013 - 2022" id="{62F939B6-93AF-4DB8-9C6B-D6C7DFDC589F}" vid="{4A3C46E8-61CC-4603-A589-7422A47A8E4A}"/>
     </a:ext>
   </a:extLst>
 </a:theme>

--- a/analysis/figures/2023_07_31_plots_for_paper.pptx
+++ b/analysis/figures/2023_07_31_plots_for_paper.pptx
@@ -6,8 +6,9 @@
   </p:sldMasterIdLst>
   <p:sldIdLst>
     <p:sldId id="256" r:id="rId2"/>
-    <p:sldId id="258" r:id="rId3"/>
-    <p:sldId id="259" r:id="rId4"/>
+    <p:sldId id="260" r:id="rId3"/>
+    <p:sldId id="258" r:id="rId4"/>
+    <p:sldId id="259" r:id="rId5"/>
   </p:sldIdLst>
   <p:sldSz cx="6858000" cy="9906000" type="A4"/>
   <p:notesSz cx="6858000" cy="9144000"/>
@@ -256,7 +257,7 @@
           <a:p>
             <a:fld id="{F96C78E7-D2FD-4CE9-9319-43DA8F4B39C6}" type="datetimeFigureOut">
               <a:rPr lang="he-IL" smtClean="0"/>
-              <a:t>י"ג/אב/תשפ"ג</a:t>
+              <a:t>ט"ו/אב/תשפ"ג</a:t>
             </a:fld>
             <a:endParaRPr lang="he-IL"/>
           </a:p>
@@ -426,7 +427,7 @@
           <a:p>
             <a:fld id="{F96C78E7-D2FD-4CE9-9319-43DA8F4B39C6}" type="datetimeFigureOut">
               <a:rPr lang="he-IL" smtClean="0"/>
-              <a:t>י"ג/אב/תשפ"ג</a:t>
+              <a:t>ט"ו/אב/תשפ"ג</a:t>
             </a:fld>
             <a:endParaRPr lang="he-IL"/>
           </a:p>
@@ -606,7 +607,7 @@
           <a:p>
             <a:fld id="{F96C78E7-D2FD-4CE9-9319-43DA8F4B39C6}" type="datetimeFigureOut">
               <a:rPr lang="he-IL" smtClean="0"/>
-              <a:t>י"ג/אב/תשפ"ג</a:t>
+              <a:t>ט"ו/אב/תשפ"ג</a:t>
             </a:fld>
             <a:endParaRPr lang="he-IL"/>
           </a:p>
@@ -776,7 +777,7 @@
           <a:p>
             <a:fld id="{F96C78E7-D2FD-4CE9-9319-43DA8F4B39C6}" type="datetimeFigureOut">
               <a:rPr lang="he-IL" smtClean="0"/>
-              <a:t>י"ג/אב/תשפ"ג</a:t>
+              <a:t>ט"ו/אב/תשפ"ג</a:t>
             </a:fld>
             <a:endParaRPr lang="he-IL"/>
           </a:p>
@@ -1020,7 +1021,7 @@
           <a:p>
             <a:fld id="{F96C78E7-D2FD-4CE9-9319-43DA8F4B39C6}" type="datetimeFigureOut">
               <a:rPr lang="he-IL" smtClean="0"/>
-              <a:t>י"ג/אב/תשפ"ג</a:t>
+              <a:t>ט"ו/אב/תשפ"ג</a:t>
             </a:fld>
             <a:endParaRPr lang="he-IL"/>
           </a:p>
@@ -1252,7 +1253,7 @@
           <a:p>
             <a:fld id="{F96C78E7-D2FD-4CE9-9319-43DA8F4B39C6}" type="datetimeFigureOut">
               <a:rPr lang="he-IL" smtClean="0"/>
-              <a:t>י"ג/אב/תשפ"ג</a:t>
+              <a:t>ט"ו/אב/תשפ"ג</a:t>
             </a:fld>
             <a:endParaRPr lang="he-IL"/>
           </a:p>
@@ -1619,7 +1620,7 @@
           <a:p>
             <a:fld id="{F96C78E7-D2FD-4CE9-9319-43DA8F4B39C6}" type="datetimeFigureOut">
               <a:rPr lang="he-IL" smtClean="0"/>
-              <a:t>י"ג/אב/תשפ"ג</a:t>
+              <a:t>ט"ו/אב/תשפ"ג</a:t>
             </a:fld>
             <a:endParaRPr lang="he-IL"/>
           </a:p>
@@ -1737,7 +1738,7 @@
           <a:p>
             <a:fld id="{F96C78E7-D2FD-4CE9-9319-43DA8F4B39C6}" type="datetimeFigureOut">
               <a:rPr lang="he-IL" smtClean="0"/>
-              <a:t>י"ג/אב/תשפ"ג</a:t>
+              <a:t>ט"ו/אב/תשפ"ג</a:t>
             </a:fld>
             <a:endParaRPr lang="he-IL"/>
           </a:p>
@@ -1832,7 +1833,7 @@
           <a:p>
             <a:fld id="{F96C78E7-D2FD-4CE9-9319-43DA8F4B39C6}" type="datetimeFigureOut">
               <a:rPr lang="he-IL" smtClean="0"/>
-              <a:t>י"ג/אב/תשפ"ג</a:t>
+              <a:t>ט"ו/אב/תשפ"ג</a:t>
             </a:fld>
             <a:endParaRPr lang="he-IL"/>
           </a:p>
@@ -2109,7 +2110,7 @@
           <a:p>
             <a:fld id="{F96C78E7-D2FD-4CE9-9319-43DA8F4B39C6}" type="datetimeFigureOut">
               <a:rPr lang="he-IL" smtClean="0"/>
-              <a:t>י"ג/אב/תשפ"ג</a:t>
+              <a:t>ט"ו/אב/תשפ"ג</a:t>
             </a:fld>
             <a:endParaRPr lang="he-IL"/>
           </a:p>
@@ -2366,7 +2367,7 @@
           <a:p>
             <a:fld id="{F96C78E7-D2FD-4CE9-9319-43DA8F4B39C6}" type="datetimeFigureOut">
               <a:rPr lang="he-IL" smtClean="0"/>
-              <a:t>י"ג/אב/תשפ"ג</a:t>
+              <a:t>ט"ו/אב/תשפ"ג</a:t>
             </a:fld>
             <a:endParaRPr lang="he-IL"/>
           </a:p>
@@ -2579,7 +2580,7 @@
           <a:p>
             <a:fld id="{F96C78E7-D2FD-4CE9-9319-43DA8F4B39C6}" type="datetimeFigureOut">
               <a:rPr lang="he-IL" smtClean="0"/>
-              <a:t>י"ג/אב/תשפ"ג</a:t>
+              <a:t>ט"ו/אב/תשפ"ג</a:t>
             </a:fld>
             <a:endParaRPr lang="he-IL"/>
           </a:p>
@@ -2984,93 +2985,12 @@
           <a:chExt cx="0" cy="0"/>
         </a:xfrm>
       </p:grpSpPr>
-      <p:pic>
-        <p:nvPicPr>
-          <p:cNvPr id="61" name="Picture 60">
+      <p:grpSp>
+        <p:nvGrpSpPr>
+          <p:cNvPr id="52" name="Group 51">
             <a:extLst>
               <a:ext uri="{FF2B5EF4-FFF2-40B4-BE49-F238E27FC236}">
-                <a16:creationId xmlns:a16="http://schemas.microsoft.com/office/drawing/2014/main" id="{2E2F15A9-D92C-C27B-4524-AF213F32776C}"/>
-              </a:ext>
-            </a:extLst>
-          </p:cNvPr>
-          <p:cNvPicPr>
-            <a:picLocks noChangeAspect="1"/>
-          </p:cNvPicPr>
-          <p:nvPr/>
-        </p:nvPicPr>
-        <p:blipFill rotWithShape="1">
-          <a:blip r:embed="rId2"/>
-          <a:srcRect l="8848" t="2324" r="24403" b="3481"/>
-          <a:stretch/>
-        </p:blipFill>
-        <p:spPr>
-          <a:xfrm>
-            <a:off x="606778" y="5794021"/>
-            <a:ext cx="4577644" cy="3217335"/>
-          </a:xfrm>
-          <a:prstGeom prst="rect">
-            <a:avLst/>
-          </a:prstGeom>
-        </p:spPr>
-      </p:pic>
-      <p:sp>
-        <p:nvSpPr>
-          <p:cNvPr id="48" name="Rectangle 47">
-            <a:extLst>
-              <a:ext uri="{FF2B5EF4-FFF2-40B4-BE49-F238E27FC236}">
-                <a16:creationId xmlns:a16="http://schemas.microsoft.com/office/drawing/2014/main" id="{4AFDA111-2F7D-AA2F-8BC1-65A10CC30601}"/>
-              </a:ext>
-            </a:extLst>
-          </p:cNvPr>
-          <p:cNvSpPr/>
-          <p:nvPr/>
-        </p:nvSpPr>
-        <p:spPr>
-          <a:xfrm>
-            <a:off x="2711215" y="5785555"/>
-            <a:ext cx="299156" cy="143934"/>
-          </a:xfrm>
-          <a:prstGeom prst="rect">
-            <a:avLst/>
-          </a:prstGeom>
-          <a:solidFill>
-            <a:schemeClr val="bg1"/>
-          </a:solidFill>
-          <a:ln>
-            <a:noFill/>
-          </a:ln>
-        </p:spPr>
-        <p:style>
-          <a:lnRef idx="2">
-            <a:schemeClr val="accent1">
-              <a:shade val="15000"/>
-            </a:schemeClr>
-          </a:lnRef>
-          <a:fillRef idx="1">
-            <a:schemeClr val="accent1"/>
-          </a:fillRef>
-          <a:effectRef idx="0">
-            <a:schemeClr val="accent1"/>
-          </a:effectRef>
-          <a:fontRef idx="minor">
-            <a:schemeClr val="lt1"/>
-          </a:fontRef>
-        </p:style>
-        <p:txBody>
-          <a:bodyPr rtlCol="1" anchor="ctr"/>
-          <a:lstStyle/>
-          <a:p>
-            <a:pPr algn="ctr"/>
-            <a:endParaRPr lang="he-IL"/>
-          </a:p>
-        </p:txBody>
-      </p:sp>
-      <p:grpSp>
-        <p:nvGrpSpPr>
-          <p:cNvPr id="56" name="Group 55">
-            <a:extLst>
-              <a:ext uri="{FF2B5EF4-FFF2-40B4-BE49-F238E27FC236}">
-                <a16:creationId xmlns:a16="http://schemas.microsoft.com/office/drawing/2014/main" id="{59B51D5D-2303-81B3-D4C5-0CA0A91A321A}"/>
+                <a16:creationId xmlns:a16="http://schemas.microsoft.com/office/drawing/2014/main" id="{CC29624E-1B84-DB6B-F0F3-816AD0D6A083}"/>
               </a:ext>
             </a:extLst>
           </p:cNvPr>
@@ -3079,10 +2999,10 @@
         </p:nvGrpSpPr>
         <p:grpSpPr>
           <a:xfrm>
-            <a:off x="606778" y="2680782"/>
-            <a:ext cx="4540955" cy="4904935"/>
-            <a:chOff x="606778" y="2680782"/>
-            <a:chExt cx="4540955" cy="4904935"/>
+            <a:off x="549628" y="2631584"/>
+            <a:ext cx="4634794" cy="6379772"/>
+            <a:chOff x="549628" y="2631584"/>
+            <a:chExt cx="4634794" cy="6379772"/>
           </a:xfrm>
         </p:grpSpPr>
         <p:pic>
@@ -3100,7 +3020,7 @@
             <p:nvPr/>
           </p:nvPicPr>
           <p:blipFill rotWithShape="1">
-            <a:blip r:embed="rId3"/>
+            <a:blip r:embed="rId2"/>
             <a:srcRect l="8847" t="3636" r="24939" b="9512"/>
             <a:stretch/>
           </p:blipFill>
@@ -3114,6 +3034,58 @@
             </a:prstGeom>
           </p:spPr>
         </p:pic>
+        <p:sp>
+          <p:nvSpPr>
+            <p:cNvPr id="4" name="Rectangle 3">
+              <a:extLst>
+                <a:ext uri="{FF2B5EF4-FFF2-40B4-BE49-F238E27FC236}">
+                  <a16:creationId xmlns:a16="http://schemas.microsoft.com/office/drawing/2014/main" id="{BDB8E2F4-CB0D-785D-5AED-F641C1EA1A70}"/>
+                </a:ext>
+              </a:extLst>
+            </p:cNvPr>
+            <p:cNvSpPr/>
+            <p:nvPr/>
+          </p:nvSpPr>
+          <p:spPr>
+            <a:xfrm>
+              <a:off x="549628" y="2631584"/>
+              <a:ext cx="2375086" cy="1622916"/>
+            </a:xfrm>
+            <a:prstGeom prst="rect">
+              <a:avLst/>
+            </a:prstGeom>
+            <a:solidFill>
+              <a:schemeClr val="bg1"/>
+            </a:solidFill>
+            <a:ln>
+              <a:noFill/>
+            </a:ln>
+          </p:spPr>
+          <p:style>
+            <a:lnRef idx="2">
+              <a:schemeClr val="accent1">
+                <a:shade val="15000"/>
+              </a:schemeClr>
+            </a:lnRef>
+            <a:fillRef idx="1">
+              <a:schemeClr val="accent1"/>
+            </a:fillRef>
+            <a:effectRef idx="0">
+              <a:schemeClr val="accent1"/>
+            </a:effectRef>
+            <a:fontRef idx="minor">
+              <a:schemeClr val="lt1"/>
+            </a:fontRef>
+          </p:style>
+          <p:txBody>
+            <a:bodyPr rtlCol="1" anchor="ctr"/>
+            <a:lstStyle/>
+            <a:p>
+              <a:pPr algn="ctr"/>
+              <a:endParaRPr lang="he-IL"/>
+            </a:p>
+          </p:txBody>
+        </p:sp>
         <p:grpSp>
           <p:nvGrpSpPr>
             <p:cNvPr id="55" name="Group 54">
@@ -3149,7 +3121,7 @@
               <p:nvPr/>
             </p:nvPicPr>
             <p:blipFill rotWithShape="1">
-              <a:blip r:embed="rId3"/>
+              <a:blip r:embed="rId2"/>
               <a:srcRect l="7324" t="3553" r="90742" b="92637"/>
               <a:stretch/>
             </p:blipFill>
@@ -3847,7 +3819,157 @@
             </p:txBody>
           </p:sp>
         </p:grpSp>
+        <p:pic>
+          <p:nvPicPr>
+            <p:cNvPr id="61" name="Picture 60">
+              <a:extLst>
+                <a:ext uri="{FF2B5EF4-FFF2-40B4-BE49-F238E27FC236}">
+                  <a16:creationId xmlns:a16="http://schemas.microsoft.com/office/drawing/2014/main" id="{2E2F15A9-D92C-C27B-4524-AF213F32776C}"/>
+                </a:ext>
+              </a:extLst>
+            </p:cNvPr>
+            <p:cNvPicPr>
+              <a:picLocks noChangeAspect="1"/>
+            </p:cNvPicPr>
+            <p:nvPr/>
+          </p:nvPicPr>
+          <p:blipFill rotWithShape="1">
+            <a:blip r:embed="rId3"/>
+            <a:srcRect l="8848" t="2324" r="24403" b="3481"/>
+            <a:stretch/>
+          </p:blipFill>
+          <p:spPr>
+            <a:xfrm>
+              <a:off x="606778" y="5794021"/>
+              <a:ext cx="4577644" cy="3217335"/>
+            </a:xfrm>
+            <a:prstGeom prst="rect">
+              <a:avLst/>
+            </a:prstGeom>
+          </p:spPr>
+        </p:pic>
+        <p:sp>
+          <p:nvSpPr>
+            <p:cNvPr id="48" name="Rectangle 47">
+              <a:extLst>
+                <a:ext uri="{FF2B5EF4-FFF2-40B4-BE49-F238E27FC236}">
+                  <a16:creationId xmlns:a16="http://schemas.microsoft.com/office/drawing/2014/main" id="{4AFDA111-2F7D-AA2F-8BC1-65A10CC30601}"/>
+                </a:ext>
+              </a:extLst>
+            </p:cNvPr>
+            <p:cNvSpPr/>
+            <p:nvPr/>
+          </p:nvSpPr>
+          <p:spPr>
+            <a:xfrm>
+              <a:off x="2711215" y="5785555"/>
+              <a:ext cx="299156" cy="143934"/>
+            </a:xfrm>
+            <a:prstGeom prst="rect">
+              <a:avLst/>
+            </a:prstGeom>
+            <a:solidFill>
+              <a:schemeClr val="bg1"/>
+            </a:solidFill>
+            <a:ln>
+              <a:noFill/>
+            </a:ln>
+          </p:spPr>
+          <p:style>
+            <a:lnRef idx="2">
+              <a:schemeClr val="accent1">
+                <a:shade val="15000"/>
+              </a:schemeClr>
+            </a:lnRef>
+            <a:fillRef idx="1">
+              <a:schemeClr val="accent1"/>
+            </a:fillRef>
+            <a:effectRef idx="0">
+              <a:schemeClr val="accent1"/>
+            </a:effectRef>
+            <a:fontRef idx="minor">
+              <a:schemeClr val="lt1"/>
+            </a:fontRef>
+          </p:style>
+          <p:txBody>
+            <a:bodyPr rtlCol="1" anchor="ctr"/>
+            <a:lstStyle/>
+            <a:p>
+              <a:pPr algn="ctr"/>
+              <a:endParaRPr lang="he-IL"/>
+            </a:p>
+          </p:txBody>
+        </p:sp>
+        <p:pic>
+          <p:nvPicPr>
+            <p:cNvPr id="3" name="Picture 2">
+              <a:extLst>
+                <a:ext uri="{FF2B5EF4-FFF2-40B4-BE49-F238E27FC236}">
+                  <a16:creationId xmlns:a16="http://schemas.microsoft.com/office/drawing/2014/main" id="{D9B6C87F-4360-D90E-1D31-28C94444592A}"/>
+                </a:ext>
+              </a:extLst>
+            </p:cNvPr>
+            <p:cNvPicPr>
+              <a:picLocks noChangeAspect="1"/>
+            </p:cNvPicPr>
+            <p:nvPr/>
+          </p:nvPicPr>
+          <p:blipFill rotWithShape="1">
+            <a:blip r:embed="rId4"/>
+            <a:srcRect l="8979" t="3586" r="57412" b="50001"/>
+            <a:stretch/>
+          </p:blipFill>
+          <p:spPr>
+            <a:xfrm>
+              <a:off x="615773" y="2680782"/>
+              <a:ext cx="2304956" cy="1585912"/>
+            </a:xfrm>
+            <a:prstGeom prst="rect">
+              <a:avLst/>
+            </a:prstGeom>
+          </p:spPr>
+        </p:pic>
       </p:grpSp>
+      <p:sp>
+        <p:nvSpPr>
+          <p:cNvPr id="85" name="TextBox 84">
+            <a:extLst>
+              <a:ext uri="{FF2B5EF4-FFF2-40B4-BE49-F238E27FC236}">
+                <a16:creationId xmlns:a16="http://schemas.microsoft.com/office/drawing/2014/main" id="{236372CA-782B-981E-A321-3824EC9B864B}"/>
+              </a:ext>
+            </a:extLst>
+          </p:cNvPr>
+          <p:cNvSpPr txBox="1"/>
+          <p:nvPr/>
+        </p:nvSpPr>
+        <p:spPr>
+          <a:xfrm>
+            <a:off x="873478" y="1895475"/>
+            <a:ext cx="4231922" cy="369332"/>
+          </a:xfrm>
+          <a:prstGeom prst="rect">
+            <a:avLst/>
+          </a:prstGeom>
+          <a:noFill/>
+        </p:spPr>
+        <p:txBody>
+          <a:bodyPr wrap="square" rtlCol="1">
+            <a:spAutoFit/>
+          </a:bodyPr>
+          <a:lstStyle/>
+          <a:p>
+            <a:r>
+              <a:rPr lang="en-US" dirty="0"/>
+              <a:t>Original size from “copy figure” on </a:t>
+            </a:r>
+            <a:r>
+              <a:rPr lang="en-US" dirty="0" err="1"/>
+              <a:t>matlab</a:t>
+            </a:r>
+            <a:endParaRPr lang="en-US" dirty="0"/>
+          </a:p>
+        </p:txBody>
+      </p:sp>
     </p:spTree>
     <p:extLst>
       <p:ext uri="{BB962C8B-B14F-4D97-AF65-F5344CB8AC3E}">
@@ -3862,6 +3984,974 @@
 </file>
 
 <file path=ppt/slides/slide2.xml><?xml version="1.0" encoding="utf-8"?>
+<p:sld xmlns:a="http://schemas.openxmlformats.org/drawingml/2006/main" xmlns:r="http://schemas.openxmlformats.org/officeDocument/2006/relationships" xmlns:p="http://schemas.openxmlformats.org/presentationml/2006/main">
+  <p:cSld>
+    <p:spTree>
+      <p:nvGrpSpPr>
+        <p:cNvPr id="1" name=""/>
+        <p:cNvGrpSpPr/>
+        <p:nvPr/>
+      </p:nvGrpSpPr>
+      <p:grpSpPr>
+        <a:xfrm>
+          <a:off x="0" y="0"/>
+          <a:ext cx="0" cy="0"/>
+          <a:chOff x="0" y="0"/>
+          <a:chExt cx="0" cy="0"/>
+        </a:xfrm>
+      </p:grpSpPr>
+      <p:pic>
+        <p:nvPicPr>
+          <p:cNvPr id="61" name="Picture 60">
+            <a:extLst>
+              <a:ext uri="{FF2B5EF4-FFF2-40B4-BE49-F238E27FC236}">
+                <a16:creationId xmlns:a16="http://schemas.microsoft.com/office/drawing/2014/main" id="{2E2F15A9-D92C-C27B-4524-AF213F32776C}"/>
+              </a:ext>
+            </a:extLst>
+          </p:cNvPr>
+          <p:cNvPicPr>
+            <a:picLocks noChangeAspect="1"/>
+          </p:cNvPicPr>
+          <p:nvPr/>
+        </p:nvPicPr>
+        <p:blipFill rotWithShape="1">
+          <a:blip r:embed="rId2"/>
+          <a:srcRect l="8848" t="2324" r="24403" b="3481"/>
+          <a:stretch/>
+        </p:blipFill>
+        <p:spPr>
+          <a:xfrm>
+            <a:off x="281376" y="5165890"/>
+            <a:ext cx="6374835" cy="4480466"/>
+          </a:xfrm>
+          <a:prstGeom prst="rect">
+            <a:avLst/>
+          </a:prstGeom>
+        </p:spPr>
+      </p:pic>
+      <p:pic>
+        <p:nvPicPr>
+          <p:cNvPr id="40" name="Picture 39">
+            <a:extLst>
+              <a:ext uri="{FF2B5EF4-FFF2-40B4-BE49-F238E27FC236}">
+                <a16:creationId xmlns:a16="http://schemas.microsoft.com/office/drawing/2014/main" id="{19A60CD9-FD07-89CA-49E3-FFAA33269A21}"/>
+              </a:ext>
+            </a:extLst>
+          </p:cNvPr>
+          <p:cNvPicPr>
+            <a:picLocks noChangeAspect="1"/>
+          </p:cNvPicPr>
+          <p:nvPr/>
+        </p:nvPicPr>
+        <p:blipFill rotWithShape="1">
+          <a:blip r:embed="rId3"/>
+          <a:srcRect l="8847" t="3636" r="24939" b="9512"/>
+          <a:stretch/>
+        </p:blipFill>
+        <p:spPr>
+          <a:xfrm>
+            <a:off x="281376" y="830388"/>
+            <a:ext cx="6323742" cy="4131129"/>
+          </a:xfrm>
+          <a:prstGeom prst="rect">
+            <a:avLst/>
+          </a:prstGeom>
+        </p:spPr>
+      </p:pic>
+      <p:sp>
+        <p:nvSpPr>
+          <p:cNvPr id="4" name="Rectangle 3">
+            <a:extLst>
+              <a:ext uri="{FF2B5EF4-FFF2-40B4-BE49-F238E27FC236}">
+                <a16:creationId xmlns:a16="http://schemas.microsoft.com/office/drawing/2014/main" id="{BDB8E2F4-CB0D-785D-5AED-F641C1EA1A70}"/>
+              </a:ext>
+            </a:extLst>
+          </p:cNvPr>
+          <p:cNvSpPr/>
+          <p:nvPr/>
+        </p:nvSpPr>
+        <p:spPr>
+          <a:xfrm>
+            <a:off x="201789" y="761875"/>
+            <a:ext cx="3307549" cy="2260075"/>
+          </a:xfrm>
+          <a:prstGeom prst="rect">
+            <a:avLst/>
+          </a:prstGeom>
+          <a:solidFill>
+            <a:schemeClr val="bg1"/>
+          </a:solidFill>
+          <a:ln>
+            <a:noFill/>
+          </a:ln>
+        </p:spPr>
+        <p:style>
+          <a:lnRef idx="2">
+            <a:schemeClr val="accent1">
+              <a:shade val="15000"/>
+            </a:schemeClr>
+          </a:lnRef>
+          <a:fillRef idx="1">
+            <a:schemeClr val="accent1"/>
+          </a:fillRef>
+          <a:effectRef idx="0">
+            <a:schemeClr val="accent1"/>
+          </a:effectRef>
+          <a:fontRef idx="minor">
+            <a:schemeClr val="lt1"/>
+          </a:fontRef>
+        </p:style>
+        <p:txBody>
+          <a:bodyPr rtlCol="1" anchor="ctr"/>
+          <a:lstStyle/>
+          <a:p>
+            <a:pPr algn="ctr"/>
+            <a:endParaRPr lang="he-IL" sz="2400"/>
+          </a:p>
+        </p:txBody>
+      </p:sp>
+      <p:pic>
+        <p:nvPicPr>
+          <p:cNvPr id="41" name="Picture 40">
+            <a:extLst>
+              <a:ext uri="{FF2B5EF4-FFF2-40B4-BE49-F238E27FC236}">
+                <a16:creationId xmlns:a16="http://schemas.microsoft.com/office/drawing/2014/main" id="{DF43E63B-0A0E-7748-4990-639FDB011916}"/>
+              </a:ext>
+            </a:extLst>
+          </p:cNvPr>
+          <p:cNvPicPr>
+            <a:picLocks noChangeAspect="1"/>
+          </p:cNvPicPr>
+          <p:nvPr/>
+        </p:nvPicPr>
+        <p:blipFill rotWithShape="1">
+          <a:blip r:embed="rId3"/>
+          <a:srcRect l="7324" t="3553" r="90742" b="92637"/>
+          <a:stretch/>
+        </p:blipFill>
+        <p:spPr>
+          <a:xfrm>
+            <a:off x="468063" y="830388"/>
+            <a:ext cx="184720" cy="181248"/>
+          </a:xfrm>
+          <a:prstGeom prst="rect">
+            <a:avLst/>
+          </a:prstGeom>
+        </p:spPr>
+      </p:pic>
+      <p:grpSp>
+        <p:nvGrpSpPr>
+          <p:cNvPr id="20" name="Group 19">
+            <a:extLst>
+              <a:ext uri="{FF2B5EF4-FFF2-40B4-BE49-F238E27FC236}">
+                <a16:creationId xmlns:a16="http://schemas.microsoft.com/office/drawing/2014/main" id="{2477707B-3076-B386-D8FD-6BA1372B6CD4}"/>
+              </a:ext>
+            </a:extLst>
+          </p:cNvPr>
+          <p:cNvGrpSpPr/>
+          <p:nvPr/>
+        </p:nvGrpSpPr>
+        <p:grpSpPr>
+          <a:xfrm>
+            <a:off x="5765677" y="1119592"/>
+            <a:ext cx="501653" cy="307777"/>
+            <a:chOff x="8054594" y="934457"/>
+            <a:chExt cx="632205" cy="387873"/>
+          </a:xfrm>
+        </p:grpSpPr>
+        <p:sp>
+          <p:nvSpPr>
+            <p:cNvPr id="13" name="Left Bracket 12">
+              <a:extLst>
+                <a:ext uri="{FF2B5EF4-FFF2-40B4-BE49-F238E27FC236}">
+                  <a16:creationId xmlns:a16="http://schemas.microsoft.com/office/drawing/2014/main" id="{C95068E2-1211-9C3B-9DC2-33F4B74A0CED}"/>
+                </a:ext>
+              </a:extLst>
+            </p:cNvPr>
+            <p:cNvSpPr/>
+            <p:nvPr/>
+          </p:nvSpPr>
+          <p:spPr>
+            <a:xfrm rot="5400000">
+              <a:off x="8317100" y="934090"/>
+              <a:ext cx="107193" cy="632205"/>
+            </a:xfrm>
+            <a:prstGeom prst="leftBracket">
+              <a:avLst/>
+            </a:prstGeom>
+            <a:ln w="28575">
+              <a:solidFill>
+                <a:schemeClr val="tx1"/>
+              </a:solidFill>
+            </a:ln>
+          </p:spPr>
+          <p:style>
+            <a:lnRef idx="1">
+              <a:schemeClr val="accent1"/>
+            </a:lnRef>
+            <a:fillRef idx="0">
+              <a:schemeClr val="accent1"/>
+            </a:fillRef>
+            <a:effectRef idx="0">
+              <a:schemeClr val="accent1"/>
+            </a:effectRef>
+            <a:fontRef idx="minor">
+              <a:schemeClr val="tx1"/>
+            </a:fontRef>
+          </p:style>
+          <p:txBody>
+            <a:bodyPr rtlCol="1" anchor="ctr"/>
+            <a:lstStyle/>
+            <a:p>
+              <a:pPr algn="ctr"/>
+              <a:endParaRPr lang="he-IL" sz="1400"/>
+            </a:p>
+          </p:txBody>
+        </p:sp>
+        <p:sp>
+          <p:nvSpPr>
+            <p:cNvPr id="19" name="TextBox 18">
+              <a:extLst>
+                <a:ext uri="{FF2B5EF4-FFF2-40B4-BE49-F238E27FC236}">
+                  <a16:creationId xmlns:a16="http://schemas.microsoft.com/office/drawing/2014/main" id="{8BB7860A-A036-6F09-DDB7-3B101B609CC7}"/>
+                </a:ext>
+              </a:extLst>
+            </p:cNvPr>
+            <p:cNvSpPr txBox="1"/>
+            <p:nvPr/>
+          </p:nvSpPr>
+          <p:spPr>
+            <a:xfrm>
+              <a:off x="8169440" y="934457"/>
+              <a:ext cx="402510" cy="387873"/>
+            </a:xfrm>
+            <a:prstGeom prst="rect">
+              <a:avLst/>
+            </a:prstGeom>
+            <a:noFill/>
+          </p:spPr>
+          <p:txBody>
+            <a:bodyPr wrap="square" rtlCol="1">
+              <a:spAutoFit/>
+            </a:bodyPr>
+            <a:lstStyle/>
+            <a:p>
+              <a:pPr algn="ctr"/>
+              <a:r>
+                <a:rPr lang="en-US" sz="1400" b="1" dirty="0"/>
+                <a:t>*</a:t>
+              </a:r>
+              <a:endParaRPr lang="he-IL" sz="1400" b="1" dirty="0"/>
+            </a:p>
+          </p:txBody>
+        </p:sp>
+      </p:grpSp>
+      <p:grpSp>
+        <p:nvGrpSpPr>
+          <p:cNvPr id="21" name="Group 20">
+            <a:extLst>
+              <a:ext uri="{FF2B5EF4-FFF2-40B4-BE49-F238E27FC236}">
+                <a16:creationId xmlns:a16="http://schemas.microsoft.com/office/drawing/2014/main" id="{16314231-96A6-BDFE-DFF0-62F2DA0C9ECB}"/>
+              </a:ext>
+            </a:extLst>
+          </p:cNvPr>
+          <p:cNvGrpSpPr/>
+          <p:nvPr/>
+        </p:nvGrpSpPr>
+        <p:grpSpPr>
+          <a:xfrm>
+            <a:off x="4211539" y="1119592"/>
+            <a:ext cx="501653" cy="307777"/>
+            <a:chOff x="8054594" y="934457"/>
+            <a:chExt cx="632205" cy="387873"/>
+          </a:xfrm>
+        </p:grpSpPr>
+        <p:sp>
+          <p:nvSpPr>
+            <p:cNvPr id="22" name="Left Bracket 21">
+              <a:extLst>
+                <a:ext uri="{FF2B5EF4-FFF2-40B4-BE49-F238E27FC236}">
+                  <a16:creationId xmlns:a16="http://schemas.microsoft.com/office/drawing/2014/main" id="{52D14E4B-BCA5-3369-400D-0C5A46BAD315}"/>
+                </a:ext>
+              </a:extLst>
+            </p:cNvPr>
+            <p:cNvSpPr/>
+            <p:nvPr/>
+          </p:nvSpPr>
+          <p:spPr>
+            <a:xfrm rot="5400000">
+              <a:off x="8317100" y="934090"/>
+              <a:ext cx="107193" cy="632205"/>
+            </a:xfrm>
+            <a:prstGeom prst="leftBracket">
+              <a:avLst/>
+            </a:prstGeom>
+            <a:ln w="28575">
+              <a:solidFill>
+                <a:schemeClr val="tx1"/>
+              </a:solidFill>
+            </a:ln>
+          </p:spPr>
+          <p:style>
+            <a:lnRef idx="1">
+              <a:schemeClr val="accent1"/>
+            </a:lnRef>
+            <a:fillRef idx="0">
+              <a:schemeClr val="accent1"/>
+            </a:fillRef>
+            <a:effectRef idx="0">
+              <a:schemeClr val="accent1"/>
+            </a:effectRef>
+            <a:fontRef idx="minor">
+              <a:schemeClr val="tx1"/>
+            </a:fontRef>
+          </p:style>
+          <p:txBody>
+            <a:bodyPr rtlCol="1" anchor="ctr"/>
+            <a:lstStyle/>
+            <a:p>
+              <a:pPr algn="ctr"/>
+              <a:endParaRPr lang="he-IL" sz="1400"/>
+            </a:p>
+          </p:txBody>
+        </p:sp>
+        <p:sp>
+          <p:nvSpPr>
+            <p:cNvPr id="23" name="TextBox 22">
+              <a:extLst>
+                <a:ext uri="{FF2B5EF4-FFF2-40B4-BE49-F238E27FC236}">
+                  <a16:creationId xmlns:a16="http://schemas.microsoft.com/office/drawing/2014/main" id="{3E281EB0-C958-3A22-41E6-83A1D15B6244}"/>
+                </a:ext>
+              </a:extLst>
+            </p:cNvPr>
+            <p:cNvSpPr txBox="1"/>
+            <p:nvPr/>
+          </p:nvSpPr>
+          <p:spPr>
+            <a:xfrm>
+              <a:off x="8169440" y="934457"/>
+              <a:ext cx="402510" cy="387873"/>
+            </a:xfrm>
+            <a:prstGeom prst="rect">
+              <a:avLst/>
+            </a:prstGeom>
+            <a:noFill/>
+          </p:spPr>
+          <p:txBody>
+            <a:bodyPr wrap="square" rtlCol="1">
+              <a:spAutoFit/>
+            </a:bodyPr>
+            <a:lstStyle/>
+            <a:p>
+              <a:pPr algn="ctr"/>
+              <a:r>
+                <a:rPr lang="en-US" sz="1400" b="1" dirty="0"/>
+                <a:t>*</a:t>
+              </a:r>
+              <a:endParaRPr lang="he-IL" sz="1400" b="1" dirty="0"/>
+            </a:p>
+          </p:txBody>
+        </p:sp>
+      </p:grpSp>
+      <p:grpSp>
+        <p:nvGrpSpPr>
+          <p:cNvPr id="24" name="Group 23">
+            <a:extLst>
+              <a:ext uri="{FF2B5EF4-FFF2-40B4-BE49-F238E27FC236}">
+                <a16:creationId xmlns:a16="http://schemas.microsoft.com/office/drawing/2014/main" id="{4A7EF5D8-C6C2-34CC-CC59-CA9E9A63277A}"/>
+              </a:ext>
+            </a:extLst>
+          </p:cNvPr>
+          <p:cNvGrpSpPr/>
+          <p:nvPr/>
+        </p:nvGrpSpPr>
+        <p:grpSpPr>
+          <a:xfrm>
+            <a:off x="5765677" y="3407305"/>
+            <a:ext cx="501653" cy="307777"/>
+            <a:chOff x="8054594" y="934457"/>
+            <a:chExt cx="632205" cy="387873"/>
+          </a:xfrm>
+        </p:grpSpPr>
+        <p:sp>
+          <p:nvSpPr>
+            <p:cNvPr id="25" name="Left Bracket 24">
+              <a:extLst>
+                <a:ext uri="{FF2B5EF4-FFF2-40B4-BE49-F238E27FC236}">
+                  <a16:creationId xmlns:a16="http://schemas.microsoft.com/office/drawing/2014/main" id="{B2E0CEC0-A28D-C563-89BF-C768E316A219}"/>
+                </a:ext>
+              </a:extLst>
+            </p:cNvPr>
+            <p:cNvSpPr/>
+            <p:nvPr/>
+          </p:nvSpPr>
+          <p:spPr>
+            <a:xfrm rot="5400000">
+              <a:off x="8317100" y="934090"/>
+              <a:ext cx="107193" cy="632205"/>
+            </a:xfrm>
+            <a:prstGeom prst="leftBracket">
+              <a:avLst/>
+            </a:prstGeom>
+            <a:ln w="28575">
+              <a:solidFill>
+                <a:schemeClr val="tx1"/>
+              </a:solidFill>
+            </a:ln>
+          </p:spPr>
+          <p:style>
+            <a:lnRef idx="1">
+              <a:schemeClr val="accent1"/>
+            </a:lnRef>
+            <a:fillRef idx="0">
+              <a:schemeClr val="accent1"/>
+            </a:fillRef>
+            <a:effectRef idx="0">
+              <a:schemeClr val="accent1"/>
+            </a:effectRef>
+            <a:fontRef idx="minor">
+              <a:schemeClr val="tx1"/>
+            </a:fontRef>
+          </p:style>
+          <p:txBody>
+            <a:bodyPr rtlCol="1" anchor="ctr"/>
+            <a:lstStyle/>
+            <a:p>
+              <a:pPr algn="ctr"/>
+              <a:endParaRPr lang="he-IL" sz="1400"/>
+            </a:p>
+          </p:txBody>
+        </p:sp>
+        <p:sp>
+          <p:nvSpPr>
+            <p:cNvPr id="26" name="TextBox 25">
+              <a:extLst>
+                <a:ext uri="{FF2B5EF4-FFF2-40B4-BE49-F238E27FC236}">
+                  <a16:creationId xmlns:a16="http://schemas.microsoft.com/office/drawing/2014/main" id="{31BEB9E2-7C73-B1A2-4F36-AF5332C96D0E}"/>
+                </a:ext>
+              </a:extLst>
+            </p:cNvPr>
+            <p:cNvSpPr txBox="1"/>
+            <p:nvPr/>
+          </p:nvSpPr>
+          <p:spPr>
+            <a:xfrm>
+              <a:off x="8169440" y="934457"/>
+              <a:ext cx="402510" cy="387873"/>
+            </a:xfrm>
+            <a:prstGeom prst="rect">
+              <a:avLst/>
+            </a:prstGeom>
+            <a:noFill/>
+          </p:spPr>
+          <p:txBody>
+            <a:bodyPr wrap="square" rtlCol="1">
+              <a:spAutoFit/>
+            </a:bodyPr>
+            <a:lstStyle/>
+            <a:p>
+              <a:pPr algn="ctr"/>
+              <a:r>
+                <a:rPr lang="en-US" sz="1400" b="1" dirty="0"/>
+                <a:t>*</a:t>
+              </a:r>
+              <a:endParaRPr lang="he-IL" sz="1400" b="1" dirty="0"/>
+            </a:p>
+          </p:txBody>
+        </p:sp>
+      </p:grpSp>
+      <p:grpSp>
+        <p:nvGrpSpPr>
+          <p:cNvPr id="27" name="Group 26">
+            <a:extLst>
+              <a:ext uri="{FF2B5EF4-FFF2-40B4-BE49-F238E27FC236}">
+                <a16:creationId xmlns:a16="http://schemas.microsoft.com/office/drawing/2014/main" id="{56E57A82-43A0-D499-AA18-E7F972E4BF4D}"/>
+              </a:ext>
+            </a:extLst>
+          </p:cNvPr>
+          <p:cNvGrpSpPr/>
+          <p:nvPr/>
+        </p:nvGrpSpPr>
+        <p:grpSpPr>
+          <a:xfrm>
+            <a:off x="4211538" y="3212873"/>
+            <a:ext cx="501653" cy="307777"/>
+            <a:chOff x="8054594" y="934457"/>
+            <a:chExt cx="632205" cy="387873"/>
+          </a:xfrm>
+        </p:grpSpPr>
+        <p:sp>
+          <p:nvSpPr>
+            <p:cNvPr id="28" name="Left Bracket 27">
+              <a:extLst>
+                <a:ext uri="{FF2B5EF4-FFF2-40B4-BE49-F238E27FC236}">
+                  <a16:creationId xmlns:a16="http://schemas.microsoft.com/office/drawing/2014/main" id="{8F840B4F-D971-DC5D-E28F-4465977C1914}"/>
+                </a:ext>
+              </a:extLst>
+            </p:cNvPr>
+            <p:cNvSpPr/>
+            <p:nvPr/>
+          </p:nvSpPr>
+          <p:spPr>
+            <a:xfrm rot="5400000">
+              <a:off x="8317100" y="934090"/>
+              <a:ext cx="107193" cy="632205"/>
+            </a:xfrm>
+            <a:prstGeom prst="leftBracket">
+              <a:avLst/>
+            </a:prstGeom>
+            <a:ln w="28575">
+              <a:solidFill>
+                <a:schemeClr val="tx1"/>
+              </a:solidFill>
+            </a:ln>
+          </p:spPr>
+          <p:style>
+            <a:lnRef idx="1">
+              <a:schemeClr val="accent1"/>
+            </a:lnRef>
+            <a:fillRef idx="0">
+              <a:schemeClr val="accent1"/>
+            </a:fillRef>
+            <a:effectRef idx="0">
+              <a:schemeClr val="accent1"/>
+            </a:effectRef>
+            <a:fontRef idx="minor">
+              <a:schemeClr val="tx1"/>
+            </a:fontRef>
+          </p:style>
+          <p:txBody>
+            <a:bodyPr rtlCol="1" anchor="ctr"/>
+            <a:lstStyle/>
+            <a:p>
+              <a:pPr algn="ctr"/>
+              <a:endParaRPr lang="he-IL" sz="1400"/>
+            </a:p>
+          </p:txBody>
+        </p:sp>
+        <p:sp>
+          <p:nvSpPr>
+            <p:cNvPr id="29" name="TextBox 28">
+              <a:extLst>
+                <a:ext uri="{FF2B5EF4-FFF2-40B4-BE49-F238E27FC236}">
+                  <a16:creationId xmlns:a16="http://schemas.microsoft.com/office/drawing/2014/main" id="{73AADB1D-013A-D02D-C58B-AC4A3D9B5092}"/>
+                </a:ext>
+              </a:extLst>
+            </p:cNvPr>
+            <p:cNvSpPr txBox="1"/>
+            <p:nvPr/>
+          </p:nvSpPr>
+          <p:spPr>
+            <a:xfrm>
+              <a:off x="8169440" y="934457"/>
+              <a:ext cx="402510" cy="387873"/>
+            </a:xfrm>
+            <a:prstGeom prst="rect">
+              <a:avLst/>
+            </a:prstGeom>
+            <a:noFill/>
+          </p:spPr>
+          <p:txBody>
+            <a:bodyPr wrap="square" rtlCol="1">
+              <a:spAutoFit/>
+            </a:bodyPr>
+            <a:lstStyle/>
+            <a:p>
+              <a:pPr algn="ctr"/>
+              <a:r>
+                <a:rPr lang="en-US" sz="1400" b="1" dirty="0"/>
+                <a:t>*</a:t>
+              </a:r>
+              <a:endParaRPr lang="he-IL" sz="1400" b="1" dirty="0"/>
+            </a:p>
+          </p:txBody>
+        </p:sp>
+      </p:grpSp>
+      <p:grpSp>
+        <p:nvGrpSpPr>
+          <p:cNvPr id="30" name="Group 29">
+            <a:extLst>
+              <a:ext uri="{FF2B5EF4-FFF2-40B4-BE49-F238E27FC236}">
+                <a16:creationId xmlns:a16="http://schemas.microsoft.com/office/drawing/2014/main" id="{F7977404-1222-1E95-B22F-FEDFC88A0BA0}"/>
+              </a:ext>
+            </a:extLst>
+          </p:cNvPr>
+          <p:cNvGrpSpPr/>
+          <p:nvPr/>
+        </p:nvGrpSpPr>
+        <p:grpSpPr>
+          <a:xfrm>
+            <a:off x="2639898" y="3507076"/>
+            <a:ext cx="501653" cy="307777"/>
+            <a:chOff x="8054594" y="934457"/>
+            <a:chExt cx="632205" cy="387873"/>
+          </a:xfrm>
+        </p:grpSpPr>
+        <p:sp>
+          <p:nvSpPr>
+            <p:cNvPr id="31" name="Left Bracket 30">
+              <a:extLst>
+                <a:ext uri="{FF2B5EF4-FFF2-40B4-BE49-F238E27FC236}">
+                  <a16:creationId xmlns:a16="http://schemas.microsoft.com/office/drawing/2014/main" id="{E57F8C40-62BB-97A6-CC71-64FC5F2B1122}"/>
+                </a:ext>
+              </a:extLst>
+            </p:cNvPr>
+            <p:cNvSpPr/>
+            <p:nvPr/>
+          </p:nvSpPr>
+          <p:spPr>
+            <a:xfrm rot="5400000">
+              <a:off x="8317100" y="934090"/>
+              <a:ext cx="107193" cy="632205"/>
+            </a:xfrm>
+            <a:prstGeom prst="leftBracket">
+              <a:avLst/>
+            </a:prstGeom>
+            <a:ln w="28575">
+              <a:solidFill>
+                <a:schemeClr val="tx1"/>
+              </a:solidFill>
+            </a:ln>
+          </p:spPr>
+          <p:style>
+            <a:lnRef idx="1">
+              <a:schemeClr val="accent1"/>
+            </a:lnRef>
+            <a:fillRef idx="0">
+              <a:schemeClr val="accent1"/>
+            </a:fillRef>
+            <a:effectRef idx="0">
+              <a:schemeClr val="accent1"/>
+            </a:effectRef>
+            <a:fontRef idx="minor">
+              <a:schemeClr val="tx1"/>
+            </a:fontRef>
+          </p:style>
+          <p:txBody>
+            <a:bodyPr rtlCol="1" anchor="ctr"/>
+            <a:lstStyle/>
+            <a:p>
+              <a:pPr algn="ctr"/>
+              <a:endParaRPr lang="he-IL" sz="1400"/>
+            </a:p>
+          </p:txBody>
+        </p:sp>
+        <p:sp>
+          <p:nvSpPr>
+            <p:cNvPr id="32" name="TextBox 31">
+              <a:extLst>
+                <a:ext uri="{FF2B5EF4-FFF2-40B4-BE49-F238E27FC236}">
+                  <a16:creationId xmlns:a16="http://schemas.microsoft.com/office/drawing/2014/main" id="{0A774542-238A-C5CC-EED2-441A67BC1341}"/>
+                </a:ext>
+              </a:extLst>
+            </p:cNvPr>
+            <p:cNvSpPr txBox="1"/>
+            <p:nvPr/>
+          </p:nvSpPr>
+          <p:spPr>
+            <a:xfrm>
+              <a:off x="8169440" y="934457"/>
+              <a:ext cx="402510" cy="387873"/>
+            </a:xfrm>
+            <a:prstGeom prst="rect">
+              <a:avLst/>
+            </a:prstGeom>
+            <a:noFill/>
+          </p:spPr>
+          <p:txBody>
+            <a:bodyPr wrap="square" rtlCol="1">
+              <a:spAutoFit/>
+            </a:bodyPr>
+            <a:lstStyle/>
+            <a:p>
+              <a:pPr algn="ctr"/>
+              <a:r>
+                <a:rPr lang="en-US" sz="1400" b="1" dirty="0"/>
+                <a:t>*</a:t>
+              </a:r>
+              <a:endParaRPr lang="he-IL" sz="1400" b="1" dirty="0"/>
+            </a:p>
+          </p:txBody>
+        </p:sp>
+      </p:grpSp>
+      <p:sp>
+        <p:nvSpPr>
+          <p:cNvPr id="49" name="TextBox 48">
+            <a:extLst>
+              <a:ext uri="{FF2B5EF4-FFF2-40B4-BE49-F238E27FC236}">
+                <a16:creationId xmlns:a16="http://schemas.microsoft.com/office/drawing/2014/main" id="{D4484129-ED87-E7D0-93A8-616F486954B1}"/>
+              </a:ext>
+            </a:extLst>
+          </p:cNvPr>
+          <p:cNvSpPr txBox="1"/>
+          <p:nvPr/>
+        </p:nvSpPr>
+        <p:spPr>
+          <a:xfrm>
+            <a:off x="380293" y="5165561"/>
+            <a:ext cx="380663" cy="230832"/>
+          </a:xfrm>
+          <a:prstGeom prst="rect">
+            <a:avLst/>
+          </a:prstGeom>
+          <a:noFill/>
+        </p:spPr>
+        <p:txBody>
+          <a:bodyPr wrap="square" rtlCol="1">
+            <a:spAutoFit/>
+          </a:bodyPr>
+          <a:lstStyle/>
+          <a:p>
+            <a:pPr algn="ctr"/>
+            <a:r>
+              <a:rPr lang="en-US" sz="900" b="1" dirty="0"/>
+              <a:t>(d)</a:t>
+            </a:r>
+            <a:endParaRPr lang="he-IL" sz="900" b="1" dirty="0"/>
+          </a:p>
+        </p:txBody>
+      </p:sp>
+      <p:sp>
+        <p:nvSpPr>
+          <p:cNvPr id="50" name="TextBox 49">
+            <a:extLst>
+              <a:ext uri="{FF2B5EF4-FFF2-40B4-BE49-F238E27FC236}">
+                <a16:creationId xmlns:a16="http://schemas.microsoft.com/office/drawing/2014/main" id="{99549414-829A-6B5D-F57A-87D25E978F22}"/>
+              </a:ext>
+            </a:extLst>
+          </p:cNvPr>
+          <p:cNvSpPr txBox="1"/>
+          <p:nvPr/>
+        </p:nvSpPr>
+        <p:spPr>
+          <a:xfrm>
+            <a:off x="3491088" y="5165889"/>
+            <a:ext cx="380663" cy="230832"/>
+          </a:xfrm>
+          <a:prstGeom prst="rect">
+            <a:avLst/>
+          </a:prstGeom>
+          <a:noFill/>
+        </p:spPr>
+        <p:txBody>
+          <a:bodyPr wrap="square" rtlCol="1">
+            <a:spAutoFit/>
+          </a:bodyPr>
+          <a:lstStyle/>
+          <a:p>
+            <a:pPr algn="ctr"/>
+            <a:r>
+              <a:rPr lang="en-US" sz="900" b="1" dirty="0"/>
+              <a:t>(i)</a:t>
+            </a:r>
+            <a:endParaRPr lang="he-IL" sz="900" b="1" dirty="0"/>
+          </a:p>
+        </p:txBody>
+      </p:sp>
+      <p:sp>
+        <p:nvSpPr>
+          <p:cNvPr id="53" name="TextBox 52">
+            <a:extLst>
+              <a:ext uri="{FF2B5EF4-FFF2-40B4-BE49-F238E27FC236}">
+                <a16:creationId xmlns:a16="http://schemas.microsoft.com/office/drawing/2014/main" id="{81D16357-A051-AF19-C0E3-86386D30C912}"/>
+              </a:ext>
+            </a:extLst>
+          </p:cNvPr>
+          <p:cNvSpPr txBox="1"/>
+          <p:nvPr/>
+        </p:nvSpPr>
+        <p:spPr>
+          <a:xfrm>
+            <a:off x="380293" y="7403842"/>
+            <a:ext cx="380663" cy="230832"/>
+          </a:xfrm>
+          <a:prstGeom prst="rect">
+            <a:avLst/>
+          </a:prstGeom>
+          <a:noFill/>
+        </p:spPr>
+        <p:txBody>
+          <a:bodyPr wrap="square" rtlCol="1">
+            <a:spAutoFit/>
+          </a:bodyPr>
+          <a:lstStyle/>
+          <a:p>
+            <a:pPr algn="ctr"/>
+            <a:r>
+              <a:rPr lang="en-US" sz="900" b="1" dirty="0"/>
+              <a:t>(j)</a:t>
+            </a:r>
+            <a:endParaRPr lang="he-IL" sz="900" b="1" dirty="0"/>
+          </a:p>
+        </p:txBody>
+      </p:sp>
+      <p:sp>
+        <p:nvSpPr>
+          <p:cNvPr id="54" name="TextBox 53">
+            <a:extLst>
+              <a:ext uri="{FF2B5EF4-FFF2-40B4-BE49-F238E27FC236}">
+                <a16:creationId xmlns:a16="http://schemas.microsoft.com/office/drawing/2014/main" id="{21FA69D1-936B-2088-9449-B537457AC8AB}"/>
+              </a:ext>
+            </a:extLst>
+          </p:cNvPr>
+          <p:cNvSpPr txBox="1"/>
+          <p:nvPr/>
+        </p:nvSpPr>
+        <p:spPr>
+          <a:xfrm>
+            <a:off x="3491088" y="7403842"/>
+            <a:ext cx="380663" cy="230832"/>
+          </a:xfrm>
+          <a:prstGeom prst="rect">
+            <a:avLst/>
+          </a:prstGeom>
+          <a:noFill/>
+        </p:spPr>
+        <p:txBody>
+          <a:bodyPr wrap="square" rtlCol="1">
+            <a:spAutoFit/>
+          </a:bodyPr>
+          <a:lstStyle/>
+          <a:p>
+            <a:pPr algn="ctr"/>
+            <a:r>
+              <a:rPr lang="en-US" sz="900" b="1" dirty="0"/>
+              <a:t>(k)</a:t>
+            </a:r>
+            <a:endParaRPr lang="he-IL" sz="900" b="1" dirty="0"/>
+          </a:p>
+        </p:txBody>
+      </p:sp>
+      <p:sp>
+        <p:nvSpPr>
+          <p:cNvPr id="48" name="Rectangle 47">
+            <a:extLst>
+              <a:ext uri="{FF2B5EF4-FFF2-40B4-BE49-F238E27FC236}">
+                <a16:creationId xmlns:a16="http://schemas.microsoft.com/office/drawing/2014/main" id="{4AFDA111-2F7D-AA2F-8BC1-65A10CC30601}"/>
+              </a:ext>
+            </a:extLst>
+          </p:cNvPr>
+          <p:cNvSpPr/>
+          <p:nvPr/>
+        </p:nvSpPr>
+        <p:spPr>
+          <a:xfrm>
+            <a:off x="3212019" y="5154100"/>
+            <a:ext cx="416605" cy="200443"/>
+          </a:xfrm>
+          <a:prstGeom prst="rect">
+            <a:avLst/>
+          </a:prstGeom>
+          <a:solidFill>
+            <a:schemeClr val="bg1"/>
+          </a:solidFill>
+          <a:ln>
+            <a:noFill/>
+          </a:ln>
+        </p:spPr>
+        <p:style>
+          <a:lnRef idx="2">
+            <a:schemeClr val="accent1">
+              <a:shade val="15000"/>
+            </a:schemeClr>
+          </a:lnRef>
+          <a:fillRef idx="1">
+            <a:schemeClr val="accent1"/>
+          </a:fillRef>
+          <a:effectRef idx="0">
+            <a:schemeClr val="accent1"/>
+          </a:effectRef>
+          <a:fontRef idx="minor">
+            <a:schemeClr val="lt1"/>
+          </a:fontRef>
+        </p:style>
+        <p:txBody>
+          <a:bodyPr rtlCol="1" anchor="ctr"/>
+          <a:lstStyle/>
+          <a:p>
+            <a:pPr algn="ctr"/>
+            <a:endParaRPr lang="he-IL" sz="2400"/>
+          </a:p>
+        </p:txBody>
+      </p:sp>
+      <p:pic>
+        <p:nvPicPr>
+          <p:cNvPr id="3" name="Picture 2">
+            <a:extLst>
+              <a:ext uri="{FF2B5EF4-FFF2-40B4-BE49-F238E27FC236}">
+                <a16:creationId xmlns:a16="http://schemas.microsoft.com/office/drawing/2014/main" id="{D9B6C87F-4360-D90E-1D31-28C94444592A}"/>
+              </a:ext>
+            </a:extLst>
+          </p:cNvPr>
+          <p:cNvPicPr>
+            <a:picLocks noChangeAspect="1"/>
+          </p:cNvPicPr>
+          <p:nvPr/>
+        </p:nvPicPr>
+        <p:blipFill rotWithShape="1">
+          <a:blip r:embed="rId4"/>
+          <a:srcRect l="8979" t="3586" r="57412" b="50001"/>
+          <a:stretch/>
+        </p:blipFill>
+        <p:spPr>
+          <a:xfrm>
+            <a:off x="293903" y="830388"/>
+            <a:ext cx="3209886" cy="2208544"/>
+          </a:xfrm>
+          <a:prstGeom prst="rect">
+            <a:avLst/>
+          </a:prstGeom>
+        </p:spPr>
+      </p:pic>
+      <p:sp>
+        <p:nvSpPr>
+          <p:cNvPr id="2" name="TextBox 1">
+            <a:extLst>
+              <a:ext uri="{FF2B5EF4-FFF2-40B4-BE49-F238E27FC236}">
+                <a16:creationId xmlns:a16="http://schemas.microsoft.com/office/drawing/2014/main" id="{7E9A7AEE-177B-D645-9274-1175E889C312}"/>
+              </a:ext>
+            </a:extLst>
+          </p:cNvPr>
+          <p:cNvSpPr txBox="1"/>
+          <p:nvPr/>
+        </p:nvSpPr>
+        <p:spPr>
+          <a:xfrm>
+            <a:off x="960761" y="117475"/>
+            <a:ext cx="4231922" cy="369332"/>
+          </a:xfrm>
+          <a:prstGeom prst="rect">
+            <a:avLst/>
+          </a:prstGeom>
+          <a:noFill/>
+        </p:spPr>
+        <p:txBody>
+          <a:bodyPr wrap="square" rtlCol="1">
+            <a:spAutoFit/>
+          </a:bodyPr>
+          <a:lstStyle/>
+          <a:p>
+            <a:r>
+              <a:rPr lang="en-US" dirty="0"/>
+              <a:t>Enlarged to keep high resolution on paper</a:t>
+            </a:r>
+          </a:p>
+        </p:txBody>
+      </p:sp>
+    </p:spTree>
+    <p:extLst>
+      <p:ext uri="{BB962C8B-B14F-4D97-AF65-F5344CB8AC3E}">
+        <p14:creationId xmlns:p14="http://schemas.microsoft.com/office/powerpoint/2010/main" val="797577034"/>
+      </p:ext>
+    </p:extLst>
+  </p:cSld>
+  <p:clrMapOvr>
+    <a:masterClrMapping/>
+  </p:clrMapOvr>
+</p:sld>
+</file>
+
+<file path=ppt/slides/slide3.xml><?xml version="1.0" encoding="utf-8"?>
 <p:sld xmlns:a="http://schemas.openxmlformats.org/drawingml/2006/main" xmlns:r="http://schemas.openxmlformats.org/officeDocument/2006/relationships" xmlns:p="http://schemas.openxmlformats.org/presentationml/2006/main">
   <p:cSld>
     <p:spTree>
@@ -3980,7 +5070,7 @@
 </p:sld>
 </file>
 
-<file path=ppt/slides/slide3.xml><?xml version="1.0" encoding="utf-8"?>
+<file path=ppt/slides/slide4.xml><?xml version="1.0" encoding="utf-8"?>
 <p:sld xmlns:a="http://schemas.openxmlformats.org/drawingml/2006/main" xmlns:r="http://schemas.openxmlformats.org/officeDocument/2006/relationships" xmlns:p="http://schemas.openxmlformats.org/presentationml/2006/main">
   <p:cSld>
     <p:spTree>

--- a/analysis/figures/2023_07_31_plots_for_paper.pptx
+++ b/analysis/figures/2023_07_31_plots_for_paper.pptx
@@ -257,7 +257,7 @@
           <a:p>
             <a:fld id="{F96C78E7-D2FD-4CE9-9319-43DA8F4B39C6}" type="datetimeFigureOut">
               <a:rPr lang="he-IL" smtClean="0"/>
-              <a:t>ט"ו/אב/תשפ"ג</a:t>
+              <a:t>כ'/אב/תשפ"ג</a:t>
             </a:fld>
             <a:endParaRPr lang="he-IL"/>
           </a:p>
@@ -427,7 +427,7 @@
           <a:p>
             <a:fld id="{F96C78E7-D2FD-4CE9-9319-43DA8F4B39C6}" type="datetimeFigureOut">
               <a:rPr lang="he-IL" smtClean="0"/>
-              <a:t>ט"ו/אב/תשפ"ג</a:t>
+              <a:t>כ'/אב/תשפ"ג</a:t>
             </a:fld>
             <a:endParaRPr lang="he-IL"/>
           </a:p>
@@ -607,7 +607,7 @@
           <a:p>
             <a:fld id="{F96C78E7-D2FD-4CE9-9319-43DA8F4B39C6}" type="datetimeFigureOut">
               <a:rPr lang="he-IL" smtClean="0"/>
-              <a:t>ט"ו/אב/תשפ"ג</a:t>
+              <a:t>כ'/אב/תשפ"ג</a:t>
             </a:fld>
             <a:endParaRPr lang="he-IL"/>
           </a:p>
@@ -777,7 +777,7 @@
           <a:p>
             <a:fld id="{F96C78E7-D2FD-4CE9-9319-43DA8F4B39C6}" type="datetimeFigureOut">
               <a:rPr lang="he-IL" smtClean="0"/>
-              <a:t>ט"ו/אב/תשפ"ג</a:t>
+              <a:t>כ'/אב/תשפ"ג</a:t>
             </a:fld>
             <a:endParaRPr lang="he-IL"/>
           </a:p>
@@ -1021,7 +1021,7 @@
           <a:p>
             <a:fld id="{F96C78E7-D2FD-4CE9-9319-43DA8F4B39C6}" type="datetimeFigureOut">
               <a:rPr lang="he-IL" smtClean="0"/>
-              <a:t>ט"ו/אב/תשפ"ג</a:t>
+              <a:t>כ'/אב/תשפ"ג</a:t>
             </a:fld>
             <a:endParaRPr lang="he-IL"/>
           </a:p>
@@ -1253,7 +1253,7 @@
           <a:p>
             <a:fld id="{F96C78E7-D2FD-4CE9-9319-43DA8F4B39C6}" type="datetimeFigureOut">
               <a:rPr lang="he-IL" smtClean="0"/>
-              <a:t>ט"ו/אב/תשפ"ג</a:t>
+              <a:t>כ'/אב/תשפ"ג</a:t>
             </a:fld>
             <a:endParaRPr lang="he-IL"/>
           </a:p>
@@ -1620,7 +1620,7 @@
           <a:p>
             <a:fld id="{F96C78E7-D2FD-4CE9-9319-43DA8F4B39C6}" type="datetimeFigureOut">
               <a:rPr lang="he-IL" smtClean="0"/>
-              <a:t>ט"ו/אב/תשפ"ג</a:t>
+              <a:t>כ'/אב/תשפ"ג</a:t>
             </a:fld>
             <a:endParaRPr lang="he-IL"/>
           </a:p>
@@ -1738,7 +1738,7 @@
           <a:p>
             <a:fld id="{F96C78E7-D2FD-4CE9-9319-43DA8F4B39C6}" type="datetimeFigureOut">
               <a:rPr lang="he-IL" smtClean="0"/>
-              <a:t>ט"ו/אב/תשפ"ג</a:t>
+              <a:t>כ'/אב/תשפ"ג</a:t>
             </a:fld>
             <a:endParaRPr lang="he-IL"/>
           </a:p>
@@ -1833,7 +1833,7 @@
           <a:p>
             <a:fld id="{F96C78E7-D2FD-4CE9-9319-43DA8F4B39C6}" type="datetimeFigureOut">
               <a:rPr lang="he-IL" smtClean="0"/>
-              <a:t>ט"ו/אב/תשפ"ג</a:t>
+              <a:t>כ'/אב/תשפ"ג</a:t>
             </a:fld>
             <a:endParaRPr lang="he-IL"/>
           </a:p>
@@ -2110,7 +2110,7 @@
           <a:p>
             <a:fld id="{F96C78E7-D2FD-4CE9-9319-43DA8F4B39C6}" type="datetimeFigureOut">
               <a:rPr lang="he-IL" smtClean="0"/>
-              <a:t>ט"ו/אב/תשפ"ג</a:t>
+              <a:t>כ'/אב/תשפ"ג</a:t>
             </a:fld>
             <a:endParaRPr lang="he-IL"/>
           </a:p>
@@ -2367,7 +2367,7 @@
           <a:p>
             <a:fld id="{F96C78E7-D2FD-4CE9-9319-43DA8F4B39C6}" type="datetimeFigureOut">
               <a:rPr lang="he-IL" smtClean="0"/>
-              <a:t>ט"ו/אב/תשפ"ג</a:t>
+              <a:t>כ'/אב/תשפ"ג</a:t>
             </a:fld>
             <a:endParaRPr lang="he-IL"/>
           </a:p>
@@ -2580,7 +2580,7 @@
           <a:p>
             <a:fld id="{F96C78E7-D2FD-4CE9-9319-43DA8F4B39C6}" type="datetimeFigureOut">
               <a:rPr lang="he-IL" smtClean="0"/>
-              <a:t>ט"ו/אב/תשפ"ג</a:t>
+              <a:t>כ'/אב/תשפ"ג</a:t>
             </a:fld>
             <a:endParaRPr lang="he-IL"/>
           </a:p>
@@ -4705,7 +4705,7 @@
             <a:pPr algn="ctr"/>
             <a:r>
               <a:rPr lang="en-US" sz="900" b="1" dirty="0"/>
-              <a:t>(d)</a:t>
+              <a:t>(h)</a:t>
             </a:r>
             <a:endParaRPr lang="he-IL" sz="900" b="1" dirty="0"/>
           </a:p>
